--- a/Part_1_Resources_for_computational_modellers/4_Simulation_environments/1_NEURON.pptx
+++ b/Part_1_Resources_for_computational_modellers/4_Simulation_environments/1_NEURON.pptx
@@ -1,26 +1,454 @@
 
 <file path=ppt/presentation.xml><?xml version="1.0" encoding="utf-8"?>
-<p:presentation xmlns:a="http://schemas.openxmlformats.org/drawingml/2006/main" xmlns:p="http://schemas.openxmlformats.org/presentationml/2006/main" xmlns:r="http://schemas.openxmlformats.org/officeDocument/2006/relationships" xmlns:p14="http://schemas.microsoft.com/office/powerpoint/2010/main" xmlns:p15="http://schemas.microsoft.com/office/powerpoint/2012/main" xmlns:mc="http://schemas.openxmlformats.org/markup-compatibility/2006">
+<p:presentation xmlns:a="http://schemas.openxmlformats.org/drawingml/2006/main" xmlns:r="http://schemas.openxmlformats.org/officeDocument/2006/relationships" xmlns:p="http://schemas.openxmlformats.org/presentationml/2006/main">
   <p:sldMasterIdLst>
-    <p:sldMasterId id="2147483648" r:id="rId2"/>
-    <p:sldMasterId id="2147483661" r:id="rId3"/>
+    <p:sldMasterId id="2147483648" r:id="rId1"/>
+    <p:sldMasterId id="2147483661" r:id="rId2"/>
   </p:sldMasterIdLst>
   <p:notesMasterIdLst>
-    <p:notesMasterId r:id="rId4"/>
+    <p:notesMasterId r:id="rId7"/>
   </p:notesMasterIdLst>
   <p:sldIdLst>
-    <p:sldId id="256" r:id="rId5"/>
-    <p:sldId id="257" r:id="rId6"/>
-    <p:sldId id="258" r:id="rId7"/>
-    <p:sldId id="259" r:id="rId8"/>
+    <p:sldId id="256" r:id="rId3"/>
+    <p:sldId id="257" r:id="rId4"/>
+    <p:sldId id="258" r:id="rId5"/>
+    <p:sldId id="259" r:id="rId6"/>
   </p:sldIdLst>
   <p:sldSz cx="10080625" cy="7559675"/>
-  <p:notesSz cx="7559675" cy="10691812"/>
+  <p:notesSz cx="7559675" cy="10691813"/>
+  <p:defaultTextStyle>
+    <a:defPPr>
+      <a:defRPr lang="en-US"/>
+    </a:defPPr>
+    <a:lvl1pPr marL="0" algn="l" defTabSz="914400" rtl="0" eaLnBrk="1" latinLnBrk="0" hangingPunct="1">
+      <a:defRPr sz="1800" kern="1200">
+        <a:solidFill>
+          <a:schemeClr val="tx1"/>
+        </a:solidFill>
+        <a:latin typeface="+mn-lt"/>
+        <a:ea typeface="+mn-ea"/>
+        <a:cs typeface="+mn-cs"/>
+      </a:defRPr>
+    </a:lvl1pPr>
+    <a:lvl2pPr marL="457200" algn="l" defTabSz="914400" rtl="0" eaLnBrk="1" latinLnBrk="0" hangingPunct="1">
+      <a:defRPr sz="1800" kern="1200">
+        <a:solidFill>
+          <a:schemeClr val="tx1"/>
+        </a:solidFill>
+        <a:latin typeface="+mn-lt"/>
+        <a:ea typeface="+mn-ea"/>
+        <a:cs typeface="+mn-cs"/>
+      </a:defRPr>
+    </a:lvl2pPr>
+    <a:lvl3pPr marL="914400" algn="l" defTabSz="914400" rtl="0" eaLnBrk="1" latinLnBrk="0" hangingPunct="1">
+      <a:defRPr sz="1800" kern="1200">
+        <a:solidFill>
+          <a:schemeClr val="tx1"/>
+        </a:solidFill>
+        <a:latin typeface="+mn-lt"/>
+        <a:ea typeface="+mn-ea"/>
+        <a:cs typeface="+mn-cs"/>
+      </a:defRPr>
+    </a:lvl3pPr>
+    <a:lvl4pPr marL="1371600" algn="l" defTabSz="914400" rtl="0" eaLnBrk="1" latinLnBrk="0" hangingPunct="1">
+      <a:defRPr sz="1800" kern="1200">
+        <a:solidFill>
+          <a:schemeClr val="tx1"/>
+        </a:solidFill>
+        <a:latin typeface="+mn-lt"/>
+        <a:ea typeface="+mn-ea"/>
+        <a:cs typeface="+mn-cs"/>
+      </a:defRPr>
+    </a:lvl4pPr>
+    <a:lvl5pPr marL="1828800" algn="l" defTabSz="914400" rtl="0" eaLnBrk="1" latinLnBrk="0" hangingPunct="1">
+      <a:defRPr sz="1800" kern="1200">
+        <a:solidFill>
+          <a:schemeClr val="tx1"/>
+        </a:solidFill>
+        <a:latin typeface="+mn-lt"/>
+        <a:ea typeface="+mn-ea"/>
+        <a:cs typeface="+mn-cs"/>
+      </a:defRPr>
+    </a:lvl5pPr>
+    <a:lvl6pPr marL="2286000" algn="l" defTabSz="914400" rtl="0" eaLnBrk="1" latinLnBrk="0" hangingPunct="1">
+      <a:defRPr sz="1800" kern="1200">
+        <a:solidFill>
+          <a:schemeClr val="tx1"/>
+        </a:solidFill>
+        <a:latin typeface="+mn-lt"/>
+        <a:ea typeface="+mn-ea"/>
+        <a:cs typeface="+mn-cs"/>
+      </a:defRPr>
+    </a:lvl6pPr>
+    <a:lvl7pPr marL="2743200" algn="l" defTabSz="914400" rtl="0" eaLnBrk="1" latinLnBrk="0" hangingPunct="1">
+      <a:defRPr sz="1800" kern="1200">
+        <a:solidFill>
+          <a:schemeClr val="tx1"/>
+        </a:solidFill>
+        <a:latin typeface="+mn-lt"/>
+        <a:ea typeface="+mn-ea"/>
+        <a:cs typeface="+mn-cs"/>
+      </a:defRPr>
+    </a:lvl7pPr>
+    <a:lvl8pPr marL="3200400" algn="l" defTabSz="914400" rtl="0" eaLnBrk="1" latinLnBrk="0" hangingPunct="1">
+      <a:defRPr sz="1800" kern="1200">
+        <a:solidFill>
+          <a:schemeClr val="tx1"/>
+        </a:solidFill>
+        <a:latin typeface="+mn-lt"/>
+        <a:ea typeface="+mn-ea"/>
+        <a:cs typeface="+mn-cs"/>
+      </a:defRPr>
+    </a:lvl8pPr>
+    <a:lvl9pPr marL="3657600" algn="l" defTabSz="914400" rtl="0" eaLnBrk="1" latinLnBrk="0" hangingPunct="1">
+      <a:defRPr sz="1800" kern="1200">
+        <a:solidFill>
+          <a:schemeClr val="tx1"/>
+        </a:solidFill>
+        <a:latin typeface="+mn-lt"/>
+        <a:ea typeface="+mn-ea"/>
+        <a:cs typeface="+mn-cs"/>
+      </a:defRPr>
+    </a:lvl9pPr>
+  </p:defaultTextStyle>
 </p:presentation>
 </file>
 
 <file path=ppt/notesMasters/notesMaster1.xml><?xml version="1.0" encoding="utf-8"?>
-<p:notesMaster xmlns:a="http://schemas.openxmlformats.org/drawingml/2006/main" xmlns:p="http://schemas.openxmlformats.org/presentationml/2006/main" xmlns:r="http://schemas.openxmlformats.org/officeDocument/2006/relationships" xmlns:p14="http://schemas.microsoft.com/office/powerpoint/2010/main" xmlns:p15="http://schemas.microsoft.com/office/powerpoint/2012/main" xmlns:mc="http://schemas.openxmlformats.org/markup-compatibility/2006">
+<p:notesMaster xmlns:a="http://schemas.openxmlformats.org/drawingml/2006/main" xmlns:r="http://schemas.openxmlformats.org/officeDocument/2006/relationships" xmlns:p="http://schemas.openxmlformats.org/presentationml/2006/main">
+  <p:cSld>
+    <p:bg>
+      <p:bgRef idx="1001">
+        <a:schemeClr val="bg1"/>
+      </p:bgRef>
+    </p:bg>
+    <p:spTree>
+      <p:nvGrpSpPr>
+        <p:cNvPr id="1" name=""/>
+        <p:cNvGrpSpPr/>
+        <p:nvPr/>
+      </p:nvGrpSpPr>
+      <p:grpSpPr>
+        <a:xfrm>
+          <a:off x="0" y="0"/>
+          <a:ext cx="0" cy="0"/>
+          <a:chOff x="0" y="0"/>
+          <a:chExt cx="0" cy="0"/>
+        </a:xfrm>
+      </p:grpSpPr>
+      <p:sp>
+        <p:nvSpPr>
+          <p:cNvPr id="78" name="PlaceHolder 1"/>
+          <p:cNvSpPr>
+            <a:spLocks noGrp="1"/>
+          </p:cNvSpPr>
+          <p:nvPr>
+            <p:ph type="body"/>
+          </p:nvPr>
+        </p:nvSpPr>
+        <p:spPr>
+          <a:xfrm>
+            <a:off x="756000" y="5078520"/>
+            <a:ext cx="6047640" cy="4811040"/>
+          </a:xfrm>
+          <a:prstGeom prst="rect">
+            <a:avLst/>
+          </a:prstGeom>
+        </p:spPr>
+        <p:txBody>
+          <a:bodyPr lIns="0" tIns="0" rIns="0" bIns="0"/>
+          <a:lstStyle/>
+          <a:p>
+            <a:r>
+              <a:rPr lang="en-GB" sz="2000" b="0" strike="noStrike" spc="-1">
+                <a:solidFill>
+                  <a:srgbClr val="000000"/>
+                </a:solidFill>
+                <a:uFill>
+                  <a:solidFill>
+                    <a:srgbClr val="FFFFFF"/>
+                  </a:solidFill>
+                </a:uFill>
+                <a:latin typeface="Arial"/>
+              </a:rPr>
+              <a:t>Click to edit the notes format</a:t>
+            </a:r>
+          </a:p>
+        </p:txBody>
+      </p:sp>
+      <p:sp>
+        <p:nvSpPr>
+          <p:cNvPr id="79" name="PlaceHolder 2"/>
+          <p:cNvSpPr>
+            <a:spLocks noGrp="1"/>
+          </p:cNvSpPr>
+          <p:nvPr>
+            <p:ph type="hdr"/>
+          </p:nvPr>
+        </p:nvSpPr>
+        <p:spPr>
+          <a:xfrm>
+            <a:off x="0" y="0"/>
+            <a:ext cx="3280680" cy="534240"/>
+          </a:xfrm>
+          <a:prstGeom prst="rect">
+            <a:avLst/>
+          </a:prstGeom>
+        </p:spPr>
+        <p:txBody>
+          <a:bodyPr lIns="0" tIns="0" rIns="0" bIns="0"/>
+          <a:lstStyle/>
+          <a:p>
+            <a:r>
+              <a:rPr lang="en-GB" sz="1400" b="0" strike="noStrike" spc="-1">
+                <a:solidFill>
+                  <a:srgbClr val="000000"/>
+                </a:solidFill>
+                <a:uFill>
+                  <a:solidFill>
+                    <a:srgbClr val="FFFFFF"/>
+                  </a:solidFill>
+                </a:uFill>
+                <a:latin typeface="Times New Roman"/>
+              </a:rPr>
+              <a:t>&lt;header&gt;</a:t>
+            </a:r>
+          </a:p>
+        </p:txBody>
+      </p:sp>
+      <p:sp>
+        <p:nvSpPr>
+          <p:cNvPr id="80" name="PlaceHolder 3"/>
+          <p:cNvSpPr>
+            <a:spLocks noGrp="1"/>
+          </p:cNvSpPr>
+          <p:nvPr>
+            <p:ph type="dt"/>
+          </p:nvPr>
+        </p:nvSpPr>
+        <p:spPr>
+          <a:xfrm>
+            <a:off x="4278960" y="0"/>
+            <a:ext cx="3280680" cy="534240"/>
+          </a:xfrm>
+          <a:prstGeom prst="rect">
+            <a:avLst/>
+          </a:prstGeom>
+        </p:spPr>
+        <p:txBody>
+          <a:bodyPr lIns="0" tIns="0" rIns="0" bIns="0"/>
+          <a:lstStyle/>
+          <a:p>
+            <a:pPr algn="r"/>
+            <a:r>
+              <a:rPr lang="en-GB" sz="1400" b="0" strike="noStrike" spc="-1">
+                <a:solidFill>
+                  <a:srgbClr val="000000"/>
+                </a:solidFill>
+                <a:uFill>
+                  <a:solidFill>
+                    <a:srgbClr val="FFFFFF"/>
+                  </a:solidFill>
+                </a:uFill>
+                <a:latin typeface="Times New Roman"/>
+              </a:rPr>
+              <a:t>&lt;date/time&gt;</a:t>
+            </a:r>
+          </a:p>
+        </p:txBody>
+      </p:sp>
+      <p:sp>
+        <p:nvSpPr>
+          <p:cNvPr id="81" name="PlaceHolder 4"/>
+          <p:cNvSpPr>
+            <a:spLocks noGrp="1"/>
+          </p:cNvSpPr>
+          <p:nvPr>
+            <p:ph type="ftr"/>
+          </p:nvPr>
+        </p:nvSpPr>
+        <p:spPr>
+          <a:xfrm>
+            <a:off x="0" y="10157400"/>
+            <a:ext cx="3280680" cy="534240"/>
+          </a:xfrm>
+          <a:prstGeom prst="rect">
+            <a:avLst/>
+          </a:prstGeom>
+        </p:spPr>
+        <p:txBody>
+          <a:bodyPr lIns="0" tIns="0" rIns="0" bIns="0" anchor="b"/>
+          <a:lstStyle/>
+          <a:p>
+            <a:r>
+              <a:rPr lang="en-GB" sz="1400" b="0" strike="noStrike" spc="-1">
+                <a:solidFill>
+                  <a:srgbClr val="000000"/>
+                </a:solidFill>
+                <a:uFill>
+                  <a:solidFill>
+                    <a:srgbClr val="FFFFFF"/>
+                  </a:solidFill>
+                </a:uFill>
+                <a:latin typeface="Times New Roman"/>
+              </a:rPr>
+              <a:t>&lt;footer&gt;</a:t>
+            </a:r>
+          </a:p>
+        </p:txBody>
+      </p:sp>
+      <p:sp>
+        <p:nvSpPr>
+          <p:cNvPr id="82" name="PlaceHolder 5"/>
+          <p:cNvSpPr>
+            <a:spLocks noGrp="1"/>
+          </p:cNvSpPr>
+          <p:nvPr>
+            <p:ph type="sldNum"/>
+          </p:nvPr>
+        </p:nvSpPr>
+        <p:spPr>
+          <a:xfrm>
+            <a:off x="4278960" y="10157400"/>
+            <a:ext cx="3280680" cy="534240"/>
+          </a:xfrm>
+          <a:prstGeom prst="rect">
+            <a:avLst/>
+          </a:prstGeom>
+        </p:spPr>
+        <p:txBody>
+          <a:bodyPr lIns="0" tIns="0" rIns="0" bIns="0" anchor="b"/>
+          <a:lstStyle/>
+          <a:p>
+            <a:pPr algn="r"/>
+            <a:fld id="{77BDF05D-90B9-41CC-8676-0AC2DBCA1091}" type="slidenum">
+              <a:rPr lang="en-GB" sz="1400" b="0" strike="noStrike" spc="-1">
+                <a:solidFill>
+                  <a:srgbClr val="000000"/>
+                </a:solidFill>
+                <a:uFill>
+                  <a:solidFill>
+                    <a:srgbClr val="FFFFFF"/>
+                  </a:solidFill>
+                </a:uFill>
+                <a:latin typeface="Times New Roman"/>
+              </a:rPr>
+              <a:t>‹#›</a:t>
+            </a:fld>
+            <a:endParaRPr lang="en-GB" sz="1400" b="0" strike="noStrike" spc="-1">
+              <a:solidFill>
+                <a:srgbClr val="000000"/>
+              </a:solidFill>
+              <a:uFill>
+                <a:solidFill>
+                  <a:srgbClr val="FFFFFF"/>
+                </a:solidFill>
+              </a:uFill>
+              <a:latin typeface="Times New Roman"/>
+            </a:endParaRPr>
+          </a:p>
+        </p:txBody>
+      </p:sp>
+    </p:spTree>
+  </p:cSld>
+  <p:clrMap bg1="lt1" tx1="dk1" bg2="lt2" tx2="dk2" accent1="accent1" accent2="accent2" accent3="accent3" accent4="accent4" accent5="accent5" accent6="accent6" hlink="hlink" folHlink="folHlink"/>
+  <p:notesStyle>
+    <a:lvl1pPr marL="0" algn="l" defTabSz="914400" rtl="0" eaLnBrk="1" latinLnBrk="0" hangingPunct="1">
+      <a:defRPr sz="1200" kern="1200">
+        <a:solidFill>
+          <a:schemeClr val="tx1"/>
+        </a:solidFill>
+        <a:latin typeface="+mn-lt"/>
+        <a:ea typeface="+mn-ea"/>
+        <a:cs typeface="+mn-cs"/>
+      </a:defRPr>
+    </a:lvl1pPr>
+    <a:lvl2pPr marL="457200" algn="l" defTabSz="914400" rtl="0" eaLnBrk="1" latinLnBrk="0" hangingPunct="1">
+      <a:defRPr sz="1200" kern="1200">
+        <a:solidFill>
+          <a:schemeClr val="tx1"/>
+        </a:solidFill>
+        <a:latin typeface="+mn-lt"/>
+        <a:ea typeface="+mn-ea"/>
+        <a:cs typeface="+mn-cs"/>
+      </a:defRPr>
+    </a:lvl2pPr>
+    <a:lvl3pPr marL="914400" algn="l" defTabSz="914400" rtl="0" eaLnBrk="1" latinLnBrk="0" hangingPunct="1">
+      <a:defRPr sz="1200" kern="1200">
+        <a:solidFill>
+          <a:schemeClr val="tx1"/>
+        </a:solidFill>
+        <a:latin typeface="+mn-lt"/>
+        <a:ea typeface="+mn-ea"/>
+        <a:cs typeface="+mn-cs"/>
+      </a:defRPr>
+    </a:lvl3pPr>
+    <a:lvl4pPr marL="1371600" algn="l" defTabSz="914400" rtl="0" eaLnBrk="1" latinLnBrk="0" hangingPunct="1">
+      <a:defRPr sz="1200" kern="1200">
+        <a:solidFill>
+          <a:schemeClr val="tx1"/>
+        </a:solidFill>
+        <a:latin typeface="+mn-lt"/>
+        <a:ea typeface="+mn-ea"/>
+        <a:cs typeface="+mn-cs"/>
+      </a:defRPr>
+    </a:lvl4pPr>
+    <a:lvl5pPr marL="1828800" algn="l" defTabSz="914400" rtl="0" eaLnBrk="1" latinLnBrk="0" hangingPunct="1">
+      <a:defRPr sz="1200" kern="1200">
+        <a:solidFill>
+          <a:schemeClr val="tx1"/>
+        </a:solidFill>
+        <a:latin typeface="+mn-lt"/>
+        <a:ea typeface="+mn-ea"/>
+        <a:cs typeface="+mn-cs"/>
+      </a:defRPr>
+    </a:lvl5pPr>
+    <a:lvl6pPr marL="2286000" algn="l" defTabSz="914400" rtl="0" eaLnBrk="1" latinLnBrk="0" hangingPunct="1">
+      <a:defRPr sz="1200" kern="1200">
+        <a:solidFill>
+          <a:schemeClr val="tx1"/>
+        </a:solidFill>
+        <a:latin typeface="+mn-lt"/>
+        <a:ea typeface="+mn-ea"/>
+        <a:cs typeface="+mn-cs"/>
+      </a:defRPr>
+    </a:lvl6pPr>
+    <a:lvl7pPr marL="2743200" algn="l" defTabSz="914400" rtl="0" eaLnBrk="1" latinLnBrk="0" hangingPunct="1">
+      <a:defRPr sz="1200" kern="1200">
+        <a:solidFill>
+          <a:schemeClr val="tx1"/>
+        </a:solidFill>
+        <a:latin typeface="+mn-lt"/>
+        <a:ea typeface="+mn-ea"/>
+        <a:cs typeface="+mn-cs"/>
+      </a:defRPr>
+    </a:lvl7pPr>
+    <a:lvl8pPr marL="3200400" algn="l" defTabSz="914400" rtl="0" eaLnBrk="1" latinLnBrk="0" hangingPunct="1">
+      <a:defRPr sz="1200" kern="1200">
+        <a:solidFill>
+          <a:schemeClr val="tx1"/>
+        </a:solidFill>
+        <a:latin typeface="+mn-lt"/>
+        <a:ea typeface="+mn-ea"/>
+        <a:cs typeface="+mn-cs"/>
+      </a:defRPr>
+    </a:lvl8pPr>
+    <a:lvl9pPr marL="3657600" algn="l" defTabSz="914400" rtl="0" eaLnBrk="1" latinLnBrk="0" hangingPunct="1">
+      <a:defRPr sz="1200" kern="1200">
+        <a:solidFill>
+          <a:schemeClr val="tx1"/>
+        </a:solidFill>
+        <a:latin typeface="+mn-lt"/>
+        <a:ea typeface="+mn-ea"/>
+        <a:cs typeface="+mn-cs"/>
+      </a:defRPr>
+    </a:lvl9pPr>
+  </p:notesStyle>
+</p:notesMaster>
+</file>
+
+<file path=ppt/notesSlides/notesSlide1.xml><?xml version="1.0" encoding="utf-8"?>
+<p:notes xmlns:a="http://schemas.openxmlformats.org/drawingml/2006/main" xmlns:r="http://schemas.openxmlformats.org/officeDocument/2006/relationships" xmlns:p="http://schemas.openxmlformats.org/presentationml/2006/main">
   <p:cSld>
     <p:spTree>
       <p:nvGrpSpPr>
@@ -38,7 +466,64 @@
       </p:grpSpPr>
       <p:sp>
         <p:nvSpPr>
-          <p:cNvPr id="78" name="PlaceHolder 1"/>
+          <p:cNvPr id="99" name="TextShape 1"/>
+          <p:cNvSpPr txBox="1"/>
+          <p:nvPr/>
+        </p:nvSpPr>
+        <p:spPr>
+          <a:xfrm>
+            <a:off x="4278240" y="10156680"/>
+            <a:ext cx="3279240" cy="533160"/>
+          </a:xfrm>
+          <a:prstGeom prst="rect">
+            <a:avLst/>
+          </a:prstGeom>
+          <a:noFill/>
+          <a:ln>
+            <a:noFill/>
+          </a:ln>
+        </p:spPr>
+        <p:txBody>
+          <a:bodyPr lIns="0" tIns="0" rIns="0" bIns="0" anchor="b"/>
+          <a:lstStyle/>
+          <a:p>
+            <a:pPr algn="r">
+              <a:lnSpc>
+                <a:spcPct val="100000"/>
+              </a:lnSpc>
+            </a:pPr>
+            <a:fld id="{737BC292-75C5-42FD-BEAF-80B40EB48908}" type="slidenum">
+              <a:rPr lang="en-GB" sz="1400" b="0" strike="noStrike" spc="-1">
+                <a:solidFill>
+                  <a:srgbClr val="000000"/>
+                </a:solidFill>
+                <a:uFill>
+                  <a:solidFill>
+                    <a:srgbClr val="FFFFFF"/>
+                  </a:solidFill>
+                </a:uFill>
+                <a:latin typeface="Times New Roman"/>
+                <a:ea typeface="DejaVu Sans"/>
+              </a:rPr>
+              <a:t>1</a:t>
+            </a:fld>
+            <a:endParaRPr lang="en-GB" sz="1400" b="0" strike="noStrike" spc="-1">
+              <a:solidFill>
+                <a:srgbClr val="000000"/>
+              </a:solidFill>
+              <a:uFill>
+                <a:solidFill>
+                  <a:srgbClr val="FFFFFF"/>
+                </a:solidFill>
+              </a:uFill>
+              <a:latin typeface="Times New Roman"/>
+            </a:endParaRPr>
+          </a:p>
+        </p:txBody>
+      </p:sp>
+      <p:sp>
+        <p:nvSpPr>
+          <p:cNvPr id="100" name="PlaceHolder 2"/>
           <p:cNvSpPr>
             <a:spLocks noGrp="1"/>
           </p:cNvSpPr>
@@ -48,254 +533,41 @@
         </p:nvSpPr>
         <p:spPr>
           <a:xfrm>
-            <a:off x="756000" y="5078520"/>
-            <a:ext cx="6047640" cy="4811040"/>
-          </a:xfrm>
-          <a:prstGeom prst="rect">
-            <a:avLst/>
-          </a:prstGeom>
-        </p:spPr>
-        <p:txBody>
-          <a:bodyPr lIns="0" rIns="0" tIns="0" bIns="0"/>
-          <a:p>
-            <a:r>
-              <a:rPr b="0" lang="en-GB" sz="2000" spc="-1" strike="noStrike">
-                <a:solidFill>
-                  <a:srgbClr val="000000"/>
-                </a:solidFill>
-                <a:uFill>
-                  <a:solidFill>
-                    <a:srgbClr val="ffffff"/>
-                  </a:solidFill>
-                </a:uFill>
-                <a:latin typeface="Arial"/>
-              </a:rPr>
-              <a:t>Click to edit the notes format</a:t>
-            </a:r>
-            <a:endParaRPr b="0" lang="en-GB" sz="2000" spc="-1" strike="noStrike">
-              <a:solidFill>
-                <a:srgbClr val="000000"/>
-              </a:solidFill>
-              <a:uFill>
-                <a:solidFill>
-                  <a:srgbClr val="ffffff"/>
-                </a:solidFill>
-              </a:uFill>
-              <a:latin typeface="Arial"/>
-            </a:endParaRPr>
-          </a:p>
-        </p:txBody>
-      </p:sp>
-      <p:sp>
-        <p:nvSpPr>
-          <p:cNvPr id="79" name="PlaceHolder 2"/>
-          <p:cNvSpPr>
-            <a:spLocks noGrp="1"/>
-          </p:cNvSpPr>
-          <p:nvPr>
-            <p:ph type="hdr"/>
-          </p:nvPr>
-        </p:nvSpPr>
-        <p:spPr>
-          <a:xfrm>
-            <a:off x="0" y="0"/>
-            <a:ext cx="3280680" cy="534240"/>
-          </a:xfrm>
-          <a:prstGeom prst="rect">
-            <a:avLst/>
-          </a:prstGeom>
-        </p:spPr>
-        <p:txBody>
-          <a:bodyPr lIns="0" rIns="0" tIns="0" bIns="0"/>
-          <a:p>
-            <a:r>
-              <a:rPr b="0" lang="en-GB" sz="1400" spc="-1" strike="noStrike">
-                <a:solidFill>
-                  <a:srgbClr val="000000"/>
-                </a:solidFill>
-                <a:uFill>
-                  <a:solidFill>
-                    <a:srgbClr val="ffffff"/>
-                  </a:solidFill>
-                </a:uFill>
-                <a:latin typeface="Times New Roman"/>
-              </a:rPr>
-              <a:t>&lt;header&gt;</a:t>
-            </a:r>
-            <a:endParaRPr b="0" lang="en-GB" sz="1400" spc="-1" strike="noStrike">
-              <a:solidFill>
-                <a:srgbClr val="000000"/>
-              </a:solidFill>
-              <a:uFill>
-                <a:solidFill>
-                  <a:srgbClr val="ffffff"/>
-                </a:solidFill>
-              </a:uFill>
-              <a:latin typeface="Times New Roman"/>
-            </a:endParaRPr>
-          </a:p>
-        </p:txBody>
-      </p:sp>
-      <p:sp>
-        <p:nvSpPr>
-          <p:cNvPr id="80" name="PlaceHolder 3"/>
-          <p:cNvSpPr>
-            <a:spLocks noGrp="1"/>
-          </p:cNvSpPr>
-          <p:nvPr>
-            <p:ph type="dt"/>
-          </p:nvPr>
-        </p:nvSpPr>
-        <p:spPr>
-          <a:xfrm>
-            <a:off x="4278960" y="0"/>
-            <a:ext cx="3280680" cy="534240"/>
-          </a:xfrm>
-          <a:prstGeom prst="rect">
-            <a:avLst/>
-          </a:prstGeom>
-        </p:spPr>
-        <p:txBody>
-          <a:bodyPr lIns="0" rIns="0" tIns="0" bIns="0"/>
-          <a:p>
-            <a:pPr algn="r"/>
-            <a:r>
-              <a:rPr b="0" lang="en-GB" sz="1400" spc="-1" strike="noStrike">
-                <a:solidFill>
-                  <a:srgbClr val="000000"/>
-                </a:solidFill>
-                <a:uFill>
-                  <a:solidFill>
-                    <a:srgbClr val="ffffff"/>
-                  </a:solidFill>
-                </a:uFill>
-                <a:latin typeface="Times New Roman"/>
-              </a:rPr>
-              <a:t>&lt;date/time&gt;</a:t>
-            </a:r>
-            <a:endParaRPr b="0" lang="en-GB" sz="1400" spc="-1" strike="noStrike">
-              <a:solidFill>
-                <a:srgbClr val="000000"/>
-              </a:solidFill>
-              <a:uFill>
-                <a:solidFill>
-                  <a:srgbClr val="ffffff"/>
-                </a:solidFill>
-              </a:uFill>
-              <a:latin typeface="Times New Roman"/>
-            </a:endParaRPr>
-          </a:p>
-        </p:txBody>
-      </p:sp>
-      <p:sp>
-        <p:nvSpPr>
-          <p:cNvPr id="81" name="PlaceHolder 4"/>
-          <p:cNvSpPr>
-            <a:spLocks noGrp="1"/>
-          </p:cNvSpPr>
-          <p:nvPr>
-            <p:ph type="ftr"/>
-          </p:nvPr>
-        </p:nvSpPr>
-        <p:spPr>
-          <a:xfrm>
-            <a:off x="0" y="10157400"/>
-            <a:ext cx="3280680" cy="534240"/>
-          </a:xfrm>
-          <a:prstGeom prst="rect">
-            <a:avLst/>
-          </a:prstGeom>
-        </p:spPr>
-        <p:txBody>
-          <a:bodyPr lIns="0" rIns="0" tIns="0" bIns="0" anchor="b"/>
-          <a:p>
-            <a:r>
-              <a:rPr b="0" lang="en-GB" sz="1400" spc="-1" strike="noStrike">
-                <a:solidFill>
-                  <a:srgbClr val="000000"/>
-                </a:solidFill>
-                <a:uFill>
-                  <a:solidFill>
-                    <a:srgbClr val="ffffff"/>
-                  </a:solidFill>
-                </a:uFill>
-                <a:latin typeface="Times New Roman"/>
-              </a:rPr>
-              <a:t>&lt;footer&gt;</a:t>
-            </a:r>
-            <a:endParaRPr b="0" lang="en-GB" sz="1400" spc="-1" strike="noStrike">
-              <a:solidFill>
-                <a:srgbClr val="000000"/>
-              </a:solidFill>
-              <a:uFill>
-                <a:solidFill>
-                  <a:srgbClr val="ffffff"/>
-                </a:solidFill>
-              </a:uFill>
-              <a:latin typeface="Times New Roman"/>
-            </a:endParaRPr>
-          </a:p>
-        </p:txBody>
-      </p:sp>
-      <p:sp>
-        <p:nvSpPr>
-          <p:cNvPr id="82" name="PlaceHolder 5"/>
-          <p:cNvSpPr>
-            <a:spLocks noGrp="1"/>
-          </p:cNvSpPr>
-          <p:nvPr>
-            <p:ph type="sldNum"/>
-          </p:nvPr>
-        </p:nvSpPr>
-        <p:spPr>
-          <a:xfrm>
-            <a:off x="4278960" y="10157400"/>
-            <a:ext cx="3280680" cy="534240"/>
-          </a:xfrm>
-          <a:prstGeom prst="rect">
-            <a:avLst/>
-          </a:prstGeom>
-        </p:spPr>
-        <p:txBody>
-          <a:bodyPr lIns="0" rIns="0" tIns="0" bIns="0" anchor="b"/>
-          <a:p>
-            <a:pPr algn="r"/>
-            <a:fld id="{77BDF05D-90B9-41CC-8676-0AC2DBCA1091}" type="slidenum">
-              <a:rPr b="0" lang="en-GB" sz="1400" spc="-1" strike="noStrike">
-                <a:solidFill>
-                  <a:srgbClr val="000000"/>
-                </a:solidFill>
-                <a:uFill>
-                  <a:solidFill>
-                    <a:srgbClr val="ffffff"/>
-                  </a:solidFill>
-                </a:uFill>
-                <a:latin typeface="Times New Roman"/>
-              </a:rPr>
-              <a:t>&lt;number&gt;</a:t>
-            </a:fld>
-            <a:endParaRPr b="0" lang="en-GB" sz="1400" spc="-1" strike="noStrike">
-              <a:solidFill>
-                <a:srgbClr val="000000"/>
-              </a:solidFill>
-              <a:uFill>
-                <a:solidFill>
-                  <a:srgbClr val="ffffff"/>
-                </a:solidFill>
-              </a:uFill>
-              <a:latin typeface="Times New Roman"/>
+            <a:off x="755640" y="5078520"/>
+            <a:ext cx="6048000" cy="4811400"/>
+          </a:xfrm>
+          <a:prstGeom prst="rect">
+            <a:avLst/>
+          </a:prstGeom>
+        </p:spPr>
+        <p:txBody>
+          <a:bodyPr lIns="0" tIns="0" rIns="0" bIns="0" anchor="ctr"/>
+          <a:lstStyle/>
+          <a:p>
+            <a:endParaRPr lang="en-GB" sz="2000" b="0" strike="noStrike" spc="-1">
+              <a:solidFill>
+                <a:srgbClr val="000000"/>
+              </a:solidFill>
+              <a:uFill>
+                <a:solidFill>
+                  <a:srgbClr val="FFFFFF"/>
+                </a:solidFill>
+              </a:uFill>
+              <a:latin typeface="Arial"/>
             </a:endParaRPr>
           </a:p>
         </p:txBody>
       </p:sp>
     </p:spTree>
   </p:cSld>
-  <p:clrMap bg1="lt1" bg2="lt2" tx1="dk1" tx2="dk2" accent1="accent1" accent2="accent2" accent3="accent3" accent4="accent4" accent5="accent5" accent6="accent6" hlink="hlink" folHlink="folHlink"/>
-</p:notesMaster>
+  <p:clrMapOvr>
+    <a:masterClrMapping/>
+  </p:clrMapOvr>
+</p:notes>
 </file>
 
-<file path=ppt/notesSlides/notesSlide1.xml><?xml version="1.0" encoding="utf-8"?>
-<p:notes xmlns:a="http://schemas.openxmlformats.org/drawingml/2006/main" xmlns:p="http://schemas.openxmlformats.org/presentationml/2006/main" xmlns:r="http://schemas.openxmlformats.org/officeDocument/2006/relationships" xmlns:p14="http://schemas.microsoft.com/office/powerpoint/2010/main" xmlns:p15="http://schemas.microsoft.com/office/powerpoint/2012/main" xmlns:mc="http://schemas.openxmlformats.org/markup-compatibility/2006">
+<file path=ppt/notesSlides/notesSlide2.xml><?xml version="1.0" encoding="utf-8"?>
+<p:notes xmlns:a="http://schemas.openxmlformats.org/drawingml/2006/main" xmlns:r="http://schemas.openxmlformats.org/officeDocument/2006/relationships" xmlns:p="http://schemas.openxmlformats.org/presentationml/2006/main">
   <p:cSld>
     <p:spTree>
       <p:nvGrpSpPr>
@@ -313,7 +585,7 @@
       </p:grpSpPr>
       <p:sp>
         <p:nvSpPr>
-          <p:cNvPr id="99" name="TextShape 1"/>
+          <p:cNvPr id="101" name="TextShape 1"/>
           <p:cNvSpPr txBox="1"/>
           <p:nvPr/>
         </p:nvSpPr>
@@ -331,35 +603,36 @@
           </a:ln>
         </p:spPr>
         <p:txBody>
-          <a:bodyPr lIns="0" rIns="0" tIns="0" bIns="0" anchor="b"/>
+          <a:bodyPr lIns="0" tIns="0" rIns="0" bIns="0" anchor="b"/>
+          <a:lstStyle/>
           <a:p>
             <a:pPr algn="r">
               <a:lnSpc>
                 <a:spcPct val="100000"/>
               </a:lnSpc>
             </a:pPr>
-            <a:fld id="{737BC292-75C5-42FD-BEAF-80B40EB48908}" type="slidenum">
-              <a:rPr b="0" lang="en-GB" sz="1400" spc="-1" strike="noStrike">
+            <a:fld id="{F26E29C3-CD79-4FE6-BA84-7D523175CD0F}" type="slidenum">
+              <a:rPr lang="en-GB" sz="1400" b="0" strike="noStrike" spc="-1">
                 <a:solidFill>
                   <a:srgbClr val="000000"/>
                 </a:solidFill>
                 <a:uFill>
                   <a:solidFill>
-                    <a:srgbClr val="ffffff"/>
+                    <a:srgbClr val="FFFFFF"/>
                   </a:solidFill>
                 </a:uFill>
                 <a:latin typeface="Times New Roman"/>
                 <a:ea typeface="DejaVu Sans"/>
               </a:rPr>
-              <a:t>&lt;number&gt;</a:t>
+              <a:t>2</a:t>
             </a:fld>
-            <a:endParaRPr b="0" lang="en-GB" sz="1400" spc="-1" strike="noStrike">
-              <a:solidFill>
-                <a:srgbClr val="000000"/>
-              </a:solidFill>
-              <a:uFill>
-                <a:solidFill>
-                  <a:srgbClr val="ffffff"/>
+            <a:endParaRPr lang="en-GB" sz="1400" b="0" strike="noStrike" spc="-1">
+              <a:solidFill>
+                <a:srgbClr val="000000"/>
+              </a:solidFill>
+              <a:uFill>
+                <a:solidFill>
+                  <a:srgbClr val="FFFFFF"/>
                 </a:solidFill>
               </a:uFill>
               <a:latin typeface="Times New Roman"/>
@@ -369,7 +642,7 @@
       </p:sp>
       <p:sp>
         <p:nvSpPr>
-          <p:cNvPr id="100" name="PlaceHolder 2"/>
+          <p:cNvPr id="102" name="PlaceHolder 2"/>
           <p:cNvSpPr>
             <a:spLocks noGrp="1"/>
           </p:cNvSpPr>
@@ -387,15 +660,16 @@
           </a:prstGeom>
         </p:spPr>
         <p:txBody>
-          <a:bodyPr lIns="0" rIns="0" tIns="0" bIns="0" anchor="ctr"/>
-          <a:p>
-            <a:endParaRPr b="0" lang="en-GB" sz="2000" spc="-1" strike="noStrike">
-              <a:solidFill>
-                <a:srgbClr val="000000"/>
-              </a:solidFill>
-              <a:uFill>
-                <a:solidFill>
-                  <a:srgbClr val="ffffff"/>
+          <a:bodyPr lIns="0" tIns="0" rIns="0" bIns="0" anchor="ctr"/>
+          <a:lstStyle/>
+          <a:p>
+            <a:endParaRPr lang="en-GB" sz="2000" b="0" strike="noStrike" spc="-1">
+              <a:solidFill>
+                <a:srgbClr val="000000"/>
+              </a:solidFill>
+              <a:uFill>
+                <a:solidFill>
+                  <a:srgbClr val="FFFFFF"/>
                 </a:solidFill>
               </a:uFill>
               <a:latin typeface="Arial"/>
@@ -405,11 +679,14 @@
       </p:sp>
     </p:spTree>
   </p:cSld>
+  <p:clrMapOvr>
+    <a:masterClrMapping/>
+  </p:clrMapOvr>
 </p:notes>
 </file>
 
-<file path=ppt/notesSlides/notesSlide2.xml><?xml version="1.0" encoding="utf-8"?>
-<p:notes xmlns:a="http://schemas.openxmlformats.org/drawingml/2006/main" xmlns:p="http://schemas.openxmlformats.org/presentationml/2006/main" xmlns:r="http://schemas.openxmlformats.org/officeDocument/2006/relationships" xmlns:p14="http://schemas.microsoft.com/office/powerpoint/2010/main" xmlns:p15="http://schemas.microsoft.com/office/powerpoint/2012/main" xmlns:mc="http://schemas.openxmlformats.org/markup-compatibility/2006">
+<file path=ppt/notesSlides/notesSlide3.xml><?xml version="1.0" encoding="utf-8"?>
+<p:notes xmlns:a="http://schemas.openxmlformats.org/drawingml/2006/main" xmlns:r="http://schemas.openxmlformats.org/officeDocument/2006/relationships" xmlns:p="http://schemas.openxmlformats.org/presentationml/2006/main">
   <p:cSld>
     <p:spTree>
       <p:nvGrpSpPr>
@@ -427,7 +704,7 @@
       </p:grpSpPr>
       <p:sp>
         <p:nvSpPr>
-          <p:cNvPr id="101" name="TextShape 1"/>
+          <p:cNvPr id="103" name="TextShape 1"/>
           <p:cNvSpPr txBox="1"/>
           <p:nvPr/>
         </p:nvSpPr>
@@ -445,35 +722,36 @@
           </a:ln>
         </p:spPr>
         <p:txBody>
-          <a:bodyPr lIns="0" rIns="0" tIns="0" bIns="0" anchor="b"/>
+          <a:bodyPr lIns="0" tIns="0" rIns="0" bIns="0" anchor="b"/>
+          <a:lstStyle/>
           <a:p>
             <a:pPr algn="r">
               <a:lnSpc>
                 <a:spcPct val="100000"/>
               </a:lnSpc>
             </a:pPr>
-            <a:fld id="{F26E29C3-CD79-4FE6-BA84-7D523175CD0F}" type="slidenum">
-              <a:rPr b="0" lang="en-GB" sz="1400" spc="-1" strike="noStrike">
+            <a:fld id="{8BB2DB5D-4843-40D4-817F-09470BC2A747}" type="slidenum">
+              <a:rPr lang="en-GB" sz="1400" b="0" strike="noStrike" spc="-1">
                 <a:solidFill>
                   <a:srgbClr val="000000"/>
                 </a:solidFill>
                 <a:uFill>
                   <a:solidFill>
-                    <a:srgbClr val="ffffff"/>
+                    <a:srgbClr val="FFFFFF"/>
                   </a:solidFill>
                 </a:uFill>
                 <a:latin typeface="Times New Roman"/>
                 <a:ea typeface="DejaVu Sans"/>
               </a:rPr>
-              <a:t>&lt;number&gt;</a:t>
+              <a:t>3</a:t>
             </a:fld>
-            <a:endParaRPr b="0" lang="en-GB" sz="1400" spc="-1" strike="noStrike">
-              <a:solidFill>
-                <a:srgbClr val="000000"/>
-              </a:solidFill>
-              <a:uFill>
-                <a:solidFill>
-                  <a:srgbClr val="ffffff"/>
+            <a:endParaRPr lang="en-GB" sz="1400" b="0" strike="noStrike" spc="-1">
+              <a:solidFill>
+                <a:srgbClr val="000000"/>
+              </a:solidFill>
+              <a:uFill>
+                <a:solidFill>
+                  <a:srgbClr val="FFFFFF"/>
                 </a:solidFill>
               </a:uFill>
               <a:latin typeface="Times New Roman"/>
@@ -483,7 +761,7 @@
       </p:sp>
       <p:sp>
         <p:nvSpPr>
-          <p:cNvPr id="102" name="PlaceHolder 2"/>
+          <p:cNvPr id="104" name="PlaceHolder 2"/>
           <p:cNvSpPr>
             <a:spLocks noGrp="1"/>
           </p:cNvSpPr>
@@ -501,15 +779,16 @@
           </a:prstGeom>
         </p:spPr>
         <p:txBody>
-          <a:bodyPr lIns="0" rIns="0" tIns="0" bIns="0" anchor="ctr"/>
-          <a:p>
-            <a:endParaRPr b="0" lang="en-GB" sz="2000" spc="-1" strike="noStrike">
-              <a:solidFill>
-                <a:srgbClr val="000000"/>
-              </a:solidFill>
-              <a:uFill>
-                <a:solidFill>
-                  <a:srgbClr val="ffffff"/>
+          <a:bodyPr lIns="0" tIns="0" rIns="0" bIns="0" anchor="ctr"/>
+          <a:lstStyle/>
+          <a:p>
+            <a:endParaRPr lang="en-GB" sz="2000" b="0" strike="noStrike" spc="-1">
+              <a:solidFill>
+                <a:srgbClr val="000000"/>
+              </a:solidFill>
+              <a:uFill>
+                <a:solidFill>
+                  <a:srgbClr val="FFFFFF"/>
                 </a:solidFill>
               </a:uFill>
               <a:latin typeface="Arial"/>
@@ -519,11 +798,14 @@
       </p:sp>
     </p:spTree>
   </p:cSld>
+  <p:clrMapOvr>
+    <a:masterClrMapping/>
+  </p:clrMapOvr>
 </p:notes>
 </file>
 
-<file path=ppt/notesSlides/notesSlide3.xml><?xml version="1.0" encoding="utf-8"?>
-<p:notes xmlns:a="http://schemas.openxmlformats.org/drawingml/2006/main" xmlns:p="http://schemas.openxmlformats.org/presentationml/2006/main" xmlns:r="http://schemas.openxmlformats.org/officeDocument/2006/relationships" xmlns:p14="http://schemas.microsoft.com/office/powerpoint/2010/main" xmlns:p15="http://schemas.microsoft.com/office/powerpoint/2012/main" xmlns:mc="http://schemas.openxmlformats.org/markup-compatibility/2006">
+<file path=ppt/notesSlides/notesSlide4.xml><?xml version="1.0" encoding="utf-8"?>
+<p:notes xmlns:a="http://schemas.openxmlformats.org/drawingml/2006/main" xmlns:r="http://schemas.openxmlformats.org/officeDocument/2006/relationships" xmlns:p="http://schemas.openxmlformats.org/presentationml/2006/main">
   <p:cSld>
     <p:spTree>
       <p:nvGrpSpPr>
@@ -541,7 +823,7 @@
       </p:grpSpPr>
       <p:sp>
         <p:nvSpPr>
-          <p:cNvPr id="103" name="TextShape 1"/>
+          <p:cNvPr id="105" name="TextShape 1"/>
           <p:cNvSpPr txBox="1"/>
           <p:nvPr/>
         </p:nvSpPr>
@@ -559,121 +841,8 @@
           </a:ln>
         </p:spPr>
         <p:txBody>
-          <a:bodyPr lIns="0" rIns="0" tIns="0" bIns="0" anchor="b"/>
-          <a:p>
-            <a:pPr algn="r">
-              <a:lnSpc>
-                <a:spcPct val="100000"/>
-              </a:lnSpc>
-            </a:pPr>
-            <a:fld id="{8BB2DB5D-4843-40D4-817F-09470BC2A747}" type="slidenum">
-              <a:rPr b="0" lang="en-GB" sz="1400" spc="-1" strike="noStrike">
-                <a:solidFill>
-                  <a:srgbClr val="000000"/>
-                </a:solidFill>
-                <a:uFill>
-                  <a:solidFill>
-                    <a:srgbClr val="ffffff"/>
-                  </a:solidFill>
-                </a:uFill>
-                <a:latin typeface="Times New Roman"/>
-                <a:ea typeface="DejaVu Sans"/>
-              </a:rPr>
-              <a:t>&lt;number&gt;</a:t>
-            </a:fld>
-            <a:endParaRPr b="0" lang="en-GB" sz="1400" spc="-1" strike="noStrike">
-              <a:solidFill>
-                <a:srgbClr val="000000"/>
-              </a:solidFill>
-              <a:uFill>
-                <a:solidFill>
-                  <a:srgbClr val="ffffff"/>
-                </a:solidFill>
-              </a:uFill>
-              <a:latin typeface="Times New Roman"/>
-            </a:endParaRPr>
-          </a:p>
-        </p:txBody>
-      </p:sp>
-      <p:sp>
-        <p:nvSpPr>
-          <p:cNvPr id="104" name="PlaceHolder 2"/>
-          <p:cNvSpPr>
-            <a:spLocks noGrp="1"/>
-          </p:cNvSpPr>
-          <p:nvPr>
-            <p:ph type="body"/>
-          </p:nvPr>
-        </p:nvSpPr>
-        <p:spPr>
-          <a:xfrm>
-            <a:off x="755640" y="5078520"/>
-            <a:ext cx="6048000" cy="4811400"/>
-          </a:xfrm>
-          <a:prstGeom prst="rect">
-            <a:avLst/>
-          </a:prstGeom>
-        </p:spPr>
-        <p:txBody>
-          <a:bodyPr lIns="0" rIns="0" tIns="0" bIns="0" anchor="ctr"/>
-          <a:p>
-            <a:endParaRPr b="0" lang="en-GB" sz="2000" spc="-1" strike="noStrike">
-              <a:solidFill>
-                <a:srgbClr val="000000"/>
-              </a:solidFill>
-              <a:uFill>
-                <a:solidFill>
-                  <a:srgbClr val="ffffff"/>
-                </a:solidFill>
-              </a:uFill>
-              <a:latin typeface="Arial"/>
-            </a:endParaRPr>
-          </a:p>
-        </p:txBody>
-      </p:sp>
-    </p:spTree>
-  </p:cSld>
-</p:notes>
-</file>
-
-<file path=ppt/notesSlides/notesSlide4.xml><?xml version="1.0" encoding="utf-8"?>
-<p:notes xmlns:a="http://schemas.openxmlformats.org/drawingml/2006/main" xmlns:p="http://schemas.openxmlformats.org/presentationml/2006/main" xmlns:r="http://schemas.openxmlformats.org/officeDocument/2006/relationships" xmlns:p14="http://schemas.microsoft.com/office/powerpoint/2010/main" xmlns:p15="http://schemas.microsoft.com/office/powerpoint/2012/main" xmlns:mc="http://schemas.openxmlformats.org/markup-compatibility/2006">
-  <p:cSld>
-    <p:spTree>
-      <p:nvGrpSpPr>
-        <p:cNvPr id="1" name=""/>
-        <p:cNvGrpSpPr/>
-        <p:nvPr/>
-      </p:nvGrpSpPr>
-      <p:grpSpPr>
-        <a:xfrm>
-          <a:off x="0" y="0"/>
-          <a:ext cx="0" cy="0"/>
-          <a:chOff x="0" y="0"/>
-          <a:chExt cx="0" cy="0"/>
-        </a:xfrm>
-      </p:grpSpPr>
-      <p:sp>
-        <p:nvSpPr>
-          <p:cNvPr id="105" name="TextShape 1"/>
-          <p:cNvSpPr txBox="1"/>
-          <p:nvPr/>
-        </p:nvSpPr>
-        <p:spPr>
-          <a:xfrm>
-            <a:off x="4278240" y="10156680"/>
-            <a:ext cx="3279240" cy="533160"/>
-          </a:xfrm>
-          <a:prstGeom prst="rect">
-            <a:avLst/>
-          </a:prstGeom>
-          <a:noFill/>
-          <a:ln>
-            <a:noFill/>
-          </a:ln>
-        </p:spPr>
-        <p:txBody>
-          <a:bodyPr lIns="0" rIns="0" tIns="0" bIns="0" anchor="b"/>
+          <a:bodyPr lIns="0" tIns="0" rIns="0" bIns="0" anchor="b"/>
+          <a:lstStyle/>
           <a:p>
             <a:pPr algn="r">
               <a:lnSpc>
@@ -681,27 +850,27 @@
               </a:lnSpc>
             </a:pPr>
             <a:fld id="{3BAA1FA7-A281-456D-AA51-638048657E47}" type="slidenum">
-              <a:rPr b="0" lang="en-GB" sz="1400" spc="-1" strike="noStrike">
+              <a:rPr lang="en-GB" sz="1400" b="0" strike="noStrike" spc="-1">
                 <a:solidFill>
                   <a:srgbClr val="000000"/>
                 </a:solidFill>
                 <a:uFill>
                   <a:solidFill>
-                    <a:srgbClr val="ffffff"/>
+                    <a:srgbClr val="FFFFFF"/>
                   </a:solidFill>
                 </a:uFill>
                 <a:latin typeface="Times New Roman"/>
                 <a:ea typeface="DejaVu Sans"/>
               </a:rPr>
-              <a:t>&lt;number&gt;</a:t>
+              <a:t>4</a:t>
             </a:fld>
-            <a:endParaRPr b="0" lang="en-GB" sz="1400" spc="-1" strike="noStrike">
-              <a:solidFill>
-                <a:srgbClr val="000000"/>
-              </a:solidFill>
-              <a:uFill>
-                <a:solidFill>
-                  <a:srgbClr val="ffffff"/>
+            <a:endParaRPr lang="en-GB" sz="1400" b="0" strike="noStrike" spc="-1">
+              <a:solidFill>
+                <a:srgbClr val="000000"/>
+              </a:solidFill>
+              <a:uFill>
+                <a:solidFill>
+                  <a:srgbClr val="FFFFFF"/>
                 </a:solidFill>
               </a:uFill>
               <a:latin typeface="Times New Roman"/>
@@ -729,15 +898,16 @@
           </a:prstGeom>
         </p:spPr>
         <p:txBody>
-          <a:bodyPr lIns="0" rIns="0" tIns="0" bIns="0" anchor="ctr"/>
-          <a:p>
-            <a:endParaRPr b="0" lang="en-GB" sz="2000" spc="-1" strike="noStrike">
-              <a:solidFill>
-                <a:srgbClr val="000000"/>
-              </a:solidFill>
-              <a:uFill>
-                <a:solidFill>
-                  <a:srgbClr val="ffffff"/>
+          <a:bodyPr lIns="0" tIns="0" rIns="0" bIns="0" anchor="ctr"/>
+          <a:lstStyle/>
+          <a:p>
+            <a:endParaRPr lang="en-GB" sz="2000" b="0" strike="noStrike" spc="-1">
+              <a:solidFill>
+                <a:srgbClr val="000000"/>
+              </a:solidFill>
+              <a:uFill>
+                <a:solidFill>
+                  <a:srgbClr val="FFFFFF"/>
                 </a:solidFill>
               </a:uFill>
               <a:latin typeface="Arial"/>
@@ -747,11 +917,14 @@
       </p:sp>
     </p:spTree>
   </p:cSld>
+  <p:clrMapOvr>
+    <a:masterClrMapping/>
+  </p:clrMapOvr>
 </p:notes>
 </file>
 
 <file path=ppt/slideLayouts/slideLayout1.xml><?xml version="1.0" encoding="utf-8"?>
-<p:sldLayout xmlns:a="http://schemas.openxmlformats.org/drawingml/2006/main" xmlns:p="http://schemas.openxmlformats.org/presentationml/2006/main" xmlns:r="http://schemas.openxmlformats.org/officeDocument/2006/relationships" xmlns:p14="http://schemas.microsoft.com/office/powerpoint/2010/main" xmlns:p15="http://schemas.microsoft.com/office/powerpoint/2012/main" xmlns:mc="http://schemas.openxmlformats.org/markup-compatibility/2006" type="blank" preserve="1">
+<p:sldLayout xmlns:a="http://schemas.openxmlformats.org/drawingml/2006/main" xmlns:r="http://schemas.openxmlformats.org/officeDocument/2006/relationships" xmlns:p="http://schemas.openxmlformats.org/presentationml/2006/main" type="blank" preserve="1">
   <p:cSld name="Blank Slide">
     <p:spTree>
       <p:nvGrpSpPr>
@@ -769,11 +942,14 @@
       </p:grpSpPr>
     </p:spTree>
   </p:cSld>
+  <p:clrMapOvr>
+    <a:masterClrMapping/>
+  </p:clrMapOvr>
 </p:sldLayout>
 </file>
 
 <file path=ppt/slideLayouts/slideLayout10.xml><?xml version="1.0" encoding="utf-8"?>
-<p:sldLayout xmlns:a="http://schemas.openxmlformats.org/drawingml/2006/main" xmlns:p="http://schemas.openxmlformats.org/presentationml/2006/main" xmlns:r="http://schemas.openxmlformats.org/officeDocument/2006/relationships" xmlns:p14="http://schemas.microsoft.com/office/powerpoint/2010/main" xmlns:p15="http://schemas.microsoft.com/office/powerpoint/2012/main" xmlns:mc="http://schemas.openxmlformats.org/markup-compatibility/2006" type="objOverTx" preserve="1">
+<p:sldLayout xmlns:a="http://schemas.openxmlformats.org/drawingml/2006/main" xmlns:r="http://schemas.openxmlformats.org/officeDocument/2006/relationships" xmlns:p="http://schemas.openxmlformats.org/presentationml/2006/main" type="objOverTx" preserve="1">
   <p:cSld name="Title, Content over Content">
     <p:spTree>
       <p:nvGrpSpPr>
@@ -809,15 +985,16 @@
           </a:prstGeom>
         </p:spPr>
         <p:txBody>
-          <a:bodyPr lIns="0" rIns="0" tIns="0" bIns="0" anchor="ctr"/>
-          <a:p>
-            <a:endParaRPr b="0" lang="en-GB" sz="4400" spc="-1" strike="noStrike">
-              <a:solidFill>
-                <a:srgbClr val="000000"/>
-              </a:solidFill>
-              <a:uFill>
-                <a:solidFill>
-                  <a:srgbClr val="ffffff"/>
+          <a:bodyPr lIns="0" tIns="0" rIns="0" bIns="0" anchor="ctr"/>
+          <a:lstStyle/>
+          <a:p>
+            <a:endParaRPr lang="en-GB" sz="4400" b="0" strike="noStrike" spc="-1">
+              <a:solidFill>
+                <a:srgbClr val="000000"/>
+              </a:solidFill>
+              <a:uFill>
+                <a:solidFill>
+                  <a:srgbClr val="FFFFFF"/>
                 </a:solidFill>
               </a:uFill>
               <a:latin typeface="Arial"/>
@@ -845,15 +1022,16 @@
           </a:prstGeom>
         </p:spPr>
         <p:txBody>
-          <a:bodyPr lIns="0" rIns="0" tIns="0" bIns="0"/>
-          <a:p>
-            <a:endParaRPr b="0" lang="en-GB" sz="3200" spc="-1" strike="noStrike">
-              <a:solidFill>
-                <a:srgbClr val="000000"/>
-              </a:solidFill>
-              <a:uFill>
-                <a:solidFill>
-                  <a:srgbClr val="ffffff"/>
+          <a:bodyPr lIns="0" tIns="0" rIns="0" bIns="0"/>
+          <a:lstStyle/>
+          <a:p>
+            <a:endParaRPr lang="en-GB" sz="3200" b="0" strike="noStrike" spc="-1">
+              <a:solidFill>
+                <a:srgbClr val="000000"/>
+              </a:solidFill>
+              <a:uFill>
+                <a:solidFill>
+                  <a:srgbClr val="FFFFFF"/>
                 </a:solidFill>
               </a:uFill>
               <a:latin typeface="Arial"/>
@@ -881,15 +1059,16 @@
           </a:prstGeom>
         </p:spPr>
         <p:txBody>
-          <a:bodyPr lIns="0" rIns="0" tIns="0" bIns="0"/>
-          <a:p>
-            <a:endParaRPr b="0" lang="en-GB" sz="3200" spc="-1" strike="noStrike">
-              <a:solidFill>
-                <a:srgbClr val="000000"/>
-              </a:solidFill>
-              <a:uFill>
-                <a:solidFill>
-                  <a:srgbClr val="ffffff"/>
+          <a:bodyPr lIns="0" tIns="0" rIns="0" bIns="0"/>
+          <a:lstStyle/>
+          <a:p>
+            <a:endParaRPr lang="en-GB" sz="3200" b="0" strike="noStrike" spc="-1">
+              <a:solidFill>
+                <a:srgbClr val="000000"/>
+              </a:solidFill>
+              <a:uFill>
+                <a:solidFill>
+                  <a:srgbClr val="FFFFFF"/>
                 </a:solidFill>
               </a:uFill>
               <a:latin typeface="Arial"/>
@@ -899,11 +1078,14 @@
       </p:sp>
     </p:spTree>
   </p:cSld>
+  <p:clrMapOvr>
+    <a:masterClrMapping/>
+  </p:clrMapOvr>
 </p:sldLayout>
 </file>
 
 <file path=ppt/slideLayouts/slideLayout11.xml><?xml version="1.0" encoding="utf-8"?>
-<p:sldLayout xmlns:a="http://schemas.openxmlformats.org/drawingml/2006/main" xmlns:p="http://schemas.openxmlformats.org/presentationml/2006/main" xmlns:r="http://schemas.openxmlformats.org/officeDocument/2006/relationships" xmlns:p14="http://schemas.microsoft.com/office/powerpoint/2010/main" xmlns:p15="http://schemas.microsoft.com/office/powerpoint/2012/main" xmlns:mc="http://schemas.openxmlformats.org/markup-compatibility/2006" type="fourObj" preserve="1">
+<p:sldLayout xmlns:a="http://schemas.openxmlformats.org/drawingml/2006/main" xmlns:r="http://schemas.openxmlformats.org/officeDocument/2006/relationships" xmlns:p="http://schemas.openxmlformats.org/presentationml/2006/main" type="fourObj" preserve="1">
   <p:cSld name="Title, 4 Content">
     <p:spTree>
       <p:nvGrpSpPr>
@@ -939,15 +1121,16 @@
           </a:prstGeom>
         </p:spPr>
         <p:txBody>
-          <a:bodyPr lIns="0" rIns="0" tIns="0" bIns="0" anchor="ctr"/>
-          <a:p>
-            <a:endParaRPr b="0" lang="en-GB" sz="4400" spc="-1" strike="noStrike">
-              <a:solidFill>
-                <a:srgbClr val="000000"/>
-              </a:solidFill>
-              <a:uFill>
-                <a:solidFill>
-                  <a:srgbClr val="ffffff"/>
+          <a:bodyPr lIns="0" tIns="0" rIns="0" bIns="0" anchor="ctr"/>
+          <a:lstStyle/>
+          <a:p>
+            <a:endParaRPr lang="en-GB" sz="4400" b="0" strike="noStrike" spc="-1">
+              <a:solidFill>
+                <a:srgbClr val="000000"/>
+              </a:solidFill>
+              <a:uFill>
+                <a:solidFill>
+                  <a:srgbClr val="FFFFFF"/>
                 </a:solidFill>
               </a:uFill>
               <a:latin typeface="Arial"/>
@@ -975,15 +1158,16 @@
           </a:prstGeom>
         </p:spPr>
         <p:txBody>
-          <a:bodyPr lIns="0" rIns="0" tIns="0" bIns="0"/>
-          <a:p>
-            <a:endParaRPr b="0" lang="en-GB" sz="3200" spc="-1" strike="noStrike">
-              <a:solidFill>
-                <a:srgbClr val="000000"/>
-              </a:solidFill>
-              <a:uFill>
-                <a:solidFill>
-                  <a:srgbClr val="ffffff"/>
+          <a:bodyPr lIns="0" tIns="0" rIns="0" bIns="0"/>
+          <a:lstStyle/>
+          <a:p>
+            <a:endParaRPr lang="en-GB" sz="3200" b="0" strike="noStrike" spc="-1">
+              <a:solidFill>
+                <a:srgbClr val="000000"/>
+              </a:solidFill>
+              <a:uFill>
+                <a:solidFill>
+                  <a:srgbClr val="FFFFFF"/>
                 </a:solidFill>
               </a:uFill>
               <a:latin typeface="Arial"/>
@@ -1011,15 +1195,16 @@
           </a:prstGeom>
         </p:spPr>
         <p:txBody>
-          <a:bodyPr lIns="0" rIns="0" tIns="0" bIns="0"/>
-          <a:p>
-            <a:endParaRPr b="0" lang="en-GB" sz="3200" spc="-1" strike="noStrike">
-              <a:solidFill>
-                <a:srgbClr val="000000"/>
-              </a:solidFill>
-              <a:uFill>
-                <a:solidFill>
-                  <a:srgbClr val="ffffff"/>
+          <a:bodyPr lIns="0" tIns="0" rIns="0" bIns="0"/>
+          <a:lstStyle/>
+          <a:p>
+            <a:endParaRPr lang="en-GB" sz="3200" b="0" strike="noStrike" spc="-1">
+              <a:solidFill>
+                <a:srgbClr val="000000"/>
+              </a:solidFill>
+              <a:uFill>
+                <a:solidFill>
+                  <a:srgbClr val="FFFFFF"/>
                 </a:solidFill>
               </a:uFill>
               <a:latin typeface="Arial"/>
@@ -1047,15 +1232,16 @@
           </a:prstGeom>
         </p:spPr>
         <p:txBody>
-          <a:bodyPr lIns="0" rIns="0" tIns="0" bIns="0"/>
-          <a:p>
-            <a:endParaRPr b="0" lang="en-GB" sz="3200" spc="-1" strike="noStrike">
-              <a:solidFill>
-                <a:srgbClr val="000000"/>
-              </a:solidFill>
-              <a:uFill>
-                <a:solidFill>
-                  <a:srgbClr val="ffffff"/>
+          <a:bodyPr lIns="0" tIns="0" rIns="0" bIns="0"/>
+          <a:lstStyle/>
+          <a:p>
+            <a:endParaRPr lang="en-GB" sz="3200" b="0" strike="noStrike" spc="-1">
+              <a:solidFill>
+                <a:srgbClr val="000000"/>
+              </a:solidFill>
+              <a:uFill>
+                <a:solidFill>
+                  <a:srgbClr val="FFFFFF"/>
                 </a:solidFill>
               </a:uFill>
               <a:latin typeface="Arial"/>
@@ -1083,15 +1269,16 @@
           </a:prstGeom>
         </p:spPr>
         <p:txBody>
-          <a:bodyPr lIns="0" rIns="0" tIns="0" bIns="0"/>
-          <a:p>
-            <a:endParaRPr b="0" lang="en-GB" sz="3200" spc="-1" strike="noStrike">
-              <a:solidFill>
-                <a:srgbClr val="000000"/>
-              </a:solidFill>
-              <a:uFill>
-                <a:solidFill>
-                  <a:srgbClr val="ffffff"/>
+          <a:bodyPr lIns="0" tIns="0" rIns="0" bIns="0"/>
+          <a:lstStyle/>
+          <a:p>
+            <a:endParaRPr lang="en-GB" sz="3200" b="0" strike="noStrike" spc="-1">
+              <a:solidFill>
+                <a:srgbClr val="000000"/>
+              </a:solidFill>
+              <a:uFill>
+                <a:solidFill>
+                  <a:srgbClr val="FFFFFF"/>
                 </a:solidFill>
               </a:uFill>
               <a:latin typeface="Arial"/>
@@ -1101,11 +1288,14 @@
       </p:sp>
     </p:spTree>
   </p:cSld>
+  <p:clrMapOvr>
+    <a:masterClrMapping/>
+  </p:clrMapOvr>
 </p:sldLayout>
 </file>
 
 <file path=ppt/slideLayouts/slideLayout12.xml><?xml version="1.0" encoding="utf-8"?>
-<p:sldLayout xmlns:a="http://schemas.openxmlformats.org/drawingml/2006/main" xmlns:p="http://schemas.openxmlformats.org/presentationml/2006/main" xmlns:r="http://schemas.openxmlformats.org/officeDocument/2006/relationships" xmlns:p14="http://schemas.microsoft.com/office/powerpoint/2010/main" xmlns:p15="http://schemas.microsoft.com/office/powerpoint/2012/main" xmlns:mc="http://schemas.openxmlformats.org/markup-compatibility/2006" type="blank" preserve="1">
+<p:sldLayout xmlns:a="http://schemas.openxmlformats.org/drawingml/2006/main" xmlns:r="http://schemas.openxmlformats.org/officeDocument/2006/relationships" xmlns:p="http://schemas.openxmlformats.org/presentationml/2006/main" type="blank" preserve="1">
   <p:cSld name="Title, 6 Content">
     <p:spTree>
       <p:nvGrpSpPr>
@@ -1141,15 +1331,16 @@
           </a:prstGeom>
         </p:spPr>
         <p:txBody>
-          <a:bodyPr lIns="0" rIns="0" tIns="0" bIns="0" anchor="ctr"/>
-          <a:p>
-            <a:endParaRPr b="0" lang="en-GB" sz="4400" spc="-1" strike="noStrike">
-              <a:solidFill>
-                <a:srgbClr val="000000"/>
-              </a:solidFill>
-              <a:uFill>
-                <a:solidFill>
-                  <a:srgbClr val="ffffff"/>
+          <a:bodyPr lIns="0" tIns="0" rIns="0" bIns="0" anchor="ctr"/>
+          <a:lstStyle/>
+          <a:p>
+            <a:endParaRPr lang="en-GB" sz="4400" b="0" strike="noStrike" spc="-1">
+              <a:solidFill>
+                <a:srgbClr val="000000"/>
+              </a:solidFill>
+              <a:uFill>
+                <a:solidFill>
+                  <a:srgbClr val="FFFFFF"/>
                 </a:solidFill>
               </a:uFill>
               <a:latin typeface="Arial"/>
@@ -1177,15 +1368,16 @@
           </a:prstGeom>
         </p:spPr>
         <p:txBody>
-          <a:bodyPr lIns="0" rIns="0" tIns="0" bIns="0"/>
-          <a:p>
-            <a:endParaRPr b="0" lang="en-GB" sz="3200" spc="-1" strike="noStrike">
-              <a:solidFill>
-                <a:srgbClr val="000000"/>
-              </a:solidFill>
-              <a:uFill>
-                <a:solidFill>
-                  <a:srgbClr val="ffffff"/>
+          <a:bodyPr lIns="0" tIns="0" rIns="0" bIns="0"/>
+          <a:lstStyle/>
+          <a:p>
+            <a:endParaRPr lang="en-GB" sz="3200" b="0" strike="noStrike" spc="-1">
+              <a:solidFill>
+                <a:srgbClr val="000000"/>
+              </a:solidFill>
+              <a:uFill>
+                <a:solidFill>
+                  <a:srgbClr val="FFFFFF"/>
                 </a:solidFill>
               </a:uFill>
               <a:latin typeface="Arial"/>
@@ -1213,15 +1405,16 @@
           </a:prstGeom>
         </p:spPr>
         <p:txBody>
-          <a:bodyPr lIns="0" rIns="0" tIns="0" bIns="0"/>
-          <a:p>
-            <a:endParaRPr b="0" lang="en-GB" sz="3200" spc="-1" strike="noStrike">
-              <a:solidFill>
-                <a:srgbClr val="000000"/>
-              </a:solidFill>
-              <a:uFill>
-                <a:solidFill>
-                  <a:srgbClr val="ffffff"/>
+          <a:bodyPr lIns="0" tIns="0" rIns="0" bIns="0"/>
+          <a:lstStyle/>
+          <a:p>
+            <a:endParaRPr lang="en-GB" sz="3200" b="0" strike="noStrike" spc="-1">
+              <a:solidFill>
+                <a:srgbClr val="000000"/>
+              </a:solidFill>
+              <a:uFill>
+                <a:solidFill>
+                  <a:srgbClr val="FFFFFF"/>
                 </a:solidFill>
               </a:uFill>
               <a:latin typeface="Arial"/>
@@ -1231,7 +1424,7 @@
       </p:sp>
       <p:pic>
         <p:nvPicPr>
-          <p:cNvPr id="37" name="" descr=""/>
+          <p:cNvPr id="37" name="Picture 36"/>
           <p:cNvPicPr/>
           <p:nvPr/>
         </p:nvPicPr>
@@ -1254,12 +1447,12 @@
       </p:pic>
       <p:pic>
         <p:nvPicPr>
-          <p:cNvPr id="38" name="" descr=""/>
+          <p:cNvPr id="38" name="Picture 37"/>
           <p:cNvPicPr/>
           <p:nvPr/>
         </p:nvPicPr>
         <p:blipFill>
-          <a:blip r:embed="rId3"/>
+          <a:blip r:embed="rId2"/>
           <a:stretch/>
         </p:blipFill>
         <p:spPr>
@@ -1277,11 +1470,14 @@
       </p:pic>
     </p:spTree>
   </p:cSld>
+  <p:clrMapOvr>
+    <a:masterClrMapping/>
+  </p:clrMapOvr>
 </p:sldLayout>
 </file>
 
 <file path=ppt/slideLayouts/slideLayout13.xml><?xml version="1.0" encoding="utf-8"?>
-<p:sldLayout xmlns:a="http://schemas.openxmlformats.org/drawingml/2006/main" xmlns:p="http://schemas.openxmlformats.org/presentationml/2006/main" xmlns:r="http://schemas.openxmlformats.org/officeDocument/2006/relationships" xmlns:p14="http://schemas.microsoft.com/office/powerpoint/2010/main" xmlns:p15="http://schemas.microsoft.com/office/powerpoint/2012/main" xmlns:mc="http://schemas.openxmlformats.org/markup-compatibility/2006" type="blank" preserve="1">
+<p:sldLayout xmlns:a="http://schemas.openxmlformats.org/drawingml/2006/main" xmlns:r="http://schemas.openxmlformats.org/officeDocument/2006/relationships" xmlns:p="http://schemas.openxmlformats.org/presentationml/2006/main" type="blank" preserve="1">
   <p:cSld name="Blank Slide">
     <p:spTree>
       <p:nvGrpSpPr>
@@ -1299,11 +1495,14 @@
       </p:grpSpPr>
     </p:spTree>
   </p:cSld>
+  <p:clrMapOvr>
+    <a:masterClrMapping/>
+  </p:clrMapOvr>
 </p:sldLayout>
 </file>
 
 <file path=ppt/slideLayouts/slideLayout14.xml><?xml version="1.0" encoding="utf-8"?>
-<p:sldLayout xmlns:a="http://schemas.openxmlformats.org/drawingml/2006/main" xmlns:p="http://schemas.openxmlformats.org/presentationml/2006/main" xmlns:r="http://schemas.openxmlformats.org/officeDocument/2006/relationships" xmlns:p14="http://schemas.microsoft.com/office/powerpoint/2010/main" xmlns:p15="http://schemas.microsoft.com/office/powerpoint/2012/main" xmlns:mc="http://schemas.openxmlformats.org/markup-compatibility/2006" type="tx" preserve="1">
+<p:sldLayout xmlns:a="http://schemas.openxmlformats.org/drawingml/2006/main" xmlns:r="http://schemas.openxmlformats.org/officeDocument/2006/relationships" xmlns:p="http://schemas.openxmlformats.org/presentationml/2006/main" type="tx" preserve="1">
   <p:cSld name="Title Slide">
     <p:spTree>
       <p:nvGrpSpPr>
@@ -1339,15 +1538,16 @@
           </a:prstGeom>
         </p:spPr>
         <p:txBody>
-          <a:bodyPr lIns="0" rIns="0" tIns="0" bIns="0" anchor="ctr"/>
-          <a:p>
-            <a:endParaRPr b="0" lang="en-GB" sz="4400" spc="-1" strike="noStrike">
-              <a:solidFill>
-                <a:srgbClr val="000000"/>
-              </a:solidFill>
-              <a:uFill>
-                <a:solidFill>
-                  <a:srgbClr val="ffffff"/>
+          <a:bodyPr lIns="0" tIns="0" rIns="0" bIns="0" anchor="ctr"/>
+          <a:lstStyle/>
+          <a:p>
+            <a:endParaRPr lang="en-GB" sz="4400" b="0" strike="noStrike" spc="-1">
+              <a:solidFill>
+                <a:srgbClr val="000000"/>
+              </a:solidFill>
+              <a:uFill>
+                <a:solidFill>
+                  <a:srgbClr val="FFFFFF"/>
                 </a:solidFill>
               </a:uFill>
               <a:latin typeface="Arial"/>
@@ -1375,16 +1575,17 @@
           </a:prstGeom>
         </p:spPr>
         <p:txBody>
-          <a:bodyPr lIns="0" rIns="0" tIns="0" bIns="0" anchor="ctr"/>
+          <a:bodyPr lIns="0" tIns="0" rIns="0" bIns="0" anchor="ctr"/>
+          <a:lstStyle/>
           <a:p>
             <a:pPr algn="ctr"/>
-            <a:endParaRPr b="0" lang="en-GB" sz="3200" spc="-1" strike="noStrike">
-              <a:solidFill>
-                <a:srgbClr val="000000"/>
-              </a:solidFill>
-              <a:uFill>
-                <a:solidFill>
-                  <a:srgbClr val="ffffff"/>
+            <a:endParaRPr lang="en-GB" sz="3200" b="0" strike="noStrike" spc="-1">
+              <a:solidFill>
+                <a:srgbClr val="000000"/>
+              </a:solidFill>
+              <a:uFill>
+                <a:solidFill>
+                  <a:srgbClr val="FFFFFF"/>
                 </a:solidFill>
               </a:uFill>
               <a:latin typeface="Arial"/>
@@ -1394,11 +1595,14 @@
       </p:sp>
     </p:spTree>
   </p:cSld>
+  <p:clrMapOvr>
+    <a:masterClrMapping/>
+  </p:clrMapOvr>
 </p:sldLayout>
 </file>
 
 <file path=ppt/slideLayouts/slideLayout15.xml><?xml version="1.0" encoding="utf-8"?>
-<p:sldLayout xmlns:a="http://schemas.openxmlformats.org/drawingml/2006/main" xmlns:p="http://schemas.openxmlformats.org/presentationml/2006/main" xmlns:r="http://schemas.openxmlformats.org/officeDocument/2006/relationships" xmlns:p14="http://schemas.microsoft.com/office/powerpoint/2010/main" xmlns:p15="http://schemas.microsoft.com/office/powerpoint/2012/main" xmlns:mc="http://schemas.openxmlformats.org/markup-compatibility/2006" type="obj" preserve="1">
+<p:sldLayout xmlns:a="http://schemas.openxmlformats.org/drawingml/2006/main" xmlns:r="http://schemas.openxmlformats.org/officeDocument/2006/relationships" xmlns:p="http://schemas.openxmlformats.org/presentationml/2006/main" type="obj" preserve="1">
   <p:cSld name="Title, Content">
     <p:spTree>
       <p:nvGrpSpPr>
@@ -1434,15 +1638,16 @@
           </a:prstGeom>
         </p:spPr>
         <p:txBody>
-          <a:bodyPr lIns="0" rIns="0" tIns="0" bIns="0" anchor="ctr"/>
-          <a:p>
-            <a:endParaRPr b="0" lang="en-GB" sz="4400" spc="-1" strike="noStrike">
-              <a:solidFill>
-                <a:srgbClr val="000000"/>
-              </a:solidFill>
-              <a:uFill>
-                <a:solidFill>
-                  <a:srgbClr val="ffffff"/>
+          <a:bodyPr lIns="0" tIns="0" rIns="0" bIns="0" anchor="ctr"/>
+          <a:lstStyle/>
+          <a:p>
+            <a:endParaRPr lang="en-GB" sz="4400" b="0" strike="noStrike" spc="-1">
+              <a:solidFill>
+                <a:srgbClr val="000000"/>
+              </a:solidFill>
+              <a:uFill>
+                <a:solidFill>
+                  <a:srgbClr val="FFFFFF"/>
                 </a:solidFill>
               </a:uFill>
               <a:latin typeface="Arial"/>
@@ -1470,15 +1675,16 @@
           </a:prstGeom>
         </p:spPr>
         <p:txBody>
-          <a:bodyPr lIns="0" rIns="0" tIns="0" bIns="0"/>
-          <a:p>
-            <a:endParaRPr b="0" lang="en-GB" sz="3200" spc="-1" strike="noStrike">
-              <a:solidFill>
-                <a:srgbClr val="000000"/>
-              </a:solidFill>
-              <a:uFill>
-                <a:solidFill>
-                  <a:srgbClr val="ffffff"/>
+          <a:bodyPr lIns="0" tIns="0" rIns="0" bIns="0"/>
+          <a:lstStyle/>
+          <a:p>
+            <a:endParaRPr lang="en-GB" sz="3200" b="0" strike="noStrike" spc="-1">
+              <a:solidFill>
+                <a:srgbClr val="000000"/>
+              </a:solidFill>
+              <a:uFill>
+                <a:solidFill>
+                  <a:srgbClr val="FFFFFF"/>
                 </a:solidFill>
               </a:uFill>
               <a:latin typeface="Arial"/>
@@ -1488,11 +1694,14 @@
       </p:sp>
     </p:spTree>
   </p:cSld>
+  <p:clrMapOvr>
+    <a:masterClrMapping/>
+  </p:clrMapOvr>
 </p:sldLayout>
 </file>
 
 <file path=ppt/slideLayouts/slideLayout16.xml><?xml version="1.0" encoding="utf-8"?>
-<p:sldLayout xmlns:a="http://schemas.openxmlformats.org/drawingml/2006/main" xmlns:p="http://schemas.openxmlformats.org/presentationml/2006/main" xmlns:r="http://schemas.openxmlformats.org/officeDocument/2006/relationships" xmlns:p14="http://schemas.microsoft.com/office/powerpoint/2010/main" xmlns:p15="http://schemas.microsoft.com/office/powerpoint/2012/main" xmlns:mc="http://schemas.openxmlformats.org/markup-compatibility/2006" type="twoObj" preserve="1">
+<p:sldLayout xmlns:a="http://schemas.openxmlformats.org/drawingml/2006/main" xmlns:r="http://schemas.openxmlformats.org/officeDocument/2006/relationships" xmlns:p="http://schemas.openxmlformats.org/presentationml/2006/main" type="twoObj" preserve="1">
   <p:cSld name="Title, 2 Content">
     <p:spTree>
       <p:nvGrpSpPr>
@@ -1528,15 +1737,16 @@
           </a:prstGeom>
         </p:spPr>
         <p:txBody>
-          <a:bodyPr lIns="0" rIns="0" tIns="0" bIns="0" anchor="ctr"/>
-          <a:p>
-            <a:endParaRPr b="0" lang="en-GB" sz="4400" spc="-1" strike="noStrike">
-              <a:solidFill>
-                <a:srgbClr val="000000"/>
-              </a:solidFill>
-              <a:uFill>
-                <a:solidFill>
-                  <a:srgbClr val="ffffff"/>
+          <a:bodyPr lIns="0" tIns="0" rIns="0" bIns="0" anchor="ctr"/>
+          <a:lstStyle/>
+          <a:p>
+            <a:endParaRPr lang="en-GB" sz="4400" b="0" strike="noStrike" spc="-1">
+              <a:solidFill>
+                <a:srgbClr val="000000"/>
+              </a:solidFill>
+              <a:uFill>
+                <a:solidFill>
+                  <a:srgbClr val="FFFFFF"/>
                 </a:solidFill>
               </a:uFill>
               <a:latin typeface="Arial"/>
@@ -1564,15 +1774,16 @@
           </a:prstGeom>
         </p:spPr>
         <p:txBody>
-          <a:bodyPr lIns="0" rIns="0" tIns="0" bIns="0"/>
-          <a:p>
-            <a:endParaRPr b="0" lang="en-GB" sz="3200" spc="-1" strike="noStrike">
-              <a:solidFill>
-                <a:srgbClr val="000000"/>
-              </a:solidFill>
-              <a:uFill>
-                <a:solidFill>
-                  <a:srgbClr val="ffffff"/>
+          <a:bodyPr lIns="0" tIns="0" rIns="0" bIns="0"/>
+          <a:lstStyle/>
+          <a:p>
+            <a:endParaRPr lang="en-GB" sz="3200" b="0" strike="noStrike" spc="-1">
+              <a:solidFill>
+                <a:srgbClr val="000000"/>
+              </a:solidFill>
+              <a:uFill>
+                <a:solidFill>
+                  <a:srgbClr val="FFFFFF"/>
                 </a:solidFill>
               </a:uFill>
               <a:latin typeface="Arial"/>
@@ -1600,15 +1811,16 @@
           </a:prstGeom>
         </p:spPr>
         <p:txBody>
-          <a:bodyPr lIns="0" rIns="0" tIns="0" bIns="0"/>
-          <a:p>
-            <a:endParaRPr b="0" lang="en-GB" sz="3200" spc="-1" strike="noStrike">
-              <a:solidFill>
-                <a:srgbClr val="000000"/>
-              </a:solidFill>
-              <a:uFill>
-                <a:solidFill>
-                  <a:srgbClr val="ffffff"/>
+          <a:bodyPr lIns="0" tIns="0" rIns="0" bIns="0"/>
+          <a:lstStyle/>
+          <a:p>
+            <a:endParaRPr lang="en-GB" sz="3200" b="0" strike="noStrike" spc="-1">
+              <a:solidFill>
+                <a:srgbClr val="000000"/>
+              </a:solidFill>
+              <a:uFill>
+                <a:solidFill>
+                  <a:srgbClr val="FFFFFF"/>
                 </a:solidFill>
               </a:uFill>
               <a:latin typeface="Arial"/>
@@ -1618,11 +1830,14 @@
       </p:sp>
     </p:spTree>
   </p:cSld>
+  <p:clrMapOvr>
+    <a:masterClrMapping/>
+  </p:clrMapOvr>
 </p:sldLayout>
 </file>
 
 <file path=ppt/slideLayouts/slideLayout17.xml><?xml version="1.0" encoding="utf-8"?>
-<p:sldLayout xmlns:a="http://schemas.openxmlformats.org/drawingml/2006/main" xmlns:p="http://schemas.openxmlformats.org/presentationml/2006/main" xmlns:r="http://schemas.openxmlformats.org/officeDocument/2006/relationships" xmlns:p14="http://schemas.microsoft.com/office/powerpoint/2010/main" xmlns:p15="http://schemas.microsoft.com/office/powerpoint/2012/main" xmlns:mc="http://schemas.openxmlformats.org/markup-compatibility/2006" type="titleOnly" preserve="1">
+<p:sldLayout xmlns:a="http://schemas.openxmlformats.org/drawingml/2006/main" xmlns:r="http://schemas.openxmlformats.org/officeDocument/2006/relationships" xmlns:p="http://schemas.openxmlformats.org/presentationml/2006/main" type="titleOnly" preserve="1">
   <p:cSld name="Title Only">
     <p:spTree>
       <p:nvGrpSpPr>
@@ -1658,15 +1873,16 @@
           </a:prstGeom>
         </p:spPr>
         <p:txBody>
-          <a:bodyPr lIns="0" rIns="0" tIns="0" bIns="0" anchor="ctr"/>
-          <a:p>
-            <a:endParaRPr b="0" lang="en-GB" sz="4400" spc="-1" strike="noStrike">
-              <a:solidFill>
-                <a:srgbClr val="000000"/>
-              </a:solidFill>
-              <a:uFill>
-                <a:solidFill>
-                  <a:srgbClr val="ffffff"/>
+          <a:bodyPr lIns="0" tIns="0" rIns="0" bIns="0" anchor="ctr"/>
+          <a:lstStyle/>
+          <a:p>
+            <a:endParaRPr lang="en-GB" sz="4400" b="0" strike="noStrike" spc="-1">
+              <a:solidFill>
+                <a:srgbClr val="000000"/>
+              </a:solidFill>
+              <a:uFill>
+                <a:solidFill>
+                  <a:srgbClr val="FFFFFF"/>
                 </a:solidFill>
               </a:uFill>
               <a:latin typeface="Arial"/>
@@ -1676,11 +1892,14 @@
       </p:sp>
     </p:spTree>
   </p:cSld>
+  <p:clrMapOvr>
+    <a:masterClrMapping/>
+  </p:clrMapOvr>
 </p:sldLayout>
 </file>
 
 <file path=ppt/slideLayouts/slideLayout18.xml><?xml version="1.0" encoding="utf-8"?>
-<p:sldLayout xmlns:a="http://schemas.openxmlformats.org/drawingml/2006/main" xmlns:p="http://schemas.openxmlformats.org/presentationml/2006/main" xmlns:r="http://schemas.openxmlformats.org/officeDocument/2006/relationships" xmlns:p14="http://schemas.microsoft.com/office/powerpoint/2010/main" xmlns:p15="http://schemas.microsoft.com/office/powerpoint/2012/main" xmlns:mc="http://schemas.openxmlformats.org/markup-compatibility/2006" type="objOnly" preserve="1">
+<p:sldLayout xmlns:a="http://schemas.openxmlformats.org/drawingml/2006/main" xmlns:r="http://schemas.openxmlformats.org/officeDocument/2006/relationships" xmlns:p="http://schemas.openxmlformats.org/presentationml/2006/main" type="objOnly" preserve="1">
   <p:cSld name="Centered Text">
     <p:spTree>
       <p:nvGrpSpPr>
@@ -1716,16 +1935,17 @@
           </a:prstGeom>
         </p:spPr>
         <p:txBody>
-          <a:bodyPr lIns="0" rIns="0" tIns="0" bIns="0" anchor="ctr"/>
+          <a:bodyPr lIns="0" tIns="0" rIns="0" bIns="0" anchor="ctr"/>
+          <a:lstStyle/>
           <a:p>
             <a:pPr algn="ctr"/>
-            <a:endParaRPr b="0" lang="en-GB" sz="3200" spc="-1" strike="noStrike">
-              <a:solidFill>
-                <a:srgbClr val="000000"/>
-              </a:solidFill>
-              <a:uFill>
-                <a:solidFill>
-                  <a:srgbClr val="ffffff"/>
+            <a:endParaRPr lang="en-GB" sz="3200" b="0" strike="noStrike" spc="-1">
+              <a:solidFill>
+                <a:srgbClr val="000000"/>
+              </a:solidFill>
+              <a:uFill>
+                <a:solidFill>
+                  <a:srgbClr val="FFFFFF"/>
                 </a:solidFill>
               </a:uFill>
               <a:latin typeface="Arial"/>
@@ -1735,11 +1955,14 @@
       </p:sp>
     </p:spTree>
   </p:cSld>
+  <p:clrMapOvr>
+    <a:masterClrMapping/>
+  </p:clrMapOvr>
 </p:sldLayout>
 </file>
 
 <file path=ppt/slideLayouts/slideLayout19.xml><?xml version="1.0" encoding="utf-8"?>
-<p:sldLayout xmlns:a="http://schemas.openxmlformats.org/drawingml/2006/main" xmlns:p="http://schemas.openxmlformats.org/presentationml/2006/main" xmlns:r="http://schemas.openxmlformats.org/officeDocument/2006/relationships" xmlns:p14="http://schemas.microsoft.com/office/powerpoint/2010/main" xmlns:p15="http://schemas.microsoft.com/office/powerpoint/2012/main" xmlns:mc="http://schemas.openxmlformats.org/markup-compatibility/2006" type="twoObjAndObj" preserve="1">
+<p:sldLayout xmlns:a="http://schemas.openxmlformats.org/drawingml/2006/main" xmlns:r="http://schemas.openxmlformats.org/officeDocument/2006/relationships" xmlns:p="http://schemas.openxmlformats.org/presentationml/2006/main" type="twoObjAndObj" preserve="1">
   <p:cSld name="Title, 2 Content and Content">
     <p:spTree>
       <p:nvGrpSpPr>
@@ -1775,15 +1998,16 @@
           </a:prstGeom>
         </p:spPr>
         <p:txBody>
-          <a:bodyPr lIns="0" rIns="0" tIns="0" bIns="0" anchor="ctr"/>
-          <a:p>
-            <a:endParaRPr b="0" lang="en-GB" sz="4400" spc="-1" strike="noStrike">
-              <a:solidFill>
-                <a:srgbClr val="000000"/>
-              </a:solidFill>
-              <a:uFill>
-                <a:solidFill>
-                  <a:srgbClr val="ffffff"/>
+          <a:bodyPr lIns="0" tIns="0" rIns="0" bIns="0" anchor="ctr"/>
+          <a:lstStyle/>
+          <a:p>
+            <a:endParaRPr lang="en-GB" sz="4400" b="0" strike="noStrike" spc="-1">
+              <a:solidFill>
+                <a:srgbClr val="000000"/>
+              </a:solidFill>
+              <a:uFill>
+                <a:solidFill>
+                  <a:srgbClr val="FFFFFF"/>
                 </a:solidFill>
               </a:uFill>
               <a:latin typeface="Arial"/>
@@ -1811,15 +2035,16 @@
           </a:prstGeom>
         </p:spPr>
         <p:txBody>
-          <a:bodyPr lIns="0" rIns="0" tIns="0" bIns="0"/>
-          <a:p>
-            <a:endParaRPr b="0" lang="en-GB" sz="3200" spc="-1" strike="noStrike">
-              <a:solidFill>
-                <a:srgbClr val="000000"/>
-              </a:solidFill>
-              <a:uFill>
-                <a:solidFill>
-                  <a:srgbClr val="ffffff"/>
+          <a:bodyPr lIns="0" tIns="0" rIns="0" bIns="0"/>
+          <a:lstStyle/>
+          <a:p>
+            <a:endParaRPr lang="en-GB" sz="3200" b="0" strike="noStrike" spc="-1">
+              <a:solidFill>
+                <a:srgbClr val="000000"/>
+              </a:solidFill>
+              <a:uFill>
+                <a:solidFill>
+                  <a:srgbClr val="FFFFFF"/>
                 </a:solidFill>
               </a:uFill>
               <a:latin typeface="Arial"/>
@@ -1847,15 +2072,16 @@
           </a:prstGeom>
         </p:spPr>
         <p:txBody>
-          <a:bodyPr lIns="0" rIns="0" tIns="0" bIns="0"/>
-          <a:p>
-            <a:endParaRPr b="0" lang="en-GB" sz="3200" spc="-1" strike="noStrike">
-              <a:solidFill>
-                <a:srgbClr val="000000"/>
-              </a:solidFill>
-              <a:uFill>
-                <a:solidFill>
-                  <a:srgbClr val="ffffff"/>
+          <a:bodyPr lIns="0" tIns="0" rIns="0" bIns="0"/>
+          <a:lstStyle/>
+          <a:p>
+            <a:endParaRPr lang="en-GB" sz="3200" b="0" strike="noStrike" spc="-1">
+              <a:solidFill>
+                <a:srgbClr val="000000"/>
+              </a:solidFill>
+              <a:uFill>
+                <a:solidFill>
+                  <a:srgbClr val="FFFFFF"/>
                 </a:solidFill>
               </a:uFill>
               <a:latin typeface="Arial"/>
@@ -1883,15 +2109,16 @@
           </a:prstGeom>
         </p:spPr>
         <p:txBody>
-          <a:bodyPr lIns="0" rIns="0" tIns="0" bIns="0"/>
-          <a:p>
-            <a:endParaRPr b="0" lang="en-GB" sz="3200" spc="-1" strike="noStrike">
-              <a:solidFill>
-                <a:srgbClr val="000000"/>
-              </a:solidFill>
-              <a:uFill>
-                <a:solidFill>
-                  <a:srgbClr val="ffffff"/>
+          <a:bodyPr lIns="0" tIns="0" rIns="0" bIns="0"/>
+          <a:lstStyle/>
+          <a:p>
+            <a:endParaRPr lang="en-GB" sz="3200" b="0" strike="noStrike" spc="-1">
+              <a:solidFill>
+                <a:srgbClr val="000000"/>
+              </a:solidFill>
+              <a:uFill>
+                <a:solidFill>
+                  <a:srgbClr val="FFFFFF"/>
                 </a:solidFill>
               </a:uFill>
               <a:latin typeface="Arial"/>
@@ -1901,11 +2128,14 @@
       </p:sp>
     </p:spTree>
   </p:cSld>
+  <p:clrMapOvr>
+    <a:masterClrMapping/>
+  </p:clrMapOvr>
 </p:sldLayout>
 </file>
 
 <file path=ppt/slideLayouts/slideLayout2.xml><?xml version="1.0" encoding="utf-8"?>
-<p:sldLayout xmlns:a="http://schemas.openxmlformats.org/drawingml/2006/main" xmlns:p="http://schemas.openxmlformats.org/presentationml/2006/main" xmlns:r="http://schemas.openxmlformats.org/officeDocument/2006/relationships" xmlns:p14="http://schemas.microsoft.com/office/powerpoint/2010/main" xmlns:p15="http://schemas.microsoft.com/office/powerpoint/2012/main" xmlns:mc="http://schemas.openxmlformats.org/markup-compatibility/2006" type="tx" preserve="1">
+<p:sldLayout xmlns:a="http://schemas.openxmlformats.org/drawingml/2006/main" xmlns:r="http://schemas.openxmlformats.org/officeDocument/2006/relationships" xmlns:p="http://schemas.openxmlformats.org/presentationml/2006/main" type="tx" preserve="1">
   <p:cSld name="Title Slide">
     <p:spTree>
       <p:nvGrpSpPr>
@@ -1941,15 +2171,16 @@
           </a:prstGeom>
         </p:spPr>
         <p:txBody>
-          <a:bodyPr lIns="0" rIns="0" tIns="0" bIns="0" anchor="ctr"/>
-          <a:p>
-            <a:endParaRPr b="0" lang="en-GB" sz="4400" spc="-1" strike="noStrike">
-              <a:solidFill>
-                <a:srgbClr val="000000"/>
-              </a:solidFill>
-              <a:uFill>
-                <a:solidFill>
-                  <a:srgbClr val="ffffff"/>
+          <a:bodyPr lIns="0" tIns="0" rIns="0" bIns="0" anchor="ctr"/>
+          <a:lstStyle/>
+          <a:p>
+            <a:endParaRPr lang="en-GB" sz="4400" b="0" strike="noStrike" spc="-1">
+              <a:solidFill>
+                <a:srgbClr val="000000"/>
+              </a:solidFill>
+              <a:uFill>
+                <a:solidFill>
+                  <a:srgbClr val="FFFFFF"/>
                 </a:solidFill>
               </a:uFill>
               <a:latin typeface="Arial"/>
@@ -1977,16 +2208,17 @@
           </a:prstGeom>
         </p:spPr>
         <p:txBody>
-          <a:bodyPr lIns="0" rIns="0" tIns="0" bIns="0" anchor="ctr"/>
+          <a:bodyPr lIns="0" tIns="0" rIns="0" bIns="0" anchor="ctr"/>
+          <a:lstStyle/>
           <a:p>
             <a:pPr algn="ctr"/>
-            <a:endParaRPr b="0" lang="en-GB" sz="3200" spc="-1" strike="noStrike">
-              <a:solidFill>
-                <a:srgbClr val="000000"/>
-              </a:solidFill>
-              <a:uFill>
-                <a:solidFill>
-                  <a:srgbClr val="ffffff"/>
+            <a:endParaRPr lang="en-GB" sz="3200" b="0" strike="noStrike" spc="-1">
+              <a:solidFill>
+                <a:srgbClr val="000000"/>
+              </a:solidFill>
+              <a:uFill>
+                <a:solidFill>
+                  <a:srgbClr val="FFFFFF"/>
                 </a:solidFill>
               </a:uFill>
               <a:latin typeface="Arial"/>
@@ -1996,11 +2228,14 @@
       </p:sp>
     </p:spTree>
   </p:cSld>
+  <p:clrMapOvr>
+    <a:masterClrMapping/>
+  </p:clrMapOvr>
 </p:sldLayout>
 </file>
 
 <file path=ppt/slideLayouts/slideLayout20.xml><?xml version="1.0" encoding="utf-8"?>
-<p:sldLayout xmlns:a="http://schemas.openxmlformats.org/drawingml/2006/main" xmlns:p="http://schemas.openxmlformats.org/presentationml/2006/main" xmlns:r="http://schemas.openxmlformats.org/officeDocument/2006/relationships" xmlns:p14="http://schemas.microsoft.com/office/powerpoint/2010/main" xmlns:p15="http://schemas.microsoft.com/office/powerpoint/2012/main" xmlns:mc="http://schemas.openxmlformats.org/markup-compatibility/2006" type="objAndTwoObj" preserve="1">
+<p:sldLayout xmlns:a="http://schemas.openxmlformats.org/drawingml/2006/main" xmlns:r="http://schemas.openxmlformats.org/officeDocument/2006/relationships" xmlns:p="http://schemas.openxmlformats.org/presentationml/2006/main" type="objAndTwoObj" preserve="1">
   <p:cSld name="Title Content and 2 Content">
     <p:spTree>
       <p:nvGrpSpPr>
@@ -2036,15 +2271,16 @@
           </a:prstGeom>
         </p:spPr>
         <p:txBody>
-          <a:bodyPr lIns="0" rIns="0" tIns="0" bIns="0" anchor="ctr"/>
-          <a:p>
-            <a:endParaRPr b="0" lang="en-GB" sz="4400" spc="-1" strike="noStrike">
-              <a:solidFill>
-                <a:srgbClr val="000000"/>
-              </a:solidFill>
-              <a:uFill>
-                <a:solidFill>
-                  <a:srgbClr val="ffffff"/>
+          <a:bodyPr lIns="0" tIns="0" rIns="0" bIns="0" anchor="ctr"/>
+          <a:lstStyle/>
+          <a:p>
+            <a:endParaRPr lang="en-GB" sz="4400" b="0" strike="noStrike" spc="-1">
+              <a:solidFill>
+                <a:srgbClr val="000000"/>
+              </a:solidFill>
+              <a:uFill>
+                <a:solidFill>
+                  <a:srgbClr val="FFFFFF"/>
                 </a:solidFill>
               </a:uFill>
               <a:latin typeface="Arial"/>
@@ -2072,15 +2308,16 @@
           </a:prstGeom>
         </p:spPr>
         <p:txBody>
-          <a:bodyPr lIns="0" rIns="0" tIns="0" bIns="0"/>
-          <a:p>
-            <a:endParaRPr b="0" lang="en-GB" sz="3200" spc="-1" strike="noStrike">
-              <a:solidFill>
-                <a:srgbClr val="000000"/>
-              </a:solidFill>
-              <a:uFill>
-                <a:solidFill>
-                  <a:srgbClr val="ffffff"/>
+          <a:bodyPr lIns="0" tIns="0" rIns="0" bIns="0"/>
+          <a:lstStyle/>
+          <a:p>
+            <a:endParaRPr lang="en-GB" sz="3200" b="0" strike="noStrike" spc="-1">
+              <a:solidFill>
+                <a:srgbClr val="000000"/>
+              </a:solidFill>
+              <a:uFill>
+                <a:solidFill>
+                  <a:srgbClr val="FFFFFF"/>
                 </a:solidFill>
               </a:uFill>
               <a:latin typeface="Arial"/>
@@ -2108,15 +2345,16 @@
           </a:prstGeom>
         </p:spPr>
         <p:txBody>
-          <a:bodyPr lIns="0" rIns="0" tIns="0" bIns="0"/>
-          <a:p>
-            <a:endParaRPr b="0" lang="en-GB" sz="3200" spc="-1" strike="noStrike">
-              <a:solidFill>
-                <a:srgbClr val="000000"/>
-              </a:solidFill>
-              <a:uFill>
-                <a:solidFill>
-                  <a:srgbClr val="ffffff"/>
+          <a:bodyPr lIns="0" tIns="0" rIns="0" bIns="0"/>
+          <a:lstStyle/>
+          <a:p>
+            <a:endParaRPr lang="en-GB" sz="3200" b="0" strike="noStrike" spc="-1">
+              <a:solidFill>
+                <a:srgbClr val="000000"/>
+              </a:solidFill>
+              <a:uFill>
+                <a:solidFill>
+                  <a:srgbClr val="FFFFFF"/>
                 </a:solidFill>
               </a:uFill>
               <a:latin typeface="Arial"/>
@@ -2144,15 +2382,16 @@
           </a:prstGeom>
         </p:spPr>
         <p:txBody>
-          <a:bodyPr lIns="0" rIns="0" tIns="0" bIns="0"/>
-          <a:p>
-            <a:endParaRPr b="0" lang="en-GB" sz="3200" spc="-1" strike="noStrike">
-              <a:solidFill>
-                <a:srgbClr val="000000"/>
-              </a:solidFill>
-              <a:uFill>
-                <a:solidFill>
-                  <a:srgbClr val="ffffff"/>
+          <a:bodyPr lIns="0" tIns="0" rIns="0" bIns="0"/>
+          <a:lstStyle/>
+          <a:p>
+            <a:endParaRPr lang="en-GB" sz="3200" b="0" strike="noStrike" spc="-1">
+              <a:solidFill>
+                <a:srgbClr val="000000"/>
+              </a:solidFill>
+              <a:uFill>
+                <a:solidFill>
+                  <a:srgbClr val="FFFFFF"/>
                 </a:solidFill>
               </a:uFill>
               <a:latin typeface="Arial"/>
@@ -2162,11 +2401,14 @@
       </p:sp>
     </p:spTree>
   </p:cSld>
+  <p:clrMapOvr>
+    <a:masterClrMapping/>
+  </p:clrMapOvr>
 </p:sldLayout>
 </file>
 
 <file path=ppt/slideLayouts/slideLayout21.xml><?xml version="1.0" encoding="utf-8"?>
-<p:sldLayout xmlns:a="http://schemas.openxmlformats.org/drawingml/2006/main" xmlns:p="http://schemas.openxmlformats.org/presentationml/2006/main" xmlns:r="http://schemas.openxmlformats.org/officeDocument/2006/relationships" xmlns:p14="http://schemas.microsoft.com/office/powerpoint/2010/main" xmlns:p15="http://schemas.microsoft.com/office/powerpoint/2012/main" xmlns:mc="http://schemas.openxmlformats.org/markup-compatibility/2006" type="twoObjOverTx" preserve="1">
+<p:sldLayout xmlns:a="http://schemas.openxmlformats.org/drawingml/2006/main" xmlns:r="http://schemas.openxmlformats.org/officeDocument/2006/relationships" xmlns:p="http://schemas.openxmlformats.org/presentationml/2006/main" type="twoObjOverTx" preserve="1">
   <p:cSld name="Title, 2 Content over Content">
     <p:spTree>
       <p:nvGrpSpPr>
@@ -2202,15 +2444,16 @@
           </a:prstGeom>
         </p:spPr>
         <p:txBody>
-          <a:bodyPr lIns="0" rIns="0" tIns="0" bIns="0" anchor="ctr"/>
-          <a:p>
-            <a:endParaRPr b="0" lang="en-GB" sz="4400" spc="-1" strike="noStrike">
-              <a:solidFill>
-                <a:srgbClr val="000000"/>
-              </a:solidFill>
-              <a:uFill>
-                <a:solidFill>
-                  <a:srgbClr val="ffffff"/>
+          <a:bodyPr lIns="0" tIns="0" rIns="0" bIns="0" anchor="ctr"/>
+          <a:lstStyle/>
+          <a:p>
+            <a:endParaRPr lang="en-GB" sz="4400" b="0" strike="noStrike" spc="-1">
+              <a:solidFill>
+                <a:srgbClr val="000000"/>
+              </a:solidFill>
+              <a:uFill>
+                <a:solidFill>
+                  <a:srgbClr val="FFFFFF"/>
                 </a:solidFill>
               </a:uFill>
               <a:latin typeface="Arial"/>
@@ -2238,15 +2481,16 @@
           </a:prstGeom>
         </p:spPr>
         <p:txBody>
-          <a:bodyPr lIns="0" rIns="0" tIns="0" bIns="0"/>
-          <a:p>
-            <a:endParaRPr b="0" lang="en-GB" sz="3200" spc="-1" strike="noStrike">
-              <a:solidFill>
-                <a:srgbClr val="000000"/>
-              </a:solidFill>
-              <a:uFill>
-                <a:solidFill>
-                  <a:srgbClr val="ffffff"/>
+          <a:bodyPr lIns="0" tIns="0" rIns="0" bIns="0"/>
+          <a:lstStyle/>
+          <a:p>
+            <a:endParaRPr lang="en-GB" sz="3200" b="0" strike="noStrike" spc="-1">
+              <a:solidFill>
+                <a:srgbClr val="000000"/>
+              </a:solidFill>
+              <a:uFill>
+                <a:solidFill>
+                  <a:srgbClr val="FFFFFF"/>
                 </a:solidFill>
               </a:uFill>
               <a:latin typeface="Arial"/>
@@ -2274,15 +2518,16 @@
           </a:prstGeom>
         </p:spPr>
         <p:txBody>
-          <a:bodyPr lIns="0" rIns="0" tIns="0" bIns="0"/>
-          <a:p>
-            <a:endParaRPr b="0" lang="en-GB" sz="3200" spc="-1" strike="noStrike">
-              <a:solidFill>
-                <a:srgbClr val="000000"/>
-              </a:solidFill>
-              <a:uFill>
-                <a:solidFill>
-                  <a:srgbClr val="ffffff"/>
+          <a:bodyPr lIns="0" tIns="0" rIns="0" bIns="0"/>
+          <a:lstStyle/>
+          <a:p>
+            <a:endParaRPr lang="en-GB" sz="3200" b="0" strike="noStrike" spc="-1">
+              <a:solidFill>
+                <a:srgbClr val="000000"/>
+              </a:solidFill>
+              <a:uFill>
+                <a:solidFill>
+                  <a:srgbClr val="FFFFFF"/>
                 </a:solidFill>
               </a:uFill>
               <a:latin typeface="Arial"/>
@@ -2310,15 +2555,16 @@
           </a:prstGeom>
         </p:spPr>
         <p:txBody>
-          <a:bodyPr lIns="0" rIns="0" tIns="0" bIns="0"/>
-          <a:p>
-            <a:endParaRPr b="0" lang="en-GB" sz="3200" spc="-1" strike="noStrike">
-              <a:solidFill>
-                <a:srgbClr val="000000"/>
-              </a:solidFill>
-              <a:uFill>
-                <a:solidFill>
-                  <a:srgbClr val="ffffff"/>
+          <a:bodyPr lIns="0" tIns="0" rIns="0" bIns="0"/>
+          <a:lstStyle/>
+          <a:p>
+            <a:endParaRPr lang="en-GB" sz="3200" b="0" strike="noStrike" spc="-1">
+              <a:solidFill>
+                <a:srgbClr val="000000"/>
+              </a:solidFill>
+              <a:uFill>
+                <a:solidFill>
+                  <a:srgbClr val="FFFFFF"/>
                 </a:solidFill>
               </a:uFill>
               <a:latin typeface="Arial"/>
@@ -2328,11 +2574,14 @@
       </p:sp>
     </p:spTree>
   </p:cSld>
+  <p:clrMapOvr>
+    <a:masterClrMapping/>
+  </p:clrMapOvr>
 </p:sldLayout>
 </file>
 
 <file path=ppt/slideLayouts/slideLayout22.xml><?xml version="1.0" encoding="utf-8"?>
-<p:sldLayout xmlns:a="http://schemas.openxmlformats.org/drawingml/2006/main" xmlns:p="http://schemas.openxmlformats.org/presentationml/2006/main" xmlns:r="http://schemas.openxmlformats.org/officeDocument/2006/relationships" xmlns:p14="http://schemas.microsoft.com/office/powerpoint/2010/main" xmlns:p15="http://schemas.microsoft.com/office/powerpoint/2012/main" xmlns:mc="http://schemas.openxmlformats.org/markup-compatibility/2006" type="objOverTx" preserve="1">
+<p:sldLayout xmlns:a="http://schemas.openxmlformats.org/drawingml/2006/main" xmlns:r="http://schemas.openxmlformats.org/officeDocument/2006/relationships" xmlns:p="http://schemas.openxmlformats.org/presentationml/2006/main" type="objOverTx" preserve="1">
   <p:cSld name="Title, Content over Content">
     <p:spTree>
       <p:nvGrpSpPr>
@@ -2368,15 +2617,16 @@
           </a:prstGeom>
         </p:spPr>
         <p:txBody>
-          <a:bodyPr lIns="0" rIns="0" tIns="0" bIns="0" anchor="ctr"/>
-          <a:p>
-            <a:endParaRPr b="0" lang="en-GB" sz="4400" spc="-1" strike="noStrike">
-              <a:solidFill>
-                <a:srgbClr val="000000"/>
-              </a:solidFill>
-              <a:uFill>
-                <a:solidFill>
-                  <a:srgbClr val="ffffff"/>
+          <a:bodyPr lIns="0" tIns="0" rIns="0" bIns="0" anchor="ctr"/>
+          <a:lstStyle/>
+          <a:p>
+            <a:endParaRPr lang="en-GB" sz="4400" b="0" strike="noStrike" spc="-1">
+              <a:solidFill>
+                <a:srgbClr val="000000"/>
+              </a:solidFill>
+              <a:uFill>
+                <a:solidFill>
+                  <a:srgbClr val="FFFFFF"/>
                 </a:solidFill>
               </a:uFill>
               <a:latin typeface="Arial"/>
@@ -2404,15 +2654,16 @@
           </a:prstGeom>
         </p:spPr>
         <p:txBody>
-          <a:bodyPr lIns="0" rIns="0" tIns="0" bIns="0"/>
-          <a:p>
-            <a:endParaRPr b="0" lang="en-GB" sz="3200" spc="-1" strike="noStrike">
-              <a:solidFill>
-                <a:srgbClr val="000000"/>
-              </a:solidFill>
-              <a:uFill>
-                <a:solidFill>
-                  <a:srgbClr val="ffffff"/>
+          <a:bodyPr lIns="0" tIns="0" rIns="0" bIns="0"/>
+          <a:lstStyle/>
+          <a:p>
+            <a:endParaRPr lang="en-GB" sz="3200" b="0" strike="noStrike" spc="-1">
+              <a:solidFill>
+                <a:srgbClr val="000000"/>
+              </a:solidFill>
+              <a:uFill>
+                <a:solidFill>
+                  <a:srgbClr val="FFFFFF"/>
                 </a:solidFill>
               </a:uFill>
               <a:latin typeface="Arial"/>
@@ -2440,15 +2691,16 @@
           </a:prstGeom>
         </p:spPr>
         <p:txBody>
-          <a:bodyPr lIns="0" rIns="0" tIns="0" bIns="0"/>
-          <a:p>
-            <a:endParaRPr b="0" lang="en-GB" sz="3200" spc="-1" strike="noStrike">
-              <a:solidFill>
-                <a:srgbClr val="000000"/>
-              </a:solidFill>
-              <a:uFill>
-                <a:solidFill>
-                  <a:srgbClr val="ffffff"/>
+          <a:bodyPr lIns="0" tIns="0" rIns="0" bIns="0"/>
+          <a:lstStyle/>
+          <a:p>
+            <a:endParaRPr lang="en-GB" sz="3200" b="0" strike="noStrike" spc="-1">
+              <a:solidFill>
+                <a:srgbClr val="000000"/>
+              </a:solidFill>
+              <a:uFill>
+                <a:solidFill>
+                  <a:srgbClr val="FFFFFF"/>
                 </a:solidFill>
               </a:uFill>
               <a:latin typeface="Arial"/>
@@ -2458,11 +2710,14 @@
       </p:sp>
     </p:spTree>
   </p:cSld>
+  <p:clrMapOvr>
+    <a:masterClrMapping/>
+  </p:clrMapOvr>
 </p:sldLayout>
 </file>
 
 <file path=ppt/slideLayouts/slideLayout23.xml><?xml version="1.0" encoding="utf-8"?>
-<p:sldLayout xmlns:a="http://schemas.openxmlformats.org/drawingml/2006/main" xmlns:p="http://schemas.openxmlformats.org/presentationml/2006/main" xmlns:r="http://schemas.openxmlformats.org/officeDocument/2006/relationships" xmlns:p14="http://schemas.microsoft.com/office/powerpoint/2010/main" xmlns:p15="http://schemas.microsoft.com/office/powerpoint/2012/main" xmlns:mc="http://schemas.openxmlformats.org/markup-compatibility/2006" type="fourObj" preserve="1">
+<p:sldLayout xmlns:a="http://schemas.openxmlformats.org/drawingml/2006/main" xmlns:r="http://schemas.openxmlformats.org/officeDocument/2006/relationships" xmlns:p="http://schemas.openxmlformats.org/presentationml/2006/main" type="fourObj" preserve="1">
   <p:cSld name="Title, 4 Content">
     <p:spTree>
       <p:nvGrpSpPr>
@@ -2498,15 +2753,16 @@
           </a:prstGeom>
         </p:spPr>
         <p:txBody>
-          <a:bodyPr lIns="0" rIns="0" tIns="0" bIns="0" anchor="ctr"/>
-          <a:p>
-            <a:endParaRPr b="0" lang="en-GB" sz="4400" spc="-1" strike="noStrike">
-              <a:solidFill>
-                <a:srgbClr val="000000"/>
-              </a:solidFill>
-              <a:uFill>
-                <a:solidFill>
-                  <a:srgbClr val="ffffff"/>
+          <a:bodyPr lIns="0" tIns="0" rIns="0" bIns="0" anchor="ctr"/>
+          <a:lstStyle/>
+          <a:p>
+            <a:endParaRPr lang="en-GB" sz="4400" b="0" strike="noStrike" spc="-1">
+              <a:solidFill>
+                <a:srgbClr val="000000"/>
+              </a:solidFill>
+              <a:uFill>
+                <a:solidFill>
+                  <a:srgbClr val="FFFFFF"/>
                 </a:solidFill>
               </a:uFill>
               <a:latin typeface="Arial"/>
@@ -2534,15 +2790,16 @@
           </a:prstGeom>
         </p:spPr>
         <p:txBody>
-          <a:bodyPr lIns="0" rIns="0" tIns="0" bIns="0"/>
-          <a:p>
-            <a:endParaRPr b="0" lang="en-GB" sz="3200" spc="-1" strike="noStrike">
-              <a:solidFill>
-                <a:srgbClr val="000000"/>
-              </a:solidFill>
-              <a:uFill>
-                <a:solidFill>
-                  <a:srgbClr val="ffffff"/>
+          <a:bodyPr lIns="0" tIns="0" rIns="0" bIns="0"/>
+          <a:lstStyle/>
+          <a:p>
+            <a:endParaRPr lang="en-GB" sz="3200" b="0" strike="noStrike" spc="-1">
+              <a:solidFill>
+                <a:srgbClr val="000000"/>
+              </a:solidFill>
+              <a:uFill>
+                <a:solidFill>
+                  <a:srgbClr val="FFFFFF"/>
                 </a:solidFill>
               </a:uFill>
               <a:latin typeface="Arial"/>
@@ -2570,15 +2827,16 @@
           </a:prstGeom>
         </p:spPr>
         <p:txBody>
-          <a:bodyPr lIns="0" rIns="0" tIns="0" bIns="0"/>
-          <a:p>
-            <a:endParaRPr b="0" lang="en-GB" sz="3200" spc="-1" strike="noStrike">
-              <a:solidFill>
-                <a:srgbClr val="000000"/>
-              </a:solidFill>
-              <a:uFill>
-                <a:solidFill>
-                  <a:srgbClr val="ffffff"/>
+          <a:bodyPr lIns="0" tIns="0" rIns="0" bIns="0"/>
+          <a:lstStyle/>
+          <a:p>
+            <a:endParaRPr lang="en-GB" sz="3200" b="0" strike="noStrike" spc="-1">
+              <a:solidFill>
+                <a:srgbClr val="000000"/>
+              </a:solidFill>
+              <a:uFill>
+                <a:solidFill>
+                  <a:srgbClr val="FFFFFF"/>
                 </a:solidFill>
               </a:uFill>
               <a:latin typeface="Arial"/>
@@ -2606,15 +2864,16 @@
           </a:prstGeom>
         </p:spPr>
         <p:txBody>
-          <a:bodyPr lIns="0" rIns="0" tIns="0" bIns="0"/>
-          <a:p>
-            <a:endParaRPr b="0" lang="en-GB" sz="3200" spc="-1" strike="noStrike">
-              <a:solidFill>
-                <a:srgbClr val="000000"/>
-              </a:solidFill>
-              <a:uFill>
-                <a:solidFill>
-                  <a:srgbClr val="ffffff"/>
+          <a:bodyPr lIns="0" tIns="0" rIns="0" bIns="0"/>
+          <a:lstStyle/>
+          <a:p>
+            <a:endParaRPr lang="en-GB" sz="3200" b="0" strike="noStrike" spc="-1">
+              <a:solidFill>
+                <a:srgbClr val="000000"/>
+              </a:solidFill>
+              <a:uFill>
+                <a:solidFill>
+                  <a:srgbClr val="FFFFFF"/>
                 </a:solidFill>
               </a:uFill>
               <a:latin typeface="Arial"/>
@@ -2642,15 +2901,16 @@
           </a:prstGeom>
         </p:spPr>
         <p:txBody>
-          <a:bodyPr lIns="0" rIns="0" tIns="0" bIns="0"/>
-          <a:p>
-            <a:endParaRPr b="0" lang="en-GB" sz="3200" spc="-1" strike="noStrike">
-              <a:solidFill>
-                <a:srgbClr val="000000"/>
-              </a:solidFill>
-              <a:uFill>
-                <a:solidFill>
-                  <a:srgbClr val="ffffff"/>
+          <a:bodyPr lIns="0" tIns="0" rIns="0" bIns="0"/>
+          <a:lstStyle/>
+          <a:p>
+            <a:endParaRPr lang="en-GB" sz="3200" b="0" strike="noStrike" spc="-1">
+              <a:solidFill>
+                <a:srgbClr val="000000"/>
+              </a:solidFill>
+              <a:uFill>
+                <a:solidFill>
+                  <a:srgbClr val="FFFFFF"/>
                 </a:solidFill>
               </a:uFill>
               <a:latin typeface="Arial"/>
@@ -2660,11 +2920,14 @@
       </p:sp>
     </p:spTree>
   </p:cSld>
+  <p:clrMapOvr>
+    <a:masterClrMapping/>
+  </p:clrMapOvr>
 </p:sldLayout>
 </file>
 
 <file path=ppt/slideLayouts/slideLayout24.xml><?xml version="1.0" encoding="utf-8"?>
-<p:sldLayout xmlns:a="http://schemas.openxmlformats.org/drawingml/2006/main" xmlns:p="http://schemas.openxmlformats.org/presentationml/2006/main" xmlns:r="http://schemas.openxmlformats.org/officeDocument/2006/relationships" xmlns:p14="http://schemas.microsoft.com/office/powerpoint/2010/main" xmlns:p15="http://schemas.microsoft.com/office/powerpoint/2012/main" xmlns:mc="http://schemas.openxmlformats.org/markup-compatibility/2006" type="blank" preserve="1">
+<p:sldLayout xmlns:a="http://schemas.openxmlformats.org/drawingml/2006/main" xmlns:r="http://schemas.openxmlformats.org/officeDocument/2006/relationships" xmlns:p="http://schemas.openxmlformats.org/presentationml/2006/main" type="blank" preserve="1">
   <p:cSld name="Title, 6 Content">
     <p:spTree>
       <p:nvGrpSpPr>
@@ -2700,15 +2963,16 @@
           </a:prstGeom>
         </p:spPr>
         <p:txBody>
-          <a:bodyPr lIns="0" rIns="0" tIns="0" bIns="0" anchor="ctr"/>
-          <a:p>
-            <a:endParaRPr b="0" lang="en-GB" sz="4400" spc="-1" strike="noStrike">
-              <a:solidFill>
-                <a:srgbClr val="000000"/>
-              </a:solidFill>
-              <a:uFill>
-                <a:solidFill>
-                  <a:srgbClr val="ffffff"/>
+          <a:bodyPr lIns="0" tIns="0" rIns="0" bIns="0" anchor="ctr"/>
+          <a:lstStyle/>
+          <a:p>
+            <a:endParaRPr lang="en-GB" sz="4400" b="0" strike="noStrike" spc="-1">
+              <a:solidFill>
+                <a:srgbClr val="000000"/>
+              </a:solidFill>
+              <a:uFill>
+                <a:solidFill>
+                  <a:srgbClr val="FFFFFF"/>
                 </a:solidFill>
               </a:uFill>
               <a:latin typeface="Arial"/>
@@ -2736,15 +3000,16 @@
           </a:prstGeom>
         </p:spPr>
         <p:txBody>
-          <a:bodyPr lIns="0" rIns="0" tIns="0" bIns="0"/>
-          <a:p>
-            <a:endParaRPr b="0" lang="en-GB" sz="3200" spc="-1" strike="noStrike">
-              <a:solidFill>
-                <a:srgbClr val="000000"/>
-              </a:solidFill>
-              <a:uFill>
-                <a:solidFill>
-                  <a:srgbClr val="ffffff"/>
+          <a:bodyPr lIns="0" tIns="0" rIns="0" bIns="0"/>
+          <a:lstStyle/>
+          <a:p>
+            <a:endParaRPr lang="en-GB" sz="3200" b="0" strike="noStrike" spc="-1">
+              <a:solidFill>
+                <a:srgbClr val="000000"/>
+              </a:solidFill>
+              <a:uFill>
+                <a:solidFill>
+                  <a:srgbClr val="FFFFFF"/>
                 </a:solidFill>
               </a:uFill>
               <a:latin typeface="Arial"/>
@@ -2772,15 +3037,16 @@
           </a:prstGeom>
         </p:spPr>
         <p:txBody>
-          <a:bodyPr lIns="0" rIns="0" tIns="0" bIns="0"/>
-          <a:p>
-            <a:endParaRPr b="0" lang="en-GB" sz="3200" spc="-1" strike="noStrike">
-              <a:solidFill>
-                <a:srgbClr val="000000"/>
-              </a:solidFill>
-              <a:uFill>
-                <a:solidFill>
-                  <a:srgbClr val="ffffff"/>
+          <a:bodyPr lIns="0" tIns="0" rIns="0" bIns="0"/>
+          <a:lstStyle/>
+          <a:p>
+            <a:endParaRPr lang="en-GB" sz="3200" b="0" strike="noStrike" spc="-1">
+              <a:solidFill>
+                <a:srgbClr val="000000"/>
+              </a:solidFill>
+              <a:uFill>
+                <a:solidFill>
+                  <a:srgbClr val="FFFFFF"/>
                 </a:solidFill>
               </a:uFill>
               <a:latin typeface="Arial"/>
@@ -2790,7 +3056,7 @@
       </p:sp>
       <p:pic>
         <p:nvPicPr>
-          <p:cNvPr id="76" name="" descr=""/>
+          <p:cNvPr id="76" name="Picture 75"/>
           <p:cNvPicPr/>
           <p:nvPr/>
         </p:nvPicPr>
@@ -2813,12 +3079,12 @@
       </p:pic>
       <p:pic>
         <p:nvPicPr>
-          <p:cNvPr id="77" name="" descr=""/>
+          <p:cNvPr id="77" name="Picture 76"/>
           <p:cNvPicPr/>
           <p:nvPr/>
         </p:nvPicPr>
         <p:blipFill>
-          <a:blip r:embed="rId3"/>
+          <a:blip r:embed="rId2"/>
           <a:stretch/>
         </p:blipFill>
         <p:spPr>
@@ -2836,11 +3102,14 @@
       </p:pic>
     </p:spTree>
   </p:cSld>
+  <p:clrMapOvr>
+    <a:masterClrMapping/>
+  </p:clrMapOvr>
 </p:sldLayout>
 </file>
 
 <file path=ppt/slideLayouts/slideLayout3.xml><?xml version="1.0" encoding="utf-8"?>
-<p:sldLayout xmlns:a="http://schemas.openxmlformats.org/drawingml/2006/main" xmlns:p="http://schemas.openxmlformats.org/presentationml/2006/main" xmlns:r="http://schemas.openxmlformats.org/officeDocument/2006/relationships" xmlns:p14="http://schemas.microsoft.com/office/powerpoint/2010/main" xmlns:p15="http://schemas.microsoft.com/office/powerpoint/2012/main" xmlns:mc="http://schemas.openxmlformats.org/markup-compatibility/2006" type="obj" preserve="1">
+<p:sldLayout xmlns:a="http://schemas.openxmlformats.org/drawingml/2006/main" xmlns:r="http://schemas.openxmlformats.org/officeDocument/2006/relationships" xmlns:p="http://schemas.openxmlformats.org/presentationml/2006/main" type="obj" preserve="1">
   <p:cSld name="Title, Content">
     <p:spTree>
       <p:nvGrpSpPr>
@@ -2876,15 +3145,16 @@
           </a:prstGeom>
         </p:spPr>
         <p:txBody>
-          <a:bodyPr lIns="0" rIns="0" tIns="0" bIns="0" anchor="ctr"/>
-          <a:p>
-            <a:endParaRPr b="0" lang="en-GB" sz="4400" spc="-1" strike="noStrike">
-              <a:solidFill>
-                <a:srgbClr val="000000"/>
-              </a:solidFill>
-              <a:uFill>
-                <a:solidFill>
-                  <a:srgbClr val="ffffff"/>
+          <a:bodyPr lIns="0" tIns="0" rIns="0" bIns="0" anchor="ctr"/>
+          <a:lstStyle/>
+          <a:p>
+            <a:endParaRPr lang="en-GB" sz="4400" b="0" strike="noStrike" spc="-1">
+              <a:solidFill>
+                <a:srgbClr val="000000"/>
+              </a:solidFill>
+              <a:uFill>
+                <a:solidFill>
+                  <a:srgbClr val="FFFFFF"/>
                 </a:solidFill>
               </a:uFill>
               <a:latin typeface="Arial"/>
@@ -2912,15 +3182,16 @@
           </a:prstGeom>
         </p:spPr>
         <p:txBody>
-          <a:bodyPr lIns="0" rIns="0" tIns="0" bIns="0"/>
-          <a:p>
-            <a:endParaRPr b="0" lang="en-GB" sz="3200" spc="-1" strike="noStrike">
-              <a:solidFill>
-                <a:srgbClr val="000000"/>
-              </a:solidFill>
-              <a:uFill>
-                <a:solidFill>
-                  <a:srgbClr val="ffffff"/>
+          <a:bodyPr lIns="0" tIns="0" rIns="0" bIns="0"/>
+          <a:lstStyle/>
+          <a:p>
+            <a:endParaRPr lang="en-GB" sz="3200" b="0" strike="noStrike" spc="-1">
+              <a:solidFill>
+                <a:srgbClr val="000000"/>
+              </a:solidFill>
+              <a:uFill>
+                <a:solidFill>
+                  <a:srgbClr val="FFFFFF"/>
                 </a:solidFill>
               </a:uFill>
               <a:latin typeface="Arial"/>
@@ -2930,11 +3201,14 @@
       </p:sp>
     </p:spTree>
   </p:cSld>
+  <p:clrMapOvr>
+    <a:masterClrMapping/>
+  </p:clrMapOvr>
 </p:sldLayout>
 </file>
 
 <file path=ppt/slideLayouts/slideLayout4.xml><?xml version="1.0" encoding="utf-8"?>
-<p:sldLayout xmlns:a="http://schemas.openxmlformats.org/drawingml/2006/main" xmlns:p="http://schemas.openxmlformats.org/presentationml/2006/main" xmlns:r="http://schemas.openxmlformats.org/officeDocument/2006/relationships" xmlns:p14="http://schemas.microsoft.com/office/powerpoint/2010/main" xmlns:p15="http://schemas.microsoft.com/office/powerpoint/2012/main" xmlns:mc="http://schemas.openxmlformats.org/markup-compatibility/2006" type="twoObj" preserve="1">
+<p:sldLayout xmlns:a="http://schemas.openxmlformats.org/drawingml/2006/main" xmlns:r="http://schemas.openxmlformats.org/officeDocument/2006/relationships" xmlns:p="http://schemas.openxmlformats.org/presentationml/2006/main" type="twoObj" preserve="1">
   <p:cSld name="Title, 2 Content">
     <p:spTree>
       <p:nvGrpSpPr>
@@ -2970,15 +3244,16 @@
           </a:prstGeom>
         </p:spPr>
         <p:txBody>
-          <a:bodyPr lIns="0" rIns="0" tIns="0" bIns="0" anchor="ctr"/>
-          <a:p>
-            <a:endParaRPr b="0" lang="en-GB" sz="4400" spc="-1" strike="noStrike">
-              <a:solidFill>
-                <a:srgbClr val="000000"/>
-              </a:solidFill>
-              <a:uFill>
-                <a:solidFill>
-                  <a:srgbClr val="ffffff"/>
+          <a:bodyPr lIns="0" tIns="0" rIns="0" bIns="0" anchor="ctr"/>
+          <a:lstStyle/>
+          <a:p>
+            <a:endParaRPr lang="en-GB" sz="4400" b="0" strike="noStrike" spc="-1">
+              <a:solidFill>
+                <a:srgbClr val="000000"/>
+              </a:solidFill>
+              <a:uFill>
+                <a:solidFill>
+                  <a:srgbClr val="FFFFFF"/>
                 </a:solidFill>
               </a:uFill>
               <a:latin typeface="Arial"/>
@@ -3006,15 +3281,16 @@
           </a:prstGeom>
         </p:spPr>
         <p:txBody>
-          <a:bodyPr lIns="0" rIns="0" tIns="0" bIns="0"/>
-          <a:p>
-            <a:endParaRPr b="0" lang="en-GB" sz="3200" spc="-1" strike="noStrike">
-              <a:solidFill>
-                <a:srgbClr val="000000"/>
-              </a:solidFill>
-              <a:uFill>
-                <a:solidFill>
-                  <a:srgbClr val="ffffff"/>
+          <a:bodyPr lIns="0" tIns="0" rIns="0" bIns="0"/>
+          <a:lstStyle/>
+          <a:p>
+            <a:endParaRPr lang="en-GB" sz="3200" b="0" strike="noStrike" spc="-1">
+              <a:solidFill>
+                <a:srgbClr val="000000"/>
+              </a:solidFill>
+              <a:uFill>
+                <a:solidFill>
+                  <a:srgbClr val="FFFFFF"/>
                 </a:solidFill>
               </a:uFill>
               <a:latin typeface="Arial"/>
@@ -3042,15 +3318,16 @@
           </a:prstGeom>
         </p:spPr>
         <p:txBody>
-          <a:bodyPr lIns="0" rIns="0" tIns="0" bIns="0"/>
-          <a:p>
-            <a:endParaRPr b="0" lang="en-GB" sz="3200" spc="-1" strike="noStrike">
-              <a:solidFill>
-                <a:srgbClr val="000000"/>
-              </a:solidFill>
-              <a:uFill>
-                <a:solidFill>
-                  <a:srgbClr val="ffffff"/>
+          <a:bodyPr lIns="0" tIns="0" rIns="0" bIns="0"/>
+          <a:lstStyle/>
+          <a:p>
+            <a:endParaRPr lang="en-GB" sz="3200" b="0" strike="noStrike" spc="-1">
+              <a:solidFill>
+                <a:srgbClr val="000000"/>
+              </a:solidFill>
+              <a:uFill>
+                <a:solidFill>
+                  <a:srgbClr val="FFFFFF"/>
                 </a:solidFill>
               </a:uFill>
               <a:latin typeface="Arial"/>
@@ -3060,11 +3337,14 @@
       </p:sp>
     </p:spTree>
   </p:cSld>
+  <p:clrMapOvr>
+    <a:masterClrMapping/>
+  </p:clrMapOvr>
 </p:sldLayout>
 </file>
 
 <file path=ppt/slideLayouts/slideLayout5.xml><?xml version="1.0" encoding="utf-8"?>
-<p:sldLayout xmlns:a="http://schemas.openxmlformats.org/drawingml/2006/main" xmlns:p="http://schemas.openxmlformats.org/presentationml/2006/main" xmlns:r="http://schemas.openxmlformats.org/officeDocument/2006/relationships" xmlns:p14="http://schemas.microsoft.com/office/powerpoint/2010/main" xmlns:p15="http://schemas.microsoft.com/office/powerpoint/2012/main" xmlns:mc="http://schemas.openxmlformats.org/markup-compatibility/2006" type="titleOnly" preserve="1">
+<p:sldLayout xmlns:a="http://schemas.openxmlformats.org/drawingml/2006/main" xmlns:r="http://schemas.openxmlformats.org/officeDocument/2006/relationships" xmlns:p="http://schemas.openxmlformats.org/presentationml/2006/main" type="titleOnly" preserve="1">
   <p:cSld name="Title Only">
     <p:spTree>
       <p:nvGrpSpPr>
@@ -3100,15 +3380,16 @@
           </a:prstGeom>
         </p:spPr>
         <p:txBody>
-          <a:bodyPr lIns="0" rIns="0" tIns="0" bIns="0" anchor="ctr"/>
-          <a:p>
-            <a:endParaRPr b="0" lang="en-GB" sz="4400" spc="-1" strike="noStrike">
-              <a:solidFill>
-                <a:srgbClr val="000000"/>
-              </a:solidFill>
-              <a:uFill>
-                <a:solidFill>
-                  <a:srgbClr val="ffffff"/>
+          <a:bodyPr lIns="0" tIns="0" rIns="0" bIns="0" anchor="ctr"/>
+          <a:lstStyle/>
+          <a:p>
+            <a:endParaRPr lang="en-GB" sz="4400" b="0" strike="noStrike" spc="-1">
+              <a:solidFill>
+                <a:srgbClr val="000000"/>
+              </a:solidFill>
+              <a:uFill>
+                <a:solidFill>
+                  <a:srgbClr val="FFFFFF"/>
                 </a:solidFill>
               </a:uFill>
               <a:latin typeface="Arial"/>
@@ -3118,11 +3399,14 @@
       </p:sp>
     </p:spTree>
   </p:cSld>
+  <p:clrMapOvr>
+    <a:masterClrMapping/>
+  </p:clrMapOvr>
 </p:sldLayout>
 </file>
 
 <file path=ppt/slideLayouts/slideLayout6.xml><?xml version="1.0" encoding="utf-8"?>
-<p:sldLayout xmlns:a="http://schemas.openxmlformats.org/drawingml/2006/main" xmlns:p="http://schemas.openxmlformats.org/presentationml/2006/main" xmlns:r="http://schemas.openxmlformats.org/officeDocument/2006/relationships" xmlns:p14="http://schemas.microsoft.com/office/powerpoint/2010/main" xmlns:p15="http://schemas.microsoft.com/office/powerpoint/2012/main" xmlns:mc="http://schemas.openxmlformats.org/markup-compatibility/2006" type="objOnly" preserve="1">
+<p:sldLayout xmlns:a="http://schemas.openxmlformats.org/drawingml/2006/main" xmlns:r="http://schemas.openxmlformats.org/officeDocument/2006/relationships" xmlns:p="http://schemas.openxmlformats.org/presentationml/2006/main" type="objOnly" preserve="1">
   <p:cSld name="Centered Text">
     <p:spTree>
       <p:nvGrpSpPr>
@@ -3158,16 +3442,17 @@
           </a:prstGeom>
         </p:spPr>
         <p:txBody>
-          <a:bodyPr lIns="0" rIns="0" tIns="0" bIns="0" anchor="ctr"/>
+          <a:bodyPr lIns="0" tIns="0" rIns="0" bIns="0" anchor="ctr"/>
+          <a:lstStyle/>
           <a:p>
             <a:pPr algn="ctr"/>
-            <a:endParaRPr b="0" lang="en-GB" sz="3200" spc="-1" strike="noStrike">
-              <a:solidFill>
-                <a:srgbClr val="000000"/>
-              </a:solidFill>
-              <a:uFill>
-                <a:solidFill>
-                  <a:srgbClr val="ffffff"/>
+            <a:endParaRPr lang="en-GB" sz="3200" b="0" strike="noStrike" spc="-1">
+              <a:solidFill>
+                <a:srgbClr val="000000"/>
+              </a:solidFill>
+              <a:uFill>
+                <a:solidFill>
+                  <a:srgbClr val="FFFFFF"/>
                 </a:solidFill>
               </a:uFill>
               <a:latin typeface="Arial"/>
@@ -3177,11 +3462,14 @@
       </p:sp>
     </p:spTree>
   </p:cSld>
+  <p:clrMapOvr>
+    <a:masterClrMapping/>
+  </p:clrMapOvr>
 </p:sldLayout>
 </file>
 
 <file path=ppt/slideLayouts/slideLayout7.xml><?xml version="1.0" encoding="utf-8"?>
-<p:sldLayout xmlns:a="http://schemas.openxmlformats.org/drawingml/2006/main" xmlns:p="http://schemas.openxmlformats.org/presentationml/2006/main" xmlns:r="http://schemas.openxmlformats.org/officeDocument/2006/relationships" xmlns:p14="http://schemas.microsoft.com/office/powerpoint/2010/main" xmlns:p15="http://schemas.microsoft.com/office/powerpoint/2012/main" xmlns:mc="http://schemas.openxmlformats.org/markup-compatibility/2006" type="twoObjAndObj" preserve="1">
+<p:sldLayout xmlns:a="http://schemas.openxmlformats.org/drawingml/2006/main" xmlns:r="http://schemas.openxmlformats.org/officeDocument/2006/relationships" xmlns:p="http://schemas.openxmlformats.org/presentationml/2006/main" type="twoObjAndObj" preserve="1">
   <p:cSld name="Title, 2 Content and Content">
     <p:spTree>
       <p:nvGrpSpPr>
@@ -3217,15 +3505,16 @@
           </a:prstGeom>
         </p:spPr>
         <p:txBody>
-          <a:bodyPr lIns="0" rIns="0" tIns="0" bIns="0" anchor="ctr"/>
-          <a:p>
-            <a:endParaRPr b="0" lang="en-GB" sz="4400" spc="-1" strike="noStrike">
-              <a:solidFill>
-                <a:srgbClr val="000000"/>
-              </a:solidFill>
-              <a:uFill>
-                <a:solidFill>
-                  <a:srgbClr val="ffffff"/>
+          <a:bodyPr lIns="0" tIns="0" rIns="0" bIns="0" anchor="ctr"/>
+          <a:lstStyle/>
+          <a:p>
+            <a:endParaRPr lang="en-GB" sz="4400" b="0" strike="noStrike" spc="-1">
+              <a:solidFill>
+                <a:srgbClr val="000000"/>
+              </a:solidFill>
+              <a:uFill>
+                <a:solidFill>
+                  <a:srgbClr val="FFFFFF"/>
                 </a:solidFill>
               </a:uFill>
               <a:latin typeface="Arial"/>
@@ -3253,15 +3542,16 @@
           </a:prstGeom>
         </p:spPr>
         <p:txBody>
-          <a:bodyPr lIns="0" rIns="0" tIns="0" bIns="0"/>
-          <a:p>
-            <a:endParaRPr b="0" lang="en-GB" sz="3200" spc="-1" strike="noStrike">
-              <a:solidFill>
-                <a:srgbClr val="000000"/>
-              </a:solidFill>
-              <a:uFill>
-                <a:solidFill>
-                  <a:srgbClr val="ffffff"/>
+          <a:bodyPr lIns="0" tIns="0" rIns="0" bIns="0"/>
+          <a:lstStyle/>
+          <a:p>
+            <a:endParaRPr lang="en-GB" sz="3200" b="0" strike="noStrike" spc="-1">
+              <a:solidFill>
+                <a:srgbClr val="000000"/>
+              </a:solidFill>
+              <a:uFill>
+                <a:solidFill>
+                  <a:srgbClr val="FFFFFF"/>
                 </a:solidFill>
               </a:uFill>
               <a:latin typeface="Arial"/>
@@ -3289,15 +3579,16 @@
           </a:prstGeom>
         </p:spPr>
         <p:txBody>
-          <a:bodyPr lIns="0" rIns="0" tIns="0" bIns="0"/>
-          <a:p>
-            <a:endParaRPr b="0" lang="en-GB" sz="3200" spc="-1" strike="noStrike">
-              <a:solidFill>
-                <a:srgbClr val="000000"/>
-              </a:solidFill>
-              <a:uFill>
-                <a:solidFill>
-                  <a:srgbClr val="ffffff"/>
+          <a:bodyPr lIns="0" tIns="0" rIns="0" bIns="0"/>
+          <a:lstStyle/>
+          <a:p>
+            <a:endParaRPr lang="en-GB" sz="3200" b="0" strike="noStrike" spc="-1">
+              <a:solidFill>
+                <a:srgbClr val="000000"/>
+              </a:solidFill>
+              <a:uFill>
+                <a:solidFill>
+                  <a:srgbClr val="FFFFFF"/>
                 </a:solidFill>
               </a:uFill>
               <a:latin typeface="Arial"/>
@@ -3325,15 +3616,16 @@
           </a:prstGeom>
         </p:spPr>
         <p:txBody>
-          <a:bodyPr lIns="0" rIns="0" tIns="0" bIns="0"/>
-          <a:p>
-            <a:endParaRPr b="0" lang="en-GB" sz="3200" spc="-1" strike="noStrike">
-              <a:solidFill>
-                <a:srgbClr val="000000"/>
-              </a:solidFill>
-              <a:uFill>
-                <a:solidFill>
-                  <a:srgbClr val="ffffff"/>
+          <a:bodyPr lIns="0" tIns="0" rIns="0" bIns="0"/>
+          <a:lstStyle/>
+          <a:p>
+            <a:endParaRPr lang="en-GB" sz="3200" b="0" strike="noStrike" spc="-1">
+              <a:solidFill>
+                <a:srgbClr val="000000"/>
+              </a:solidFill>
+              <a:uFill>
+                <a:solidFill>
+                  <a:srgbClr val="FFFFFF"/>
                 </a:solidFill>
               </a:uFill>
               <a:latin typeface="Arial"/>
@@ -3343,11 +3635,14 @@
       </p:sp>
     </p:spTree>
   </p:cSld>
+  <p:clrMapOvr>
+    <a:masterClrMapping/>
+  </p:clrMapOvr>
 </p:sldLayout>
 </file>
 
 <file path=ppt/slideLayouts/slideLayout8.xml><?xml version="1.0" encoding="utf-8"?>
-<p:sldLayout xmlns:a="http://schemas.openxmlformats.org/drawingml/2006/main" xmlns:p="http://schemas.openxmlformats.org/presentationml/2006/main" xmlns:r="http://schemas.openxmlformats.org/officeDocument/2006/relationships" xmlns:p14="http://schemas.microsoft.com/office/powerpoint/2010/main" xmlns:p15="http://schemas.microsoft.com/office/powerpoint/2012/main" xmlns:mc="http://schemas.openxmlformats.org/markup-compatibility/2006" type="objAndTwoObj" preserve="1">
+<p:sldLayout xmlns:a="http://schemas.openxmlformats.org/drawingml/2006/main" xmlns:r="http://schemas.openxmlformats.org/officeDocument/2006/relationships" xmlns:p="http://schemas.openxmlformats.org/presentationml/2006/main" type="objAndTwoObj" preserve="1">
   <p:cSld name="Title Content and 2 Content">
     <p:spTree>
       <p:nvGrpSpPr>
@@ -3383,15 +3678,16 @@
           </a:prstGeom>
         </p:spPr>
         <p:txBody>
-          <a:bodyPr lIns="0" rIns="0" tIns="0" bIns="0" anchor="ctr"/>
-          <a:p>
-            <a:endParaRPr b="0" lang="en-GB" sz="4400" spc="-1" strike="noStrike">
-              <a:solidFill>
-                <a:srgbClr val="000000"/>
-              </a:solidFill>
-              <a:uFill>
-                <a:solidFill>
-                  <a:srgbClr val="ffffff"/>
+          <a:bodyPr lIns="0" tIns="0" rIns="0" bIns="0" anchor="ctr"/>
+          <a:lstStyle/>
+          <a:p>
+            <a:endParaRPr lang="en-GB" sz="4400" b="0" strike="noStrike" spc="-1">
+              <a:solidFill>
+                <a:srgbClr val="000000"/>
+              </a:solidFill>
+              <a:uFill>
+                <a:solidFill>
+                  <a:srgbClr val="FFFFFF"/>
                 </a:solidFill>
               </a:uFill>
               <a:latin typeface="Arial"/>
@@ -3419,15 +3715,16 @@
           </a:prstGeom>
         </p:spPr>
         <p:txBody>
-          <a:bodyPr lIns="0" rIns="0" tIns="0" bIns="0"/>
-          <a:p>
-            <a:endParaRPr b="0" lang="en-GB" sz="3200" spc="-1" strike="noStrike">
-              <a:solidFill>
-                <a:srgbClr val="000000"/>
-              </a:solidFill>
-              <a:uFill>
-                <a:solidFill>
-                  <a:srgbClr val="ffffff"/>
+          <a:bodyPr lIns="0" tIns="0" rIns="0" bIns="0"/>
+          <a:lstStyle/>
+          <a:p>
+            <a:endParaRPr lang="en-GB" sz="3200" b="0" strike="noStrike" spc="-1">
+              <a:solidFill>
+                <a:srgbClr val="000000"/>
+              </a:solidFill>
+              <a:uFill>
+                <a:solidFill>
+                  <a:srgbClr val="FFFFFF"/>
                 </a:solidFill>
               </a:uFill>
               <a:latin typeface="Arial"/>
@@ -3455,15 +3752,16 @@
           </a:prstGeom>
         </p:spPr>
         <p:txBody>
-          <a:bodyPr lIns="0" rIns="0" tIns="0" bIns="0"/>
-          <a:p>
-            <a:endParaRPr b="0" lang="en-GB" sz="3200" spc="-1" strike="noStrike">
-              <a:solidFill>
-                <a:srgbClr val="000000"/>
-              </a:solidFill>
-              <a:uFill>
-                <a:solidFill>
-                  <a:srgbClr val="ffffff"/>
+          <a:bodyPr lIns="0" tIns="0" rIns="0" bIns="0"/>
+          <a:lstStyle/>
+          <a:p>
+            <a:endParaRPr lang="en-GB" sz="3200" b="0" strike="noStrike" spc="-1">
+              <a:solidFill>
+                <a:srgbClr val="000000"/>
+              </a:solidFill>
+              <a:uFill>
+                <a:solidFill>
+                  <a:srgbClr val="FFFFFF"/>
                 </a:solidFill>
               </a:uFill>
               <a:latin typeface="Arial"/>
@@ -3491,15 +3789,16 @@
           </a:prstGeom>
         </p:spPr>
         <p:txBody>
-          <a:bodyPr lIns="0" rIns="0" tIns="0" bIns="0"/>
-          <a:p>
-            <a:endParaRPr b="0" lang="en-GB" sz="3200" spc="-1" strike="noStrike">
-              <a:solidFill>
-                <a:srgbClr val="000000"/>
-              </a:solidFill>
-              <a:uFill>
-                <a:solidFill>
-                  <a:srgbClr val="ffffff"/>
+          <a:bodyPr lIns="0" tIns="0" rIns="0" bIns="0"/>
+          <a:lstStyle/>
+          <a:p>
+            <a:endParaRPr lang="en-GB" sz="3200" b="0" strike="noStrike" spc="-1">
+              <a:solidFill>
+                <a:srgbClr val="000000"/>
+              </a:solidFill>
+              <a:uFill>
+                <a:solidFill>
+                  <a:srgbClr val="FFFFFF"/>
                 </a:solidFill>
               </a:uFill>
               <a:latin typeface="Arial"/>
@@ -3509,11 +3808,14 @@
       </p:sp>
     </p:spTree>
   </p:cSld>
+  <p:clrMapOvr>
+    <a:masterClrMapping/>
+  </p:clrMapOvr>
 </p:sldLayout>
 </file>
 
 <file path=ppt/slideLayouts/slideLayout9.xml><?xml version="1.0" encoding="utf-8"?>
-<p:sldLayout xmlns:a="http://schemas.openxmlformats.org/drawingml/2006/main" xmlns:p="http://schemas.openxmlformats.org/presentationml/2006/main" xmlns:r="http://schemas.openxmlformats.org/officeDocument/2006/relationships" xmlns:p14="http://schemas.microsoft.com/office/powerpoint/2010/main" xmlns:p15="http://schemas.microsoft.com/office/powerpoint/2012/main" xmlns:mc="http://schemas.openxmlformats.org/markup-compatibility/2006" type="twoObjOverTx" preserve="1">
+<p:sldLayout xmlns:a="http://schemas.openxmlformats.org/drawingml/2006/main" xmlns:r="http://schemas.openxmlformats.org/officeDocument/2006/relationships" xmlns:p="http://schemas.openxmlformats.org/presentationml/2006/main" type="twoObjOverTx" preserve="1">
   <p:cSld name="Title, 2 Content over Content">
     <p:spTree>
       <p:nvGrpSpPr>
@@ -3549,15 +3851,16 @@
           </a:prstGeom>
         </p:spPr>
         <p:txBody>
-          <a:bodyPr lIns="0" rIns="0" tIns="0" bIns="0" anchor="ctr"/>
-          <a:p>
-            <a:endParaRPr b="0" lang="en-GB" sz="4400" spc="-1" strike="noStrike">
-              <a:solidFill>
-                <a:srgbClr val="000000"/>
-              </a:solidFill>
-              <a:uFill>
-                <a:solidFill>
-                  <a:srgbClr val="ffffff"/>
+          <a:bodyPr lIns="0" tIns="0" rIns="0" bIns="0" anchor="ctr"/>
+          <a:lstStyle/>
+          <a:p>
+            <a:endParaRPr lang="en-GB" sz="4400" b="0" strike="noStrike" spc="-1">
+              <a:solidFill>
+                <a:srgbClr val="000000"/>
+              </a:solidFill>
+              <a:uFill>
+                <a:solidFill>
+                  <a:srgbClr val="FFFFFF"/>
                 </a:solidFill>
               </a:uFill>
               <a:latin typeface="Arial"/>
@@ -3585,15 +3888,16 @@
           </a:prstGeom>
         </p:spPr>
         <p:txBody>
-          <a:bodyPr lIns="0" rIns="0" tIns="0" bIns="0"/>
-          <a:p>
-            <a:endParaRPr b="0" lang="en-GB" sz="3200" spc="-1" strike="noStrike">
-              <a:solidFill>
-                <a:srgbClr val="000000"/>
-              </a:solidFill>
-              <a:uFill>
-                <a:solidFill>
-                  <a:srgbClr val="ffffff"/>
+          <a:bodyPr lIns="0" tIns="0" rIns="0" bIns="0"/>
+          <a:lstStyle/>
+          <a:p>
+            <a:endParaRPr lang="en-GB" sz="3200" b="0" strike="noStrike" spc="-1">
+              <a:solidFill>
+                <a:srgbClr val="000000"/>
+              </a:solidFill>
+              <a:uFill>
+                <a:solidFill>
+                  <a:srgbClr val="FFFFFF"/>
                 </a:solidFill>
               </a:uFill>
               <a:latin typeface="Arial"/>
@@ -3621,15 +3925,16 @@
           </a:prstGeom>
         </p:spPr>
         <p:txBody>
-          <a:bodyPr lIns="0" rIns="0" tIns="0" bIns="0"/>
-          <a:p>
-            <a:endParaRPr b="0" lang="en-GB" sz="3200" spc="-1" strike="noStrike">
-              <a:solidFill>
-                <a:srgbClr val="000000"/>
-              </a:solidFill>
-              <a:uFill>
-                <a:solidFill>
-                  <a:srgbClr val="ffffff"/>
+          <a:bodyPr lIns="0" tIns="0" rIns="0" bIns="0"/>
+          <a:lstStyle/>
+          <a:p>
+            <a:endParaRPr lang="en-GB" sz="3200" b="0" strike="noStrike" spc="-1">
+              <a:solidFill>
+                <a:srgbClr val="000000"/>
+              </a:solidFill>
+              <a:uFill>
+                <a:solidFill>
+                  <a:srgbClr val="FFFFFF"/>
                 </a:solidFill>
               </a:uFill>
               <a:latin typeface="Arial"/>
@@ -3657,15 +3962,16 @@
           </a:prstGeom>
         </p:spPr>
         <p:txBody>
-          <a:bodyPr lIns="0" rIns="0" tIns="0" bIns="0"/>
-          <a:p>
-            <a:endParaRPr b="0" lang="en-GB" sz="3200" spc="-1" strike="noStrike">
-              <a:solidFill>
-                <a:srgbClr val="000000"/>
-              </a:solidFill>
-              <a:uFill>
-                <a:solidFill>
-                  <a:srgbClr val="ffffff"/>
+          <a:bodyPr lIns="0" tIns="0" rIns="0" bIns="0"/>
+          <a:lstStyle/>
+          <a:p>
+            <a:endParaRPr lang="en-GB" sz="3200" b="0" strike="noStrike" spc="-1">
+              <a:solidFill>
+                <a:srgbClr val="000000"/>
+              </a:solidFill>
+              <a:uFill>
+                <a:solidFill>
+                  <a:srgbClr val="FFFFFF"/>
                 </a:solidFill>
               </a:uFill>
               <a:latin typeface="Arial"/>
@@ -3675,17 +3981,21 @@
       </p:sp>
     </p:spTree>
   </p:cSld>
+  <p:clrMapOvr>
+    <a:masterClrMapping/>
+  </p:clrMapOvr>
 </p:sldLayout>
 </file>
 
 <file path=ppt/slideMasters/slideMaster1.xml><?xml version="1.0" encoding="utf-8"?>
-<p:sldMaster xmlns:a="http://schemas.openxmlformats.org/drawingml/2006/main" xmlns:p="http://schemas.openxmlformats.org/presentationml/2006/main" xmlns:r="http://schemas.openxmlformats.org/officeDocument/2006/relationships" xmlns:p14="http://schemas.microsoft.com/office/powerpoint/2010/main" xmlns:p15="http://schemas.microsoft.com/office/powerpoint/2012/main" xmlns:mc="http://schemas.openxmlformats.org/markup-compatibility/2006">
+<p:sldMaster xmlns:a="http://schemas.openxmlformats.org/drawingml/2006/main" xmlns:r="http://schemas.openxmlformats.org/officeDocument/2006/relationships" xmlns:p="http://schemas.openxmlformats.org/presentationml/2006/main">
   <p:cSld>
     <p:bg>
       <p:bgPr>
         <a:solidFill>
-          <a:srgbClr val="ffffff"/>
+          <a:srgbClr val="FFFFFF"/>
         </a:solidFill>
+        <a:effectLst/>
       </p:bgPr>
     </p:bg>
     <p:spTree>
@@ -3704,7 +4014,7 @@
       </p:grpSpPr>
       <p:sp>
         <p:nvSpPr>
-          <p:cNvPr id="0" name="PlaceHolder 1"/>
+          <p:cNvPr id="5" name="PlaceHolder 1"/>
           <p:cNvSpPr>
             <a:spLocks noGrp="1"/>
           </p:cNvSpPr>
@@ -3722,7 +4032,8 @@
           </a:prstGeom>
         </p:spPr>
         <p:txBody>
-          <a:bodyPr lIns="0" rIns="0" tIns="0" bIns="0" anchor="ctr"/>
+          <a:bodyPr lIns="0" tIns="0" rIns="0" bIns="0" anchor="ctr"/>
+          <a:lstStyle/>
           <a:p>
             <a:pPr algn="ctr">
               <a:lnSpc>
@@ -3730,67 +4041,37 @@
               </a:lnSpc>
             </a:pPr>
             <a:r>
-              <a:rPr b="0" lang="en-GB" sz="4400" spc="-1" strike="noStrike">
+              <a:rPr lang="en-GB" sz="4400" b="0" strike="noStrike" spc="-1">
                 <a:solidFill>
                   <a:srgbClr val="000000"/>
                 </a:solidFill>
                 <a:uFill>
                   <a:solidFill>
-                    <a:srgbClr val="ffffff"/>
+                    <a:srgbClr val="FFFFFF"/>
                   </a:solidFill>
                 </a:uFill>
                 <a:latin typeface="Arial"/>
                 <a:ea typeface="Noto Sans CJK SC Regular"/>
               </a:rPr>
-              <a:t>Click to edit </a:t>
-            </a:r>
-            <a:r>
-              <a:rPr b="0" lang="en-GB" sz="4400" spc="-1" strike="noStrike">
-                <a:solidFill>
-                  <a:srgbClr val="000000"/>
-                </a:solidFill>
-                <a:uFill>
-                  <a:solidFill>
-                    <a:srgbClr val="ffffff"/>
-                  </a:solidFill>
-                </a:uFill>
-                <a:latin typeface="Arial"/>
-                <a:ea typeface="Noto Sans CJK SC Regular"/>
-              </a:rPr>
-              <a:t>Master title </a:t>
-            </a:r>
-            <a:r>
-              <a:rPr b="0" lang="en-GB" sz="4400" spc="-1" strike="noStrike">
-                <a:solidFill>
-                  <a:srgbClr val="000000"/>
-                </a:solidFill>
-                <a:uFill>
-                  <a:solidFill>
-                    <a:srgbClr val="ffffff"/>
-                  </a:solidFill>
-                </a:uFill>
-                <a:latin typeface="Arial"/>
-                <a:ea typeface="Noto Sans CJK SC Regular"/>
-              </a:rPr>
-              <a:t>style</a:t>
-            </a:r>
-            <a:endParaRPr b="0" lang="en-GB" sz="4400" spc="-1" strike="noStrike">
-              <a:solidFill>
-                <a:srgbClr val="000000"/>
-              </a:solidFill>
-              <a:uFill>
-                <a:solidFill>
-                  <a:srgbClr val="ffffff"/>
-                </a:solidFill>
-              </a:uFill>
-              <a:latin typeface="Arial"/>
-            </a:endParaRPr>
-          </a:p>
-        </p:txBody>
-      </p:sp>
-      <p:sp>
-        <p:nvSpPr>
-          <p:cNvPr id="1" name="PlaceHolder 2"/>
+              <a:t>Click to edit Master title style</a:t>
+            </a:r>
+            <a:endParaRPr lang="en-GB" sz="4400" b="0" strike="noStrike" spc="-1">
+              <a:solidFill>
+                <a:srgbClr val="000000"/>
+              </a:solidFill>
+              <a:uFill>
+                <a:solidFill>
+                  <a:srgbClr val="FFFFFF"/>
+                </a:solidFill>
+              </a:uFill>
+              <a:latin typeface="Arial"/>
+            </a:endParaRPr>
+          </a:p>
+        </p:txBody>
+      </p:sp>
+      <p:sp>
+        <p:nvSpPr>
+          <p:cNvPr id="6" name="PlaceHolder 2"/>
           <p:cNvSpPr>
             <a:spLocks noGrp="1"/>
           </p:cNvSpPr>
@@ -3808,15 +4089,16 @@
           </a:prstGeom>
         </p:spPr>
         <p:txBody>
-          <a:bodyPr lIns="0" rIns="0" tIns="0" bIns="0"/>
-          <a:p>
-            <a:endParaRPr b="0" lang="en-GB" sz="2400" spc="-1" strike="noStrike">
-              <a:solidFill>
-                <a:srgbClr val="000000"/>
-              </a:solidFill>
-              <a:uFill>
-                <a:solidFill>
-                  <a:srgbClr val="ffffff"/>
+          <a:bodyPr lIns="0" tIns="0" rIns="0" bIns="0"/>
+          <a:lstStyle/>
+          <a:p>
+            <a:endParaRPr lang="en-GB" sz="2400" b="0" strike="noStrike" spc="-1">
+              <a:solidFill>
+                <a:srgbClr val="000000"/>
+              </a:solidFill>
+              <a:uFill>
+                <a:solidFill>
+                  <a:srgbClr val="FFFFFF"/>
                 </a:solidFill>
               </a:uFill>
               <a:latin typeface="Times New Roman"/>
@@ -3844,15 +4126,16 @@
           </a:prstGeom>
         </p:spPr>
         <p:txBody>
-          <a:bodyPr lIns="0" rIns="0" tIns="0" bIns="0"/>
-          <a:p>
-            <a:endParaRPr b="0" lang="en-GB" sz="2400" spc="-1" strike="noStrike">
-              <a:solidFill>
-                <a:srgbClr val="000000"/>
-              </a:solidFill>
-              <a:uFill>
-                <a:solidFill>
-                  <a:srgbClr val="ffffff"/>
+          <a:bodyPr lIns="0" tIns="0" rIns="0" bIns="0"/>
+          <a:lstStyle/>
+          <a:p>
+            <a:endParaRPr lang="en-GB" sz="2400" b="0" strike="noStrike" spc="-1">
+              <a:solidFill>
+                <a:srgbClr val="000000"/>
+              </a:solidFill>
+              <a:uFill>
+                <a:solidFill>
+                  <a:srgbClr val="FFFFFF"/>
                 </a:solidFill>
               </a:uFill>
               <a:latin typeface="Times New Roman"/>
@@ -3880,7 +4163,8 @@
           </a:prstGeom>
         </p:spPr>
         <p:txBody>
-          <a:bodyPr lIns="0" rIns="0" tIns="0" bIns="0"/>
+          <a:bodyPr lIns="0" tIns="0" rIns="0" bIns="0"/>
+          <a:lstStyle/>
           <a:p>
             <a:pPr algn="r">
               <a:lnSpc>
@@ -3888,27 +4172,27 @@
               </a:lnSpc>
             </a:pPr>
             <a:fld id="{67D6AC95-EBA1-42BD-B5EB-3454E0F778F9}" type="slidenum">
-              <a:rPr b="0" lang="en-GB" sz="1400" spc="-1" strike="noStrike">
+              <a:rPr lang="en-GB" sz="1400" b="0" strike="noStrike" spc="-1">
                 <a:solidFill>
                   <a:srgbClr val="000000"/>
                 </a:solidFill>
                 <a:uFill>
                   <a:solidFill>
-                    <a:srgbClr val="ffffff"/>
+                    <a:srgbClr val="FFFFFF"/>
                   </a:solidFill>
                 </a:uFill>
                 <a:latin typeface="Times New Roman"/>
                 <a:ea typeface="DejaVu Sans"/>
               </a:rPr>
-              <a:t>&lt;number&gt;</a:t>
+              <a:t>‹#›</a:t>
             </a:fld>
-            <a:endParaRPr b="0" lang="en-GB" sz="1400" spc="-1" strike="noStrike">
-              <a:solidFill>
-                <a:srgbClr val="000000"/>
-              </a:solidFill>
-              <a:uFill>
-                <a:solidFill>
-                  <a:srgbClr val="ffffff"/>
+            <a:endParaRPr lang="en-GB" sz="1400" b="0" strike="noStrike" spc="-1">
+              <a:solidFill>
+                <a:srgbClr val="000000"/>
+              </a:solidFill>
+              <a:uFill>
+                <a:solidFill>
+                  <a:srgbClr val="FFFFFF"/>
                 </a:solidFill>
               </a:uFill>
               <a:latin typeface="Times New Roman"/>
@@ -3936,7 +4220,8 @@
           </a:prstGeom>
         </p:spPr>
         <p:txBody>
-          <a:bodyPr lIns="0" rIns="0" tIns="0" bIns="0"/>
+          <a:bodyPr lIns="0" tIns="0" rIns="0" bIns="0"/>
+          <a:lstStyle/>
           <a:p>
             <a:pPr marL="432000" indent="-324000">
               <a:buClr>
@@ -3947,33 +4232,22 @@
               <a:buChar char=""/>
             </a:pPr>
             <a:r>
-              <a:rPr b="0" lang="en-GB" sz="3200" spc="-1" strike="noStrike">
+              <a:rPr lang="en-GB" sz="3200" b="0" strike="noStrike" spc="-1">
                 <a:solidFill>
                   <a:srgbClr val="000000"/>
                 </a:solidFill>
                 <a:uFill>
                   <a:solidFill>
-                    <a:srgbClr val="ffffff"/>
+                    <a:srgbClr val="FFFFFF"/>
                   </a:solidFill>
                 </a:uFill>
                 <a:latin typeface="Arial"/>
               </a:rPr>
               <a:t>Click to edit the outline text format</a:t>
             </a:r>
-            <a:endParaRPr b="0" lang="en-GB" sz="3200" spc="-1" strike="noStrike">
-              <a:solidFill>
-                <a:srgbClr val="000000"/>
-              </a:solidFill>
-              <a:uFill>
-                <a:solidFill>
-                  <a:srgbClr val="ffffff"/>
-                </a:solidFill>
-              </a:uFill>
-              <a:latin typeface="Arial"/>
-            </a:endParaRPr>
-          </a:p>
-          <a:p>
-            <a:pPr lvl="1" marL="864000" indent="-324000">
+          </a:p>
+          <a:p>
+            <a:pPr marL="864000" lvl="1" indent="-324000">
               <a:buClr>
                 <a:srgbClr val="000000"/>
               </a:buClr>
@@ -3982,33 +4256,22 @@
               <a:buChar char=""/>
             </a:pPr>
             <a:r>
-              <a:rPr b="0" lang="en-GB" sz="2400" spc="-1" strike="noStrike">
+              <a:rPr lang="en-GB" sz="2400" b="0" strike="noStrike" spc="-1">
                 <a:solidFill>
                   <a:srgbClr val="000000"/>
                 </a:solidFill>
                 <a:uFill>
                   <a:solidFill>
-                    <a:srgbClr val="ffffff"/>
+                    <a:srgbClr val="FFFFFF"/>
                   </a:solidFill>
                 </a:uFill>
                 <a:latin typeface="Arial"/>
               </a:rPr>
               <a:t>Second Outline Level</a:t>
             </a:r>
-            <a:endParaRPr b="0" lang="en-GB" sz="2400" spc="-1" strike="noStrike">
-              <a:solidFill>
-                <a:srgbClr val="000000"/>
-              </a:solidFill>
-              <a:uFill>
-                <a:solidFill>
-                  <a:srgbClr val="ffffff"/>
-                </a:solidFill>
-              </a:uFill>
-              <a:latin typeface="Arial"/>
-            </a:endParaRPr>
-          </a:p>
-          <a:p>
-            <a:pPr lvl="2" marL="1296000" indent="-288000">
+          </a:p>
+          <a:p>
+            <a:pPr marL="1296000" lvl="2" indent="-288000">
               <a:buClr>
                 <a:srgbClr val="000000"/>
               </a:buClr>
@@ -4017,33 +4280,22 @@
               <a:buChar char=""/>
             </a:pPr>
             <a:r>
-              <a:rPr b="0" lang="en-GB" sz="2000" spc="-1" strike="noStrike">
+              <a:rPr lang="en-GB" sz="2000" b="0" strike="noStrike" spc="-1">
                 <a:solidFill>
                   <a:srgbClr val="000000"/>
                 </a:solidFill>
                 <a:uFill>
                   <a:solidFill>
-                    <a:srgbClr val="ffffff"/>
+                    <a:srgbClr val="FFFFFF"/>
                   </a:solidFill>
                 </a:uFill>
                 <a:latin typeface="Arial"/>
               </a:rPr>
               <a:t>Third Outline Level</a:t>
             </a:r>
-            <a:endParaRPr b="0" lang="en-GB" sz="2000" spc="-1" strike="noStrike">
-              <a:solidFill>
-                <a:srgbClr val="000000"/>
-              </a:solidFill>
-              <a:uFill>
-                <a:solidFill>
-                  <a:srgbClr val="ffffff"/>
-                </a:solidFill>
-              </a:uFill>
-              <a:latin typeface="Arial"/>
-            </a:endParaRPr>
-          </a:p>
-          <a:p>
-            <a:pPr lvl="3" marL="1728000" indent="-216000">
+          </a:p>
+          <a:p>
+            <a:pPr marL="1728000" lvl="3" indent="-216000">
               <a:buClr>
                 <a:srgbClr val="000000"/>
               </a:buClr>
@@ -4052,33 +4304,22 @@
               <a:buChar char=""/>
             </a:pPr>
             <a:r>
-              <a:rPr b="0" lang="en-GB" sz="2000" spc="-1" strike="noStrike">
+              <a:rPr lang="en-GB" sz="2000" b="0" strike="noStrike" spc="-1">
                 <a:solidFill>
                   <a:srgbClr val="000000"/>
                 </a:solidFill>
                 <a:uFill>
                   <a:solidFill>
-                    <a:srgbClr val="ffffff"/>
+                    <a:srgbClr val="FFFFFF"/>
                   </a:solidFill>
                 </a:uFill>
                 <a:latin typeface="Arial"/>
               </a:rPr>
               <a:t>Fourth Outline Level</a:t>
             </a:r>
-            <a:endParaRPr b="0" lang="en-GB" sz="2000" spc="-1" strike="noStrike">
-              <a:solidFill>
-                <a:srgbClr val="000000"/>
-              </a:solidFill>
-              <a:uFill>
-                <a:solidFill>
-                  <a:srgbClr val="ffffff"/>
-                </a:solidFill>
-              </a:uFill>
-              <a:latin typeface="Arial"/>
-            </a:endParaRPr>
-          </a:p>
-          <a:p>
-            <a:pPr lvl="4" marL="2160000" indent="-216000">
+          </a:p>
+          <a:p>
+            <a:pPr marL="2160000" lvl="4" indent="-216000">
               <a:buClr>
                 <a:srgbClr val="000000"/>
               </a:buClr>
@@ -4087,33 +4328,22 @@
               <a:buChar char=""/>
             </a:pPr>
             <a:r>
-              <a:rPr b="0" lang="en-GB" sz="2000" spc="-1" strike="noStrike">
+              <a:rPr lang="en-GB" sz="2000" b="0" strike="noStrike" spc="-1">
                 <a:solidFill>
                   <a:srgbClr val="000000"/>
                 </a:solidFill>
                 <a:uFill>
                   <a:solidFill>
-                    <a:srgbClr val="ffffff"/>
+                    <a:srgbClr val="FFFFFF"/>
                   </a:solidFill>
                 </a:uFill>
                 <a:latin typeface="Arial"/>
               </a:rPr>
               <a:t>Fifth Outline Level</a:t>
             </a:r>
-            <a:endParaRPr b="0" lang="en-GB" sz="2000" spc="-1" strike="noStrike">
-              <a:solidFill>
-                <a:srgbClr val="000000"/>
-              </a:solidFill>
-              <a:uFill>
-                <a:solidFill>
-                  <a:srgbClr val="ffffff"/>
-                </a:solidFill>
-              </a:uFill>
-              <a:latin typeface="Arial"/>
-            </a:endParaRPr>
-          </a:p>
-          <a:p>
-            <a:pPr lvl="5" marL="2592000" indent="-216000">
+          </a:p>
+          <a:p>
+            <a:pPr marL="2592000" lvl="5" indent="-216000">
               <a:buClr>
                 <a:srgbClr val="000000"/>
               </a:buClr>
@@ -4122,33 +4352,22 @@
               <a:buChar char=""/>
             </a:pPr>
             <a:r>
-              <a:rPr b="0" lang="en-GB" sz="2000" spc="-1" strike="noStrike">
+              <a:rPr lang="en-GB" sz="2000" b="0" strike="noStrike" spc="-1">
                 <a:solidFill>
                   <a:srgbClr val="000000"/>
                 </a:solidFill>
                 <a:uFill>
                   <a:solidFill>
-                    <a:srgbClr val="ffffff"/>
+                    <a:srgbClr val="FFFFFF"/>
                   </a:solidFill>
                 </a:uFill>
                 <a:latin typeface="Arial"/>
               </a:rPr>
               <a:t>Sixth Outline Level</a:t>
             </a:r>
-            <a:endParaRPr b="0" lang="en-GB" sz="2000" spc="-1" strike="noStrike">
-              <a:solidFill>
-                <a:srgbClr val="000000"/>
-              </a:solidFill>
-              <a:uFill>
-                <a:solidFill>
-                  <a:srgbClr val="ffffff"/>
-                </a:solidFill>
-              </a:uFill>
-              <a:latin typeface="Arial"/>
-            </a:endParaRPr>
-          </a:p>
-          <a:p>
-            <a:pPr lvl="6" marL="3024000" indent="-216000">
+          </a:p>
+          <a:p>
+            <a:pPr marL="3024000" lvl="6" indent="-216000">
               <a:buClr>
                 <a:srgbClr val="000000"/>
               </a:buClr>
@@ -4157,61 +4376,331 @@
               <a:buChar char=""/>
             </a:pPr>
             <a:r>
-              <a:rPr b="0" lang="en-GB" sz="2000" spc="-1" strike="noStrike">
+              <a:rPr lang="en-GB" sz="2000" b="0" strike="noStrike" spc="-1">
                 <a:solidFill>
                   <a:srgbClr val="000000"/>
                 </a:solidFill>
                 <a:uFill>
                   <a:solidFill>
-                    <a:srgbClr val="ffffff"/>
+                    <a:srgbClr val="FFFFFF"/>
                   </a:solidFill>
                 </a:uFill>
                 <a:latin typeface="Arial"/>
               </a:rPr>
               <a:t>Seventh Outline Level</a:t>
             </a:r>
-            <a:endParaRPr b="0" lang="en-GB" sz="2000" spc="-1" strike="noStrike">
-              <a:solidFill>
-                <a:srgbClr val="000000"/>
-              </a:solidFill>
-              <a:uFill>
-                <a:solidFill>
-                  <a:srgbClr val="ffffff"/>
-                </a:solidFill>
-              </a:uFill>
-              <a:latin typeface="Arial"/>
-            </a:endParaRPr>
           </a:p>
         </p:txBody>
       </p:sp>
     </p:spTree>
   </p:cSld>
-  <p:clrMap bg1="lt1" bg2="lt2" tx1="dk1" tx2="dk2" accent1="accent1" accent2="accent2" accent3="accent3" accent4="accent4" accent5="accent5" accent6="accent6" hlink="hlink" folHlink="folHlink"/>
+  <p:clrMap bg1="lt1" tx1="dk1" bg2="lt2" tx2="dk2" accent1="accent1" accent2="accent2" accent3="accent3" accent4="accent4" accent5="accent5" accent6="accent6" hlink="hlink" folHlink="folHlink"/>
   <p:sldLayoutIdLst>
-    <p:sldLayoutId id="2147483649" r:id="rId2"/>
-    <p:sldLayoutId id="2147483650" r:id="rId3"/>
-    <p:sldLayoutId id="2147483651" r:id="rId4"/>
-    <p:sldLayoutId id="2147483652" r:id="rId5"/>
-    <p:sldLayoutId id="2147483653" r:id="rId6"/>
-    <p:sldLayoutId id="2147483654" r:id="rId7"/>
-    <p:sldLayoutId id="2147483655" r:id="rId8"/>
-    <p:sldLayoutId id="2147483656" r:id="rId9"/>
-    <p:sldLayoutId id="2147483657" r:id="rId10"/>
-    <p:sldLayoutId id="2147483658" r:id="rId11"/>
-    <p:sldLayoutId id="2147483659" r:id="rId12"/>
-    <p:sldLayoutId id="2147483660" r:id="rId13"/>
+    <p:sldLayoutId id="2147483649" r:id="rId1"/>
+    <p:sldLayoutId id="2147483650" r:id="rId2"/>
+    <p:sldLayoutId id="2147483651" r:id="rId3"/>
+    <p:sldLayoutId id="2147483652" r:id="rId4"/>
+    <p:sldLayoutId id="2147483653" r:id="rId5"/>
+    <p:sldLayoutId id="2147483654" r:id="rId6"/>
+    <p:sldLayoutId id="2147483655" r:id="rId7"/>
+    <p:sldLayoutId id="2147483656" r:id="rId8"/>
+    <p:sldLayoutId id="2147483657" r:id="rId9"/>
+    <p:sldLayoutId id="2147483658" r:id="rId10"/>
+    <p:sldLayoutId id="2147483659" r:id="rId11"/>
+    <p:sldLayoutId id="2147483660" r:id="rId12"/>
   </p:sldLayoutIdLst>
+  <p:txStyles>
+    <p:titleStyle>
+      <a:lvl1pPr algn="l" defTabSz="914400" rtl="0" eaLnBrk="1" latinLnBrk="0" hangingPunct="1">
+        <a:lnSpc>
+          <a:spcPct val="90000"/>
+        </a:lnSpc>
+        <a:spcBef>
+          <a:spcPct val="0"/>
+        </a:spcBef>
+        <a:buNone/>
+        <a:defRPr sz="4400" kern="1200">
+          <a:solidFill>
+            <a:schemeClr val="tx1"/>
+          </a:solidFill>
+          <a:latin typeface="+mj-lt"/>
+          <a:ea typeface="+mj-ea"/>
+          <a:cs typeface="+mj-cs"/>
+        </a:defRPr>
+      </a:lvl1pPr>
+    </p:titleStyle>
+    <p:bodyStyle>
+      <a:lvl1pPr marL="228600" indent="-228600" algn="l" defTabSz="914400" rtl="0" eaLnBrk="1" latinLnBrk="0" hangingPunct="1">
+        <a:lnSpc>
+          <a:spcPct val="90000"/>
+        </a:lnSpc>
+        <a:spcBef>
+          <a:spcPts val="1000"/>
+        </a:spcBef>
+        <a:buFont typeface="Arial" panose="020B0604020202020204" pitchFamily="34" charset="0"/>
+        <a:buChar char="•"/>
+        <a:defRPr sz="2800" kern="1200">
+          <a:solidFill>
+            <a:schemeClr val="tx1"/>
+          </a:solidFill>
+          <a:latin typeface="+mn-lt"/>
+          <a:ea typeface="+mn-ea"/>
+          <a:cs typeface="+mn-cs"/>
+        </a:defRPr>
+      </a:lvl1pPr>
+      <a:lvl2pPr marL="685800" indent="-228600" algn="l" defTabSz="914400" rtl="0" eaLnBrk="1" latinLnBrk="0" hangingPunct="1">
+        <a:lnSpc>
+          <a:spcPct val="90000"/>
+        </a:lnSpc>
+        <a:spcBef>
+          <a:spcPts val="500"/>
+        </a:spcBef>
+        <a:buFont typeface="Arial" panose="020B0604020202020204" pitchFamily="34" charset="0"/>
+        <a:buChar char="•"/>
+        <a:defRPr sz="2400" kern="1200">
+          <a:solidFill>
+            <a:schemeClr val="tx1"/>
+          </a:solidFill>
+          <a:latin typeface="+mn-lt"/>
+          <a:ea typeface="+mn-ea"/>
+          <a:cs typeface="+mn-cs"/>
+        </a:defRPr>
+      </a:lvl2pPr>
+      <a:lvl3pPr marL="1143000" indent="-228600" algn="l" defTabSz="914400" rtl="0" eaLnBrk="1" latinLnBrk="0" hangingPunct="1">
+        <a:lnSpc>
+          <a:spcPct val="90000"/>
+        </a:lnSpc>
+        <a:spcBef>
+          <a:spcPts val="500"/>
+        </a:spcBef>
+        <a:buFont typeface="Arial" panose="020B0604020202020204" pitchFamily="34" charset="0"/>
+        <a:buChar char="•"/>
+        <a:defRPr sz="2000" kern="1200">
+          <a:solidFill>
+            <a:schemeClr val="tx1"/>
+          </a:solidFill>
+          <a:latin typeface="+mn-lt"/>
+          <a:ea typeface="+mn-ea"/>
+          <a:cs typeface="+mn-cs"/>
+        </a:defRPr>
+      </a:lvl3pPr>
+      <a:lvl4pPr marL="1600200" indent="-228600" algn="l" defTabSz="914400" rtl="0" eaLnBrk="1" latinLnBrk="0" hangingPunct="1">
+        <a:lnSpc>
+          <a:spcPct val="90000"/>
+        </a:lnSpc>
+        <a:spcBef>
+          <a:spcPts val="500"/>
+        </a:spcBef>
+        <a:buFont typeface="Arial" panose="020B0604020202020204" pitchFamily="34" charset="0"/>
+        <a:buChar char="•"/>
+        <a:defRPr sz="1800" kern="1200">
+          <a:solidFill>
+            <a:schemeClr val="tx1"/>
+          </a:solidFill>
+          <a:latin typeface="+mn-lt"/>
+          <a:ea typeface="+mn-ea"/>
+          <a:cs typeface="+mn-cs"/>
+        </a:defRPr>
+      </a:lvl4pPr>
+      <a:lvl5pPr marL="2057400" indent="-228600" algn="l" defTabSz="914400" rtl="0" eaLnBrk="1" latinLnBrk="0" hangingPunct="1">
+        <a:lnSpc>
+          <a:spcPct val="90000"/>
+        </a:lnSpc>
+        <a:spcBef>
+          <a:spcPts val="500"/>
+        </a:spcBef>
+        <a:buFont typeface="Arial" panose="020B0604020202020204" pitchFamily="34" charset="0"/>
+        <a:buChar char="•"/>
+        <a:defRPr sz="1800" kern="1200">
+          <a:solidFill>
+            <a:schemeClr val="tx1"/>
+          </a:solidFill>
+          <a:latin typeface="+mn-lt"/>
+          <a:ea typeface="+mn-ea"/>
+          <a:cs typeface="+mn-cs"/>
+        </a:defRPr>
+      </a:lvl5pPr>
+      <a:lvl6pPr marL="2514600" indent="-228600" algn="l" defTabSz="914400" rtl="0" eaLnBrk="1" latinLnBrk="0" hangingPunct="1">
+        <a:lnSpc>
+          <a:spcPct val="90000"/>
+        </a:lnSpc>
+        <a:spcBef>
+          <a:spcPts val="500"/>
+        </a:spcBef>
+        <a:buFont typeface="Arial" panose="020B0604020202020204" pitchFamily="34" charset="0"/>
+        <a:buChar char="•"/>
+        <a:defRPr sz="1800" kern="1200">
+          <a:solidFill>
+            <a:schemeClr val="tx1"/>
+          </a:solidFill>
+          <a:latin typeface="+mn-lt"/>
+          <a:ea typeface="+mn-ea"/>
+          <a:cs typeface="+mn-cs"/>
+        </a:defRPr>
+      </a:lvl6pPr>
+      <a:lvl7pPr marL="2971800" indent="-228600" algn="l" defTabSz="914400" rtl="0" eaLnBrk="1" latinLnBrk="0" hangingPunct="1">
+        <a:lnSpc>
+          <a:spcPct val="90000"/>
+        </a:lnSpc>
+        <a:spcBef>
+          <a:spcPts val="500"/>
+        </a:spcBef>
+        <a:buFont typeface="Arial" panose="020B0604020202020204" pitchFamily="34" charset="0"/>
+        <a:buChar char="•"/>
+        <a:defRPr sz="1800" kern="1200">
+          <a:solidFill>
+            <a:schemeClr val="tx1"/>
+          </a:solidFill>
+          <a:latin typeface="+mn-lt"/>
+          <a:ea typeface="+mn-ea"/>
+          <a:cs typeface="+mn-cs"/>
+        </a:defRPr>
+      </a:lvl7pPr>
+      <a:lvl8pPr marL="3429000" indent="-228600" algn="l" defTabSz="914400" rtl="0" eaLnBrk="1" latinLnBrk="0" hangingPunct="1">
+        <a:lnSpc>
+          <a:spcPct val="90000"/>
+        </a:lnSpc>
+        <a:spcBef>
+          <a:spcPts val="500"/>
+        </a:spcBef>
+        <a:buFont typeface="Arial" panose="020B0604020202020204" pitchFamily="34" charset="0"/>
+        <a:buChar char="•"/>
+        <a:defRPr sz="1800" kern="1200">
+          <a:solidFill>
+            <a:schemeClr val="tx1"/>
+          </a:solidFill>
+          <a:latin typeface="+mn-lt"/>
+          <a:ea typeface="+mn-ea"/>
+          <a:cs typeface="+mn-cs"/>
+        </a:defRPr>
+      </a:lvl8pPr>
+      <a:lvl9pPr marL="3886200" indent="-228600" algn="l" defTabSz="914400" rtl="0" eaLnBrk="1" latinLnBrk="0" hangingPunct="1">
+        <a:lnSpc>
+          <a:spcPct val="90000"/>
+        </a:lnSpc>
+        <a:spcBef>
+          <a:spcPts val="500"/>
+        </a:spcBef>
+        <a:buFont typeface="Arial" panose="020B0604020202020204" pitchFamily="34" charset="0"/>
+        <a:buChar char="•"/>
+        <a:defRPr sz="1800" kern="1200">
+          <a:solidFill>
+            <a:schemeClr val="tx1"/>
+          </a:solidFill>
+          <a:latin typeface="+mn-lt"/>
+          <a:ea typeface="+mn-ea"/>
+          <a:cs typeface="+mn-cs"/>
+        </a:defRPr>
+      </a:lvl9pPr>
+    </p:bodyStyle>
+    <p:otherStyle>
+      <a:defPPr>
+        <a:defRPr lang="en-US"/>
+      </a:defPPr>
+      <a:lvl1pPr marL="0" algn="l" defTabSz="914400" rtl="0" eaLnBrk="1" latinLnBrk="0" hangingPunct="1">
+        <a:defRPr sz="1800" kern="1200">
+          <a:solidFill>
+            <a:schemeClr val="tx1"/>
+          </a:solidFill>
+          <a:latin typeface="+mn-lt"/>
+          <a:ea typeface="+mn-ea"/>
+          <a:cs typeface="+mn-cs"/>
+        </a:defRPr>
+      </a:lvl1pPr>
+      <a:lvl2pPr marL="457200" algn="l" defTabSz="914400" rtl="0" eaLnBrk="1" latinLnBrk="0" hangingPunct="1">
+        <a:defRPr sz="1800" kern="1200">
+          <a:solidFill>
+            <a:schemeClr val="tx1"/>
+          </a:solidFill>
+          <a:latin typeface="+mn-lt"/>
+          <a:ea typeface="+mn-ea"/>
+          <a:cs typeface="+mn-cs"/>
+        </a:defRPr>
+      </a:lvl2pPr>
+      <a:lvl3pPr marL="914400" algn="l" defTabSz="914400" rtl="0" eaLnBrk="1" latinLnBrk="0" hangingPunct="1">
+        <a:defRPr sz="1800" kern="1200">
+          <a:solidFill>
+            <a:schemeClr val="tx1"/>
+          </a:solidFill>
+          <a:latin typeface="+mn-lt"/>
+          <a:ea typeface="+mn-ea"/>
+          <a:cs typeface="+mn-cs"/>
+        </a:defRPr>
+      </a:lvl3pPr>
+      <a:lvl4pPr marL="1371600" algn="l" defTabSz="914400" rtl="0" eaLnBrk="1" latinLnBrk="0" hangingPunct="1">
+        <a:defRPr sz="1800" kern="1200">
+          <a:solidFill>
+            <a:schemeClr val="tx1"/>
+          </a:solidFill>
+          <a:latin typeface="+mn-lt"/>
+          <a:ea typeface="+mn-ea"/>
+          <a:cs typeface="+mn-cs"/>
+        </a:defRPr>
+      </a:lvl4pPr>
+      <a:lvl5pPr marL="1828800" algn="l" defTabSz="914400" rtl="0" eaLnBrk="1" latinLnBrk="0" hangingPunct="1">
+        <a:defRPr sz="1800" kern="1200">
+          <a:solidFill>
+            <a:schemeClr val="tx1"/>
+          </a:solidFill>
+          <a:latin typeface="+mn-lt"/>
+          <a:ea typeface="+mn-ea"/>
+          <a:cs typeface="+mn-cs"/>
+        </a:defRPr>
+      </a:lvl5pPr>
+      <a:lvl6pPr marL="2286000" algn="l" defTabSz="914400" rtl="0" eaLnBrk="1" latinLnBrk="0" hangingPunct="1">
+        <a:defRPr sz="1800" kern="1200">
+          <a:solidFill>
+            <a:schemeClr val="tx1"/>
+          </a:solidFill>
+          <a:latin typeface="+mn-lt"/>
+          <a:ea typeface="+mn-ea"/>
+          <a:cs typeface="+mn-cs"/>
+        </a:defRPr>
+      </a:lvl6pPr>
+      <a:lvl7pPr marL="2743200" algn="l" defTabSz="914400" rtl="0" eaLnBrk="1" latinLnBrk="0" hangingPunct="1">
+        <a:defRPr sz="1800" kern="1200">
+          <a:solidFill>
+            <a:schemeClr val="tx1"/>
+          </a:solidFill>
+          <a:latin typeface="+mn-lt"/>
+          <a:ea typeface="+mn-ea"/>
+          <a:cs typeface="+mn-cs"/>
+        </a:defRPr>
+      </a:lvl7pPr>
+      <a:lvl8pPr marL="3200400" algn="l" defTabSz="914400" rtl="0" eaLnBrk="1" latinLnBrk="0" hangingPunct="1">
+        <a:defRPr sz="1800" kern="1200">
+          <a:solidFill>
+            <a:schemeClr val="tx1"/>
+          </a:solidFill>
+          <a:latin typeface="+mn-lt"/>
+          <a:ea typeface="+mn-ea"/>
+          <a:cs typeface="+mn-cs"/>
+        </a:defRPr>
+      </a:lvl8pPr>
+      <a:lvl9pPr marL="3657600" algn="l" defTabSz="914400" rtl="0" eaLnBrk="1" latinLnBrk="0" hangingPunct="1">
+        <a:defRPr sz="1800" kern="1200">
+          <a:solidFill>
+            <a:schemeClr val="tx1"/>
+          </a:solidFill>
+          <a:latin typeface="+mn-lt"/>
+          <a:ea typeface="+mn-ea"/>
+          <a:cs typeface="+mn-cs"/>
+        </a:defRPr>
+      </a:lvl9pPr>
+    </p:otherStyle>
+  </p:txStyles>
 </p:sldMaster>
 </file>
 
 <file path=ppt/slideMasters/slideMaster2.xml><?xml version="1.0" encoding="utf-8"?>
-<p:sldMaster xmlns:a="http://schemas.openxmlformats.org/drawingml/2006/main" xmlns:p="http://schemas.openxmlformats.org/presentationml/2006/main" xmlns:r="http://schemas.openxmlformats.org/officeDocument/2006/relationships" xmlns:p14="http://schemas.microsoft.com/office/powerpoint/2010/main" xmlns:p15="http://schemas.microsoft.com/office/powerpoint/2012/main" xmlns:mc="http://schemas.openxmlformats.org/markup-compatibility/2006">
+<p:sldMaster xmlns:a="http://schemas.openxmlformats.org/drawingml/2006/main" xmlns:r="http://schemas.openxmlformats.org/officeDocument/2006/relationships" xmlns:p="http://schemas.openxmlformats.org/presentationml/2006/main">
   <p:cSld>
     <p:bg>
       <p:bgPr>
         <a:solidFill>
-          <a:srgbClr val="ffffff"/>
+          <a:srgbClr val="FFFFFF"/>
         </a:solidFill>
+        <a:effectLst/>
       </p:bgPr>
     </p:bg>
     <p:spTree>
@@ -4248,7 +4737,8 @@
           </a:prstGeom>
         </p:spPr>
         <p:txBody>
-          <a:bodyPr lIns="0" rIns="0" tIns="0" bIns="0" anchor="ctr"/>
+          <a:bodyPr lIns="0" tIns="0" rIns="0" bIns="0" anchor="ctr"/>
+          <a:lstStyle/>
           <a:p>
             <a:pPr algn="ctr">
               <a:lnSpc>
@@ -4256,13 +4746,13 @@
               </a:lnSpc>
             </a:pPr>
             <a:r>
-              <a:rPr b="0" lang="en-GB" sz="4400" spc="-1" strike="noStrike">
+              <a:rPr lang="en-GB" sz="4400" b="0" strike="noStrike" spc="-1">
                 <a:solidFill>
                   <a:srgbClr val="000000"/>
                 </a:solidFill>
                 <a:uFill>
                   <a:solidFill>
-                    <a:srgbClr val="ffffff"/>
+                    <a:srgbClr val="FFFFFF"/>
                   </a:solidFill>
                 </a:uFill>
                 <a:latin typeface="Arial"/>
@@ -4270,13 +4760,13 @@
               </a:rPr>
               <a:t>Click to edit Master title style</a:t>
             </a:r>
-            <a:endParaRPr b="0" lang="en-GB" sz="4400" spc="-1" strike="noStrike">
-              <a:solidFill>
-                <a:srgbClr val="000000"/>
-              </a:solidFill>
-              <a:uFill>
-                <a:solidFill>
-                  <a:srgbClr val="ffffff"/>
+            <a:endParaRPr lang="en-GB" sz="4400" b="0" strike="noStrike" spc="-1">
+              <a:solidFill>
+                <a:srgbClr val="000000"/>
+              </a:solidFill>
+              <a:uFill>
+                <a:solidFill>
+                  <a:srgbClr val="FFFFFF"/>
                 </a:solidFill>
               </a:uFill>
               <a:latin typeface="Arial"/>
@@ -4304,7 +4794,8 @@
           </a:prstGeom>
         </p:spPr>
         <p:txBody>
-          <a:bodyPr lIns="0" rIns="0" tIns="28440" bIns="0"/>
+          <a:bodyPr lIns="0" tIns="28440" rIns="0" bIns="0"/>
+          <a:lstStyle/>
           <a:p>
             <a:pPr marL="432000" indent="-324000">
               <a:buClr>
@@ -4315,13 +4806,13 @@
               <a:buChar char=""/>
             </a:pPr>
             <a:r>
-              <a:rPr b="0" lang="en-GB" sz="3200" spc="-1" strike="noStrike">
+              <a:rPr lang="en-GB" sz="3200" b="0" strike="noStrike" spc="-1">
                 <a:solidFill>
                   <a:srgbClr val="000000"/>
                 </a:solidFill>
                 <a:uFill>
                   <a:solidFill>
-                    <a:srgbClr val="ffffff"/>
+                    <a:srgbClr val="FFFFFF"/>
                   </a:solidFill>
                 </a:uFill>
                 <a:latin typeface="Arial"/>
@@ -4329,20 +4820,20 @@
               </a:rPr>
               <a:t>Click to edit the outline text format</a:t>
             </a:r>
-            <a:endParaRPr b="0" lang="en-GB" sz="3200" spc="-1" strike="noStrike">
-              <a:solidFill>
-                <a:srgbClr val="000000"/>
-              </a:solidFill>
-              <a:uFill>
-                <a:solidFill>
-                  <a:srgbClr val="ffffff"/>
-                </a:solidFill>
-              </a:uFill>
-              <a:latin typeface="Arial"/>
-            </a:endParaRPr>
-          </a:p>
-          <a:p>
-            <a:pPr lvl="1" marL="864000" indent="-324000">
+            <a:endParaRPr lang="en-GB" sz="3200" b="0" strike="noStrike" spc="-1">
+              <a:solidFill>
+                <a:srgbClr val="000000"/>
+              </a:solidFill>
+              <a:uFill>
+                <a:solidFill>
+                  <a:srgbClr val="FFFFFF"/>
+                </a:solidFill>
+              </a:uFill>
+              <a:latin typeface="Arial"/>
+            </a:endParaRPr>
+          </a:p>
+          <a:p>
+            <a:pPr marL="864000" lvl="1" indent="-324000">
               <a:buClr>
                 <a:srgbClr val="000000"/>
               </a:buClr>
@@ -4351,13 +4842,13 @@
               <a:buChar char=""/>
             </a:pPr>
             <a:r>
-              <a:rPr b="0" lang="en-GB" sz="3200" spc="-1" strike="noStrike">
+              <a:rPr lang="en-GB" sz="3200" b="0" strike="noStrike" spc="-1">
                 <a:solidFill>
                   <a:srgbClr val="000000"/>
                 </a:solidFill>
                 <a:uFill>
                   <a:solidFill>
-                    <a:srgbClr val="ffffff"/>
+                    <a:srgbClr val="FFFFFF"/>
                   </a:solidFill>
                 </a:uFill>
                 <a:latin typeface="Arial"/>
@@ -4365,20 +4856,20 @@
               </a:rPr>
               <a:t>Second Outline Level</a:t>
             </a:r>
-            <a:endParaRPr b="0" lang="en-GB" sz="3200" spc="-1" strike="noStrike">
-              <a:solidFill>
-                <a:srgbClr val="000000"/>
-              </a:solidFill>
-              <a:uFill>
-                <a:solidFill>
-                  <a:srgbClr val="ffffff"/>
-                </a:solidFill>
-              </a:uFill>
-              <a:latin typeface="Arial"/>
-            </a:endParaRPr>
-          </a:p>
-          <a:p>
-            <a:pPr lvl="2" marL="1296000" indent="-288000">
+            <a:endParaRPr lang="en-GB" sz="3200" b="0" strike="noStrike" spc="-1">
+              <a:solidFill>
+                <a:srgbClr val="000000"/>
+              </a:solidFill>
+              <a:uFill>
+                <a:solidFill>
+                  <a:srgbClr val="FFFFFF"/>
+                </a:solidFill>
+              </a:uFill>
+              <a:latin typeface="Arial"/>
+            </a:endParaRPr>
+          </a:p>
+          <a:p>
+            <a:pPr marL="1296000" lvl="2" indent="-288000">
               <a:buClr>
                 <a:srgbClr val="000000"/>
               </a:buClr>
@@ -4387,13 +4878,13 @@
               <a:buChar char=""/>
             </a:pPr>
             <a:r>
-              <a:rPr b="0" lang="en-GB" sz="3200" spc="-1" strike="noStrike">
+              <a:rPr lang="en-GB" sz="3200" b="0" strike="noStrike" spc="-1">
                 <a:solidFill>
                   <a:srgbClr val="000000"/>
                 </a:solidFill>
                 <a:uFill>
                   <a:solidFill>
-                    <a:srgbClr val="ffffff"/>
+                    <a:srgbClr val="FFFFFF"/>
                   </a:solidFill>
                 </a:uFill>
                 <a:latin typeface="Arial"/>
@@ -4401,20 +4892,20 @@
               </a:rPr>
               <a:t>Third Outline Level</a:t>
             </a:r>
-            <a:endParaRPr b="0" lang="en-GB" sz="3200" spc="-1" strike="noStrike">
-              <a:solidFill>
-                <a:srgbClr val="000000"/>
-              </a:solidFill>
-              <a:uFill>
-                <a:solidFill>
-                  <a:srgbClr val="ffffff"/>
-                </a:solidFill>
-              </a:uFill>
-              <a:latin typeface="Arial"/>
-            </a:endParaRPr>
-          </a:p>
-          <a:p>
-            <a:pPr lvl="3" marL="1728000" indent="-216000">
+            <a:endParaRPr lang="en-GB" sz="3200" b="0" strike="noStrike" spc="-1">
+              <a:solidFill>
+                <a:srgbClr val="000000"/>
+              </a:solidFill>
+              <a:uFill>
+                <a:solidFill>
+                  <a:srgbClr val="FFFFFF"/>
+                </a:solidFill>
+              </a:uFill>
+              <a:latin typeface="Arial"/>
+            </a:endParaRPr>
+          </a:p>
+          <a:p>
+            <a:pPr marL="1728000" lvl="3" indent="-216000">
               <a:buClr>
                 <a:srgbClr val="000000"/>
               </a:buClr>
@@ -4423,13 +4914,13 @@
               <a:buChar char=""/>
             </a:pPr>
             <a:r>
-              <a:rPr b="0" lang="en-GB" sz="3200" spc="-1" strike="noStrike">
+              <a:rPr lang="en-GB" sz="3200" b="0" strike="noStrike" spc="-1">
                 <a:solidFill>
                   <a:srgbClr val="000000"/>
                 </a:solidFill>
                 <a:uFill>
                   <a:solidFill>
-                    <a:srgbClr val="ffffff"/>
+                    <a:srgbClr val="FFFFFF"/>
                   </a:solidFill>
                 </a:uFill>
                 <a:latin typeface="Arial"/>
@@ -4437,20 +4928,20 @@
               </a:rPr>
               <a:t>Fourth Outline Level</a:t>
             </a:r>
-            <a:endParaRPr b="0" lang="en-GB" sz="3200" spc="-1" strike="noStrike">
-              <a:solidFill>
-                <a:srgbClr val="000000"/>
-              </a:solidFill>
-              <a:uFill>
-                <a:solidFill>
-                  <a:srgbClr val="ffffff"/>
-                </a:solidFill>
-              </a:uFill>
-              <a:latin typeface="Arial"/>
-            </a:endParaRPr>
-          </a:p>
-          <a:p>
-            <a:pPr lvl="4" marL="2160000" indent="-216000">
+            <a:endParaRPr lang="en-GB" sz="3200" b="0" strike="noStrike" spc="-1">
+              <a:solidFill>
+                <a:srgbClr val="000000"/>
+              </a:solidFill>
+              <a:uFill>
+                <a:solidFill>
+                  <a:srgbClr val="FFFFFF"/>
+                </a:solidFill>
+              </a:uFill>
+              <a:latin typeface="Arial"/>
+            </a:endParaRPr>
+          </a:p>
+          <a:p>
+            <a:pPr marL="2160000" lvl="4" indent="-216000">
               <a:buClr>
                 <a:srgbClr val="000000"/>
               </a:buClr>
@@ -4459,13 +4950,13 @@
               <a:buChar char=""/>
             </a:pPr>
             <a:r>
-              <a:rPr b="0" lang="en-GB" sz="3200" spc="-1" strike="noStrike">
+              <a:rPr lang="en-GB" sz="3200" b="0" strike="noStrike" spc="-1">
                 <a:solidFill>
                   <a:srgbClr val="000000"/>
                 </a:solidFill>
                 <a:uFill>
                   <a:solidFill>
-                    <a:srgbClr val="ffffff"/>
+                    <a:srgbClr val="FFFFFF"/>
                   </a:solidFill>
                 </a:uFill>
                 <a:latin typeface="Arial"/>
@@ -4473,20 +4964,20 @@
               </a:rPr>
               <a:t>Fifth Outline Level</a:t>
             </a:r>
-            <a:endParaRPr b="0" lang="en-GB" sz="3200" spc="-1" strike="noStrike">
-              <a:solidFill>
-                <a:srgbClr val="000000"/>
-              </a:solidFill>
-              <a:uFill>
-                <a:solidFill>
-                  <a:srgbClr val="ffffff"/>
-                </a:solidFill>
-              </a:uFill>
-              <a:latin typeface="Arial"/>
-            </a:endParaRPr>
-          </a:p>
-          <a:p>
-            <a:pPr lvl="5" marL="2592000" indent="-216000">
+            <a:endParaRPr lang="en-GB" sz="3200" b="0" strike="noStrike" spc="-1">
+              <a:solidFill>
+                <a:srgbClr val="000000"/>
+              </a:solidFill>
+              <a:uFill>
+                <a:solidFill>
+                  <a:srgbClr val="FFFFFF"/>
+                </a:solidFill>
+              </a:uFill>
+              <a:latin typeface="Arial"/>
+            </a:endParaRPr>
+          </a:p>
+          <a:p>
+            <a:pPr marL="2592000" lvl="5" indent="-216000">
               <a:buClr>
                 <a:srgbClr val="000000"/>
               </a:buClr>
@@ -4495,13 +4986,13 @@
               <a:buChar char=""/>
             </a:pPr>
             <a:r>
-              <a:rPr b="0" lang="en-GB" sz="3200" spc="-1" strike="noStrike">
+              <a:rPr lang="en-GB" sz="3200" b="0" strike="noStrike" spc="-1">
                 <a:solidFill>
                   <a:srgbClr val="000000"/>
                 </a:solidFill>
                 <a:uFill>
                   <a:solidFill>
-                    <a:srgbClr val="ffffff"/>
+                    <a:srgbClr val="FFFFFF"/>
                   </a:solidFill>
                 </a:uFill>
                 <a:latin typeface="Arial"/>
@@ -4509,13 +5000,13 @@
               </a:rPr>
               <a:t>Sixth Outline Level</a:t>
             </a:r>
-            <a:endParaRPr b="0" lang="en-GB" sz="3200" spc="-1" strike="noStrike">
-              <a:solidFill>
-                <a:srgbClr val="000000"/>
-              </a:solidFill>
-              <a:uFill>
-                <a:solidFill>
-                  <a:srgbClr val="ffffff"/>
+            <a:endParaRPr lang="en-GB" sz="3200" b="0" strike="noStrike" spc="-1">
+              <a:solidFill>
+                <a:srgbClr val="000000"/>
+              </a:solidFill>
+              <a:uFill>
+                <a:solidFill>
+                  <a:srgbClr val="FFFFFF"/>
                 </a:solidFill>
               </a:uFill>
               <a:latin typeface="Arial"/>
@@ -4528,13 +5019,13 @@
               </a:lnSpc>
             </a:pPr>
             <a:r>
-              <a:rPr b="0" lang="en-GB" sz="3200" spc="-1" strike="noStrike">
+              <a:rPr lang="en-GB" sz="3200" b="0" strike="noStrike" spc="-1">
                 <a:solidFill>
                   <a:srgbClr val="000000"/>
                 </a:solidFill>
                 <a:uFill>
                   <a:solidFill>
-                    <a:srgbClr val="ffffff"/>
+                    <a:srgbClr val="FFFFFF"/>
                   </a:solidFill>
                 </a:uFill>
                 <a:latin typeface="Arial"/>
@@ -4542,27 +5033,27 @@
               </a:rPr>
               <a:t>Seventh Outline LevelClick to edit Master text styles</a:t>
             </a:r>
-            <a:endParaRPr b="0" lang="en-GB" sz="3200" spc="-1" strike="noStrike">
-              <a:solidFill>
-                <a:srgbClr val="000000"/>
-              </a:solidFill>
-              <a:uFill>
-                <a:solidFill>
-                  <a:srgbClr val="ffffff"/>
-                </a:solidFill>
-              </a:uFill>
-              <a:latin typeface="Arial"/>
-            </a:endParaRPr>
-          </a:p>
-          <a:p>
-            <a:r>
-              <a:rPr b="0" lang="en-GB" sz="2800" spc="-1" strike="noStrike">
+            <a:endParaRPr lang="en-GB" sz="3200" b="0" strike="noStrike" spc="-1">
+              <a:solidFill>
+                <a:srgbClr val="000000"/>
+              </a:solidFill>
+              <a:uFill>
+                <a:solidFill>
+                  <a:srgbClr val="FFFFFF"/>
+                </a:solidFill>
+              </a:uFill>
+              <a:latin typeface="Arial"/>
+            </a:endParaRPr>
+          </a:p>
+          <a:p>
+            <a:r>
+              <a:rPr lang="en-GB" sz="2800" b="0" strike="noStrike" spc="-1">
                 <a:solidFill>
                   <a:srgbClr val="000000"/>
                 </a:solidFill>
                 <a:uFill>
                   <a:solidFill>
-                    <a:srgbClr val="ffffff"/>
+                    <a:srgbClr val="FFFFFF"/>
                   </a:solidFill>
                 </a:uFill>
                 <a:latin typeface="Arial"/>
@@ -4570,27 +5061,27 @@
               </a:rPr>
               <a:t>Second level</a:t>
             </a:r>
-            <a:endParaRPr b="0" lang="en-GB" sz="3200" spc="-1" strike="noStrike">
-              <a:solidFill>
-                <a:srgbClr val="000000"/>
-              </a:solidFill>
-              <a:uFill>
-                <a:solidFill>
-                  <a:srgbClr val="ffffff"/>
-                </a:solidFill>
-              </a:uFill>
-              <a:latin typeface="Arial"/>
-            </a:endParaRPr>
-          </a:p>
-          <a:p>
-            <a:r>
-              <a:rPr b="0" lang="en-GB" sz="2400" spc="-1" strike="noStrike">
+            <a:endParaRPr lang="en-GB" sz="3200" b="0" strike="noStrike" spc="-1">
+              <a:solidFill>
+                <a:srgbClr val="000000"/>
+              </a:solidFill>
+              <a:uFill>
+                <a:solidFill>
+                  <a:srgbClr val="FFFFFF"/>
+                </a:solidFill>
+              </a:uFill>
+              <a:latin typeface="Arial"/>
+            </a:endParaRPr>
+          </a:p>
+          <a:p>
+            <a:r>
+              <a:rPr lang="en-GB" sz="2400" b="0" strike="noStrike" spc="-1">
                 <a:solidFill>
                   <a:srgbClr val="000000"/>
                 </a:solidFill>
                 <a:uFill>
                   <a:solidFill>
-                    <a:srgbClr val="ffffff"/>
+                    <a:srgbClr val="FFFFFF"/>
                   </a:solidFill>
                 </a:uFill>
                 <a:latin typeface="Arial"/>
@@ -4598,27 +5089,27 @@
               </a:rPr>
               <a:t>Third level</a:t>
             </a:r>
-            <a:endParaRPr b="0" lang="en-GB" sz="3200" spc="-1" strike="noStrike">
-              <a:solidFill>
-                <a:srgbClr val="000000"/>
-              </a:solidFill>
-              <a:uFill>
-                <a:solidFill>
-                  <a:srgbClr val="ffffff"/>
-                </a:solidFill>
-              </a:uFill>
-              <a:latin typeface="Arial"/>
-            </a:endParaRPr>
-          </a:p>
-          <a:p>
-            <a:r>
-              <a:rPr b="0" lang="en-GB" sz="2000" spc="-1" strike="noStrike">
+            <a:endParaRPr lang="en-GB" sz="3200" b="0" strike="noStrike" spc="-1">
+              <a:solidFill>
+                <a:srgbClr val="000000"/>
+              </a:solidFill>
+              <a:uFill>
+                <a:solidFill>
+                  <a:srgbClr val="FFFFFF"/>
+                </a:solidFill>
+              </a:uFill>
+              <a:latin typeface="Arial"/>
+            </a:endParaRPr>
+          </a:p>
+          <a:p>
+            <a:r>
+              <a:rPr lang="en-GB" sz="2000" b="0" strike="noStrike" spc="-1">
                 <a:solidFill>
                   <a:srgbClr val="000000"/>
                 </a:solidFill>
                 <a:uFill>
                   <a:solidFill>
-                    <a:srgbClr val="ffffff"/>
+                    <a:srgbClr val="FFFFFF"/>
                   </a:solidFill>
                 </a:uFill>
                 <a:latin typeface="Arial"/>
@@ -4626,27 +5117,27 @@
               </a:rPr>
               <a:t>Fourth level</a:t>
             </a:r>
-            <a:endParaRPr b="0" lang="en-GB" sz="3200" spc="-1" strike="noStrike">
-              <a:solidFill>
-                <a:srgbClr val="000000"/>
-              </a:solidFill>
-              <a:uFill>
-                <a:solidFill>
-                  <a:srgbClr val="ffffff"/>
-                </a:solidFill>
-              </a:uFill>
-              <a:latin typeface="Arial"/>
-            </a:endParaRPr>
-          </a:p>
-          <a:p>
-            <a:r>
-              <a:rPr b="0" lang="en-GB" sz="2000" spc="-1" strike="noStrike">
+            <a:endParaRPr lang="en-GB" sz="3200" b="0" strike="noStrike" spc="-1">
+              <a:solidFill>
+                <a:srgbClr val="000000"/>
+              </a:solidFill>
+              <a:uFill>
+                <a:solidFill>
+                  <a:srgbClr val="FFFFFF"/>
+                </a:solidFill>
+              </a:uFill>
+              <a:latin typeface="Arial"/>
+            </a:endParaRPr>
+          </a:p>
+          <a:p>
+            <a:r>
+              <a:rPr lang="en-GB" sz="2000" b="0" strike="noStrike" spc="-1">
                 <a:solidFill>
                   <a:srgbClr val="000000"/>
                 </a:solidFill>
                 <a:uFill>
                   <a:solidFill>
-                    <a:srgbClr val="ffffff"/>
+                    <a:srgbClr val="FFFFFF"/>
                   </a:solidFill>
                 </a:uFill>
                 <a:latin typeface="Arial"/>
@@ -4654,13 +5145,13 @@
               </a:rPr>
               <a:t>Fifth level</a:t>
             </a:r>
-            <a:endParaRPr b="0" lang="en-GB" sz="3200" spc="-1" strike="noStrike">
-              <a:solidFill>
-                <a:srgbClr val="000000"/>
-              </a:solidFill>
-              <a:uFill>
-                <a:solidFill>
-                  <a:srgbClr val="ffffff"/>
+            <a:endParaRPr lang="en-GB" sz="3200" b="0" strike="noStrike" spc="-1">
+              <a:solidFill>
+                <a:srgbClr val="000000"/>
+              </a:solidFill>
+              <a:uFill>
+                <a:solidFill>
+                  <a:srgbClr val="FFFFFF"/>
                 </a:solidFill>
               </a:uFill>
               <a:latin typeface="Arial"/>
@@ -4688,15 +5179,16 @@
           </a:prstGeom>
         </p:spPr>
         <p:txBody>
-          <a:bodyPr lIns="0" rIns="0" tIns="0" bIns="0"/>
-          <a:p>
-            <a:endParaRPr b="0" lang="en-GB" sz="2400" spc="-1" strike="noStrike">
-              <a:solidFill>
-                <a:srgbClr val="000000"/>
-              </a:solidFill>
-              <a:uFill>
-                <a:solidFill>
-                  <a:srgbClr val="ffffff"/>
+          <a:bodyPr lIns="0" tIns="0" rIns="0" bIns="0"/>
+          <a:lstStyle/>
+          <a:p>
+            <a:endParaRPr lang="en-GB" sz="2400" b="0" strike="noStrike" spc="-1">
+              <a:solidFill>
+                <a:srgbClr val="000000"/>
+              </a:solidFill>
+              <a:uFill>
+                <a:solidFill>
+                  <a:srgbClr val="FFFFFF"/>
                 </a:solidFill>
               </a:uFill>
               <a:latin typeface="Times New Roman"/>
@@ -4724,15 +5216,16 @@
           </a:prstGeom>
         </p:spPr>
         <p:txBody>
-          <a:bodyPr lIns="0" rIns="0" tIns="0" bIns="0"/>
-          <a:p>
-            <a:endParaRPr b="0" lang="en-GB" sz="2400" spc="-1" strike="noStrike">
-              <a:solidFill>
-                <a:srgbClr val="000000"/>
-              </a:solidFill>
-              <a:uFill>
-                <a:solidFill>
-                  <a:srgbClr val="ffffff"/>
+          <a:bodyPr lIns="0" tIns="0" rIns="0" bIns="0"/>
+          <a:lstStyle/>
+          <a:p>
+            <a:endParaRPr lang="en-GB" sz="2400" b="0" strike="noStrike" spc="-1">
+              <a:solidFill>
+                <a:srgbClr val="000000"/>
+              </a:solidFill>
+              <a:uFill>
+                <a:solidFill>
+                  <a:srgbClr val="FFFFFF"/>
                 </a:solidFill>
               </a:uFill>
               <a:latin typeface="Times New Roman"/>
@@ -4760,7 +5253,8 @@
           </a:prstGeom>
         </p:spPr>
         <p:txBody>
-          <a:bodyPr lIns="0" rIns="0" tIns="0" bIns="0"/>
+          <a:bodyPr lIns="0" tIns="0" rIns="0" bIns="0"/>
+          <a:lstStyle/>
           <a:p>
             <a:pPr algn="r">
               <a:lnSpc>
@@ -4768,27 +5262,27 @@
               </a:lnSpc>
             </a:pPr>
             <a:fld id="{7A3E3589-E84A-4DEF-9ED8-29B995BB4822}" type="slidenum">
-              <a:rPr b="0" lang="en-GB" sz="1400" spc="-1" strike="noStrike">
+              <a:rPr lang="en-GB" sz="1400" b="0" strike="noStrike" spc="-1">
                 <a:solidFill>
                   <a:srgbClr val="000000"/>
                 </a:solidFill>
                 <a:uFill>
                   <a:solidFill>
-                    <a:srgbClr val="ffffff"/>
+                    <a:srgbClr val="FFFFFF"/>
                   </a:solidFill>
                 </a:uFill>
                 <a:latin typeface="Times New Roman"/>
                 <a:ea typeface="DejaVu Sans"/>
               </a:rPr>
-              <a:t>&lt;number&gt;</a:t>
+              <a:t>‹#›</a:t>
             </a:fld>
-            <a:endParaRPr b="0" lang="en-GB" sz="1400" spc="-1" strike="noStrike">
-              <a:solidFill>
-                <a:srgbClr val="000000"/>
-              </a:solidFill>
-              <a:uFill>
-                <a:solidFill>
-                  <a:srgbClr val="ffffff"/>
+            <a:endParaRPr lang="en-GB" sz="1400" b="0" strike="noStrike" spc="-1">
+              <a:solidFill>
+                <a:srgbClr val="000000"/>
+              </a:solidFill>
+              <a:uFill>
+                <a:solidFill>
+                  <a:srgbClr val="FFFFFF"/>
                 </a:solidFill>
               </a:uFill>
               <a:latin typeface="Times New Roman"/>
@@ -4798,26 +5292,306 @@
       </p:sp>
     </p:spTree>
   </p:cSld>
-  <p:clrMap bg1="lt1" bg2="lt2" tx1="dk1" tx2="dk2" accent1="accent1" accent2="accent2" accent3="accent3" accent4="accent4" accent5="accent5" accent6="accent6" hlink="hlink" folHlink="folHlink"/>
+  <p:clrMap bg1="lt1" tx1="dk1" bg2="lt2" tx2="dk2" accent1="accent1" accent2="accent2" accent3="accent3" accent4="accent4" accent5="accent5" accent6="accent6" hlink="hlink" folHlink="folHlink"/>
   <p:sldLayoutIdLst>
-    <p:sldLayoutId id="2147483662" r:id="rId2"/>
-    <p:sldLayoutId id="2147483663" r:id="rId3"/>
-    <p:sldLayoutId id="2147483664" r:id="rId4"/>
-    <p:sldLayoutId id="2147483665" r:id="rId5"/>
-    <p:sldLayoutId id="2147483666" r:id="rId6"/>
-    <p:sldLayoutId id="2147483667" r:id="rId7"/>
-    <p:sldLayoutId id="2147483668" r:id="rId8"/>
-    <p:sldLayoutId id="2147483669" r:id="rId9"/>
-    <p:sldLayoutId id="2147483670" r:id="rId10"/>
-    <p:sldLayoutId id="2147483671" r:id="rId11"/>
-    <p:sldLayoutId id="2147483672" r:id="rId12"/>
-    <p:sldLayoutId id="2147483673" r:id="rId13"/>
+    <p:sldLayoutId id="2147483662" r:id="rId1"/>
+    <p:sldLayoutId id="2147483663" r:id="rId2"/>
+    <p:sldLayoutId id="2147483664" r:id="rId3"/>
+    <p:sldLayoutId id="2147483665" r:id="rId4"/>
+    <p:sldLayoutId id="2147483666" r:id="rId5"/>
+    <p:sldLayoutId id="2147483667" r:id="rId6"/>
+    <p:sldLayoutId id="2147483668" r:id="rId7"/>
+    <p:sldLayoutId id="2147483669" r:id="rId8"/>
+    <p:sldLayoutId id="2147483670" r:id="rId9"/>
+    <p:sldLayoutId id="2147483671" r:id="rId10"/>
+    <p:sldLayoutId id="2147483672" r:id="rId11"/>
+    <p:sldLayoutId id="2147483673" r:id="rId12"/>
   </p:sldLayoutIdLst>
+  <p:txStyles>
+    <p:titleStyle>
+      <a:lvl1pPr algn="l" defTabSz="914400" rtl="0" eaLnBrk="1" latinLnBrk="0" hangingPunct="1">
+        <a:lnSpc>
+          <a:spcPct val="90000"/>
+        </a:lnSpc>
+        <a:spcBef>
+          <a:spcPct val="0"/>
+        </a:spcBef>
+        <a:buNone/>
+        <a:defRPr sz="4400" kern="1200">
+          <a:solidFill>
+            <a:schemeClr val="tx1"/>
+          </a:solidFill>
+          <a:latin typeface="+mj-lt"/>
+          <a:ea typeface="+mj-ea"/>
+          <a:cs typeface="+mj-cs"/>
+        </a:defRPr>
+      </a:lvl1pPr>
+    </p:titleStyle>
+    <p:bodyStyle>
+      <a:lvl1pPr marL="228600" indent="-228600" algn="l" defTabSz="914400" rtl="0" eaLnBrk="1" latinLnBrk="0" hangingPunct="1">
+        <a:lnSpc>
+          <a:spcPct val="90000"/>
+        </a:lnSpc>
+        <a:spcBef>
+          <a:spcPts val="1000"/>
+        </a:spcBef>
+        <a:buFont typeface="Arial" panose="020B0604020202020204" pitchFamily="34" charset="0"/>
+        <a:buChar char="•"/>
+        <a:defRPr sz="2800" kern="1200">
+          <a:solidFill>
+            <a:schemeClr val="tx1"/>
+          </a:solidFill>
+          <a:latin typeface="+mn-lt"/>
+          <a:ea typeface="+mn-ea"/>
+          <a:cs typeface="+mn-cs"/>
+        </a:defRPr>
+      </a:lvl1pPr>
+      <a:lvl2pPr marL="685800" indent="-228600" algn="l" defTabSz="914400" rtl="0" eaLnBrk="1" latinLnBrk="0" hangingPunct="1">
+        <a:lnSpc>
+          <a:spcPct val="90000"/>
+        </a:lnSpc>
+        <a:spcBef>
+          <a:spcPts val="500"/>
+        </a:spcBef>
+        <a:buFont typeface="Arial" panose="020B0604020202020204" pitchFamily="34" charset="0"/>
+        <a:buChar char="•"/>
+        <a:defRPr sz="2400" kern="1200">
+          <a:solidFill>
+            <a:schemeClr val="tx1"/>
+          </a:solidFill>
+          <a:latin typeface="+mn-lt"/>
+          <a:ea typeface="+mn-ea"/>
+          <a:cs typeface="+mn-cs"/>
+        </a:defRPr>
+      </a:lvl2pPr>
+      <a:lvl3pPr marL="1143000" indent="-228600" algn="l" defTabSz="914400" rtl="0" eaLnBrk="1" latinLnBrk="0" hangingPunct="1">
+        <a:lnSpc>
+          <a:spcPct val="90000"/>
+        </a:lnSpc>
+        <a:spcBef>
+          <a:spcPts val="500"/>
+        </a:spcBef>
+        <a:buFont typeface="Arial" panose="020B0604020202020204" pitchFamily="34" charset="0"/>
+        <a:buChar char="•"/>
+        <a:defRPr sz="2000" kern="1200">
+          <a:solidFill>
+            <a:schemeClr val="tx1"/>
+          </a:solidFill>
+          <a:latin typeface="+mn-lt"/>
+          <a:ea typeface="+mn-ea"/>
+          <a:cs typeface="+mn-cs"/>
+        </a:defRPr>
+      </a:lvl3pPr>
+      <a:lvl4pPr marL="1600200" indent="-228600" algn="l" defTabSz="914400" rtl="0" eaLnBrk="1" latinLnBrk="0" hangingPunct="1">
+        <a:lnSpc>
+          <a:spcPct val="90000"/>
+        </a:lnSpc>
+        <a:spcBef>
+          <a:spcPts val="500"/>
+        </a:spcBef>
+        <a:buFont typeface="Arial" panose="020B0604020202020204" pitchFamily="34" charset="0"/>
+        <a:buChar char="•"/>
+        <a:defRPr sz="1800" kern="1200">
+          <a:solidFill>
+            <a:schemeClr val="tx1"/>
+          </a:solidFill>
+          <a:latin typeface="+mn-lt"/>
+          <a:ea typeface="+mn-ea"/>
+          <a:cs typeface="+mn-cs"/>
+        </a:defRPr>
+      </a:lvl4pPr>
+      <a:lvl5pPr marL="2057400" indent="-228600" algn="l" defTabSz="914400" rtl="0" eaLnBrk="1" latinLnBrk="0" hangingPunct="1">
+        <a:lnSpc>
+          <a:spcPct val="90000"/>
+        </a:lnSpc>
+        <a:spcBef>
+          <a:spcPts val="500"/>
+        </a:spcBef>
+        <a:buFont typeface="Arial" panose="020B0604020202020204" pitchFamily="34" charset="0"/>
+        <a:buChar char="•"/>
+        <a:defRPr sz="1800" kern="1200">
+          <a:solidFill>
+            <a:schemeClr val="tx1"/>
+          </a:solidFill>
+          <a:latin typeface="+mn-lt"/>
+          <a:ea typeface="+mn-ea"/>
+          <a:cs typeface="+mn-cs"/>
+        </a:defRPr>
+      </a:lvl5pPr>
+      <a:lvl6pPr marL="2514600" indent="-228600" algn="l" defTabSz="914400" rtl="0" eaLnBrk="1" latinLnBrk="0" hangingPunct="1">
+        <a:lnSpc>
+          <a:spcPct val="90000"/>
+        </a:lnSpc>
+        <a:spcBef>
+          <a:spcPts val="500"/>
+        </a:spcBef>
+        <a:buFont typeface="Arial" panose="020B0604020202020204" pitchFamily="34" charset="0"/>
+        <a:buChar char="•"/>
+        <a:defRPr sz="1800" kern="1200">
+          <a:solidFill>
+            <a:schemeClr val="tx1"/>
+          </a:solidFill>
+          <a:latin typeface="+mn-lt"/>
+          <a:ea typeface="+mn-ea"/>
+          <a:cs typeface="+mn-cs"/>
+        </a:defRPr>
+      </a:lvl6pPr>
+      <a:lvl7pPr marL="2971800" indent="-228600" algn="l" defTabSz="914400" rtl="0" eaLnBrk="1" latinLnBrk="0" hangingPunct="1">
+        <a:lnSpc>
+          <a:spcPct val="90000"/>
+        </a:lnSpc>
+        <a:spcBef>
+          <a:spcPts val="500"/>
+        </a:spcBef>
+        <a:buFont typeface="Arial" panose="020B0604020202020204" pitchFamily="34" charset="0"/>
+        <a:buChar char="•"/>
+        <a:defRPr sz="1800" kern="1200">
+          <a:solidFill>
+            <a:schemeClr val="tx1"/>
+          </a:solidFill>
+          <a:latin typeface="+mn-lt"/>
+          <a:ea typeface="+mn-ea"/>
+          <a:cs typeface="+mn-cs"/>
+        </a:defRPr>
+      </a:lvl7pPr>
+      <a:lvl8pPr marL="3429000" indent="-228600" algn="l" defTabSz="914400" rtl="0" eaLnBrk="1" latinLnBrk="0" hangingPunct="1">
+        <a:lnSpc>
+          <a:spcPct val="90000"/>
+        </a:lnSpc>
+        <a:spcBef>
+          <a:spcPts val="500"/>
+        </a:spcBef>
+        <a:buFont typeface="Arial" panose="020B0604020202020204" pitchFamily="34" charset="0"/>
+        <a:buChar char="•"/>
+        <a:defRPr sz="1800" kern="1200">
+          <a:solidFill>
+            <a:schemeClr val="tx1"/>
+          </a:solidFill>
+          <a:latin typeface="+mn-lt"/>
+          <a:ea typeface="+mn-ea"/>
+          <a:cs typeface="+mn-cs"/>
+        </a:defRPr>
+      </a:lvl8pPr>
+      <a:lvl9pPr marL="3886200" indent="-228600" algn="l" defTabSz="914400" rtl="0" eaLnBrk="1" latinLnBrk="0" hangingPunct="1">
+        <a:lnSpc>
+          <a:spcPct val="90000"/>
+        </a:lnSpc>
+        <a:spcBef>
+          <a:spcPts val="500"/>
+        </a:spcBef>
+        <a:buFont typeface="Arial" panose="020B0604020202020204" pitchFamily="34" charset="0"/>
+        <a:buChar char="•"/>
+        <a:defRPr sz="1800" kern="1200">
+          <a:solidFill>
+            <a:schemeClr val="tx1"/>
+          </a:solidFill>
+          <a:latin typeface="+mn-lt"/>
+          <a:ea typeface="+mn-ea"/>
+          <a:cs typeface="+mn-cs"/>
+        </a:defRPr>
+      </a:lvl9pPr>
+    </p:bodyStyle>
+    <p:otherStyle>
+      <a:defPPr>
+        <a:defRPr lang="en-US"/>
+      </a:defPPr>
+      <a:lvl1pPr marL="0" algn="l" defTabSz="914400" rtl="0" eaLnBrk="1" latinLnBrk="0" hangingPunct="1">
+        <a:defRPr sz="1800" kern="1200">
+          <a:solidFill>
+            <a:schemeClr val="tx1"/>
+          </a:solidFill>
+          <a:latin typeface="+mn-lt"/>
+          <a:ea typeface="+mn-ea"/>
+          <a:cs typeface="+mn-cs"/>
+        </a:defRPr>
+      </a:lvl1pPr>
+      <a:lvl2pPr marL="457200" algn="l" defTabSz="914400" rtl="0" eaLnBrk="1" latinLnBrk="0" hangingPunct="1">
+        <a:defRPr sz="1800" kern="1200">
+          <a:solidFill>
+            <a:schemeClr val="tx1"/>
+          </a:solidFill>
+          <a:latin typeface="+mn-lt"/>
+          <a:ea typeface="+mn-ea"/>
+          <a:cs typeface="+mn-cs"/>
+        </a:defRPr>
+      </a:lvl2pPr>
+      <a:lvl3pPr marL="914400" algn="l" defTabSz="914400" rtl="0" eaLnBrk="1" latinLnBrk="0" hangingPunct="1">
+        <a:defRPr sz="1800" kern="1200">
+          <a:solidFill>
+            <a:schemeClr val="tx1"/>
+          </a:solidFill>
+          <a:latin typeface="+mn-lt"/>
+          <a:ea typeface="+mn-ea"/>
+          <a:cs typeface="+mn-cs"/>
+        </a:defRPr>
+      </a:lvl3pPr>
+      <a:lvl4pPr marL="1371600" algn="l" defTabSz="914400" rtl="0" eaLnBrk="1" latinLnBrk="0" hangingPunct="1">
+        <a:defRPr sz="1800" kern="1200">
+          <a:solidFill>
+            <a:schemeClr val="tx1"/>
+          </a:solidFill>
+          <a:latin typeface="+mn-lt"/>
+          <a:ea typeface="+mn-ea"/>
+          <a:cs typeface="+mn-cs"/>
+        </a:defRPr>
+      </a:lvl4pPr>
+      <a:lvl5pPr marL="1828800" algn="l" defTabSz="914400" rtl="0" eaLnBrk="1" latinLnBrk="0" hangingPunct="1">
+        <a:defRPr sz="1800" kern="1200">
+          <a:solidFill>
+            <a:schemeClr val="tx1"/>
+          </a:solidFill>
+          <a:latin typeface="+mn-lt"/>
+          <a:ea typeface="+mn-ea"/>
+          <a:cs typeface="+mn-cs"/>
+        </a:defRPr>
+      </a:lvl5pPr>
+      <a:lvl6pPr marL="2286000" algn="l" defTabSz="914400" rtl="0" eaLnBrk="1" latinLnBrk="0" hangingPunct="1">
+        <a:defRPr sz="1800" kern="1200">
+          <a:solidFill>
+            <a:schemeClr val="tx1"/>
+          </a:solidFill>
+          <a:latin typeface="+mn-lt"/>
+          <a:ea typeface="+mn-ea"/>
+          <a:cs typeface="+mn-cs"/>
+        </a:defRPr>
+      </a:lvl6pPr>
+      <a:lvl7pPr marL="2743200" algn="l" defTabSz="914400" rtl="0" eaLnBrk="1" latinLnBrk="0" hangingPunct="1">
+        <a:defRPr sz="1800" kern="1200">
+          <a:solidFill>
+            <a:schemeClr val="tx1"/>
+          </a:solidFill>
+          <a:latin typeface="+mn-lt"/>
+          <a:ea typeface="+mn-ea"/>
+          <a:cs typeface="+mn-cs"/>
+        </a:defRPr>
+      </a:lvl7pPr>
+      <a:lvl8pPr marL="3200400" algn="l" defTabSz="914400" rtl="0" eaLnBrk="1" latinLnBrk="0" hangingPunct="1">
+        <a:defRPr sz="1800" kern="1200">
+          <a:solidFill>
+            <a:schemeClr val="tx1"/>
+          </a:solidFill>
+          <a:latin typeface="+mn-lt"/>
+          <a:ea typeface="+mn-ea"/>
+          <a:cs typeface="+mn-cs"/>
+        </a:defRPr>
+      </a:lvl8pPr>
+      <a:lvl9pPr marL="3657600" algn="l" defTabSz="914400" rtl="0" eaLnBrk="1" latinLnBrk="0" hangingPunct="1">
+        <a:defRPr sz="1800" kern="1200">
+          <a:solidFill>
+            <a:schemeClr val="tx1"/>
+          </a:solidFill>
+          <a:latin typeface="+mn-lt"/>
+          <a:ea typeface="+mn-ea"/>
+          <a:cs typeface="+mn-cs"/>
+        </a:defRPr>
+      </a:lvl9pPr>
+    </p:otherStyle>
+  </p:txStyles>
 </p:sldMaster>
 </file>
 
 <file path=ppt/slides/slide1.xml><?xml version="1.0" encoding="utf-8"?>
-<p:sld xmlns:a="http://schemas.openxmlformats.org/drawingml/2006/main" xmlns:p="http://schemas.openxmlformats.org/presentationml/2006/main" xmlns:r="http://schemas.openxmlformats.org/officeDocument/2006/relationships" xmlns:p14="http://schemas.microsoft.com/office/powerpoint/2010/main" xmlns:p15="http://schemas.microsoft.com/office/powerpoint/2012/main" xmlns:mc="http://schemas.openxmlformats.org/markup-compatibility/2006">
+<p:sld xmlns:a="http://schemas.openxmlformats.org/drawingml/2006/main" xmlns:r="http://schemas.openxmlformats.org/officeDocument/2006/relationships" xmlns:p="http://schemas.openxmlformats.org/presentationml/2006/main">
   <p:cSld>
     <p:spTree>
       <p:nvGrpSpPr>
@@ -4853,7 +5627,8 @@
           </a:ln>
         </p:spPr>
         <p:txBody>
-          <a:bodyPr lIns="0" rIns="0" tIns="39240" bIns="0" anchor="ctr"/>
+          <a:bodyPr lIns="0" tIns="39240" rIns="0" bIns="0" anchor="ctr"/>
+          <a:lstStyle/>
           <a:p>
             <a:pPr algn="ctr">
               <a:lnSpc>
@@ -4861,13 +5636,13 @@
               </a:lnSpc>
             </a:pPr>
             <a:r>
-              <a:rPr b="0" lang="en-GB" sz="4400" spc="-1" strike="noStrike">
+              <a:rPr lang="en-GB" sz="4400" b="0" strike="noStrike" spc="-1">
                 <a:solidFill>
                   <a:srgbClr val="800000"/>
                 </a:solidFill>
                 <a:uFill>
                   <a:solidFill>
-                    <a:srgbClr val="ffffff"/>
+                    <a:srgbClr val="FFFFFF"/>
                   </a:solidFill>
                 </a:uFill>
                 <a:latin typeface="Arial"/>
@@ -4875,13 +5650,13 @@
               </a:rPr>
               <a:t>NEURON</a:t>
             </a:r>
-            <a:endParaRPr b="0" lang="en-GB" sz="4400" spc="-1" strike="noStrike">
-              <a:solidFill>
-                <a:srgbClr val="000000"/>
-              </a:solidFill>
-              <a:uFill>
-                <a:solidFill>
-                  <a:srgbClr val="ffffff"/>
+            <a:endParaRPr lang="en-GB" sz="4400" b="0" strike="noStrike" spc="-1">
+              <a:solidFill>
+                <a:srgbClr val="000000"/>
+              </a:solidFill>
+              <a:uFill>
+                <a:solidFill>
+                  <a:srgbClr val="FFFFFF"/>
                 </a:solidFill>
               </a:uFill>
               <a:latin typeface="Arial"/>
@@ -4909,7 +5684,8 @@
           </a:ln>
         </p:spPr>
         <p:txBody>
-          <a:bodyPr lIns="0" rIns="0" tIns="28440" bIns="0" anchor="ctr"/>
+          <a:bodyPr lIns="0" tIns="28440" rIns="0" bIns="0" anchor="ctr"/>
+          <a:lstStyle/>
           <a:p>
             <a:pPr algn="ctr">
               <a:lnSpc>
@@ -4917,28 +5693,28 @@
               </a:lnSpc>
             </a:pPr>
             <a:r>
-              <a:rPr b="0" lang="en-GB" sz="3200" spc="-1" strike="noStrike">
+              <a:rPr lang="en-GB" sz="3200" b="0" strike="noStrike" spc="-1">
                 <a:solidFill>
                   <a:srgbClr val="000000"/>
                 </a:solidFill>
                 <a:uFill>
                   <a:solidFill>
-                    <a:srgbClr val="ffffff"/>
+                    <a:srgbClr val="FFFFFF"/>
                   </a:solidFill>
                 </a:uFill>
                 <a:latin typeface="Arial"/>
                 <a:ea typeface="Noto Sans CJK SC Regular"/>
-                <a:hlinkClick r:id="rId1"/>
+                <a:hlinkClick r:id="rId3"/>
               </a:rPr>
               <a:t>http://neuron.yale.edu</a:t>
             </a:r>
-            <a:endParaRPr b="0" lang="en-GB" sz="3200" spc="-1" strike="noStrike">
-              <a:solidFill>
-                <a:srgbClr val="000000"/>
-              </a:solidFill>
-              <a:uFill>
-                <a:solidFill>
-                  <a:srgbClr val="ffffff"/>
+            <a:endParaRPr lang="en-GB" sz="3200" b="0" strike="noStrike" spc="-1">
+              <a:solidFill>
+                <a:srgbClr val="000000"/>
+              </a:solidFill>
+              <a:uFill>
+                <a:solidFill>
+                  <a:srgbClr val="FFFFFF"/>
                 </a:solidFill>
               </a:uFill>
               <a:latin typeface="Arial"/>
@@ -4966,13 +5742,20 @@
           </a:ln>
         </p:spPr>
         <p:style>
-          <a:lnRef idx="0"/>
-          <a:fillRef idx="0"/>
-          <a:effectRef idx="0"/>
+          <a:lnRef idx="0">
+            <a:scrgbClr r="0" g="0" b="0"/>
+          </a:lnRef>
+          <a:fillRef idx="0">
+            <a:scrgbClr r="0" g="0" b="0"/>
+          </a:fillRef>
+          <a:effectRef idx="0">
+            <a:scrgbClr r="0" g="0" b="0"/>
+          </a:effectRef>
           <a:fontRef idx="minor"/>
         </p:style>
         <p:txBody>
-          <a:bodyPr lIns="0" rIns="0" tIns="35640" bIns="0" anchor="ctr"/>
+          <a:bodyPr lIns="0" tIns="35640" rIns="0" bIns="0" anchor="ctr"/>
+          <a:lstStyle/>
           <a:p>
             <a:pPr>
               <a:lnSpc>
@@ -4980,13 +5763,13 @@
               </a:lnSpc>
             </a:pPr>
             <a:r>
-              <a:rPr b="1" lang="en-GB" sz="1800" spc="-1" strike="noStrike">
+              <a:rPr lang="en-GB" sz="1800" b="1" strike="noStrike" spc="-1">
                 <a:solidFill>
                   <a:srgbClr val="808080"/>
                 </a:solidFill>
                 <a:uFill>
                   <a:solidFill>
-                    <a:srgbClr val="ffffff"/>
+                    <a:srgbClr val="FFFFFF"/>
                   </a:solidFill>
                 </a:uFill>
                 <a:latin typeface="Arial"/>
@@ -4994,13 +5777,13 @@
               </a:rPr>
               <a:t>Neuroinformatics tutorial</a:t>
             </a:r>
-            <a:endParaRPr b="0" lang="en-GB" sz="1800" spc="-1" strike="noStrike">
-              <a:solidFill>
-                <a:srgbClr val="000000"/>
-              </a:solidFill>
-              <a:uFill>
-                <a:solidFill>
-                  <a:srgbClr val="ffffff"/>
+            <a:endParaRPr lang="en-GB" sz="1800" b="0" strike="noStrike" spc="-1">
+              <a:solidFill>
+                <a:srgbClr val="000000"/>
+              </a:solidFill>
+              <a:uFill>
+                <a:solidFill>
+                  <a:srgbClr val="FFFFFF"/>
                 </a:solidFill>
               </a:uFill>
               <a:latin typeface="Arial"/>
@@ -5028,13 +5811,20 @@
           </a:ln>
         </p:spPr>
         <p:style>
-          <a:lnRef idx="0"/>
-          <a:fillRef idx="0"/>
-          <a:effectRef idx="0"/>
+          <a:lnRef idx="0">
+            <a:scrgbClr r="0" g="0" b="0"/>
+          </a:lnRef>
+          <a:fillRef idx="0">
+            <a:scrgbClr r="0" g="0" b="0"/>
+          </a:fillRef>
+          <a:effectRef idx="0">
+            <a:scrgbClr r="0" g="0" b="0"/>
+          </a:effectRef>
           <a:fontRef idx="minor"/>
         </p:style>
         <p:txBody>
-          <a:bodyPr lIns="90000" rIns="90000" tIns="60840" bIns="45000"/>
+          <a:bodyPr lIns="90000" tIns="60840" rIns="90000" bIns="45000"/>
+          <a:lstStyle/>
           <a:p>
             <a:pPr algn="just">
               <a:lnSpc>
@@ -5042,13 +5832,13 @@
               </a:lnSpc>
             </a:pPr>
             <a:r>
-              <a:rPr b="0" lang="en-GB" sz="1800" spc="-1" strike="noStrike">
+              <a:rPr lang="en-GB" sz="1800" b="0" strike="noStrike" spc="-1">
                 <a:solidFill>
                   <a:srgbClr val="000000"/>
                 </a:solidFill>
                 <a:uFill>
                   <a:solidFill>
-                    <a:srgbClr val="ffffff"/>
+                    <a:srgbClr val="FFFFFF"/>
                   </a:solidFill>
                 </a:uFill>
                 <a:latin typeface="Arial"/>
@@ -5057,13 +5847,13 @@
               <a:t>NEURON is a tool for </a:t>
             </a:r>
             <a:r>
-              <a:rPr b="0" i="1" lang="en-GB" sz="1800" spc="-1" strike="noStrike">
+              <a:rPr lang="en-GB" sz="1800" b="0" i="1" strike="noStrike" spc="-1">
                 <a:solidFill>
                   <a:srgbClr val="000000"/>
                 </a:solidFill>
                 <a:uFill>
                   <a:solidFill>
-                    <a:srgbClr val="ffffff"/>
+                    <a:srgbClr val="FFFFFF"/>
                   </a:solidFill>
                 </a:uFill>
                 <a:latin typeface="Arial"/>
@@ -5072,13 +5862,13 @@
               <a:t>developing</a:t>
             </a:r>
             <a:r>
-              <a:rPr b="0" lang="en-GB" sz="1800" spc="-1" strike="noStrike">
+              <a:rPr lang="en-GB" sz="1800" b="0" strike="noStrike" spc="-1">
                 <a:solidFill>
                   <a:srgbClr val="000000"/>
                 </a:solidFill>
                 <a:uFill>
                   <a:solidFill>
-                    <a:srgbClr val="ffffff"/>
+                    <a:srgbClr val="FFFFFF"/>
                   </a:solidFill>
                 </a:uFill>
                 <a:latin typeface="Arial"/>
@@ -5087,13 +5877,13 @@
               <a:t>, </a:t>
             </a:r>
             <a:r>
-              <a:rPr b="0" i="1" lang="en-GB" sz="1800" spc="-1" strike="noStrike">
+              <a:rPr lang="en-GB" sz="1800" b="0" i="1" strike="noStrike" spc="-1">
                 <a:solidFill>
                   <a:srgbClr val="000000"/>
                 </a:solidFill>
                 <a:uFill>
                   <a:solidFill>
-                    <a:srgbClr val="ffffff"/>
+                    <a:srgbClr val="FFFFFF"/>
                   </a:solidFill>
                 </a:uFill>
                 <a:latin typeface="Arial"/>
@@ -5102,13 +5892,13 @@
               <a:t>simulating</a:t>
             </a:r>
             <a:r>
-              <a:rPr b="0" lang="en-GB" sz="1800" spc="-1" strike="noStrike">
+              <a:rPr lang="en-GB" sz="1800" b="0" strike="noStrike" spc="-1">
                 <a:solidFill>
                   <a:srgbClr val="000000"/>
                 </a:solidFill>
                 <a:uFill>
                   <a:solidFill>
-                    <a:srgbClr val="ffffff"/>
+                    <a:srgbClr val="FFFFFF"/>
                   </a:solidFill>
                 </a:uFill>
                 <a:latin typeface="Arial"/>
@@ -5117,13 +5907,13 @@
               <a:t>, and </a:t>
             </a:r>
             <a:r>
-              <a:rPr b="0" i="1" lang="en-GB" sz="1800" spc="-1" strike="noStrike">
+              <a:rPr lang="en-GB" sz="1800" b="0" i="1" strike="noStrike" spc="-1">
                 <a:solidFill>
                   <a:srgbClr val="000000"/>
                 </a:solidFill>
                 <a:uFill>
                   <a:solidFill>
-                    <a:srgbClr val="ffffff"/>
+                    <a:srgbClr val="FFFFFF"/>
                   </a:solidFill>
                 </a:uFill>
                 <a:latin typeface="Arial"/>
@@ -5132,13 +5922,13 @@
               <a:t>analysing</a:t>
             </a:r>
             <a:r>
-              <a:rPr b="0" lang="en-GB" sz="1800" spc="-1" strike="noStrike">
+              <a:rPr lang="en-GB" sz="1800" b="0" strike="noStrike" spc="-1">
                 <a:solidFill>
                   <a:srgbClr val="000000"/>
                 </a:solidFill>
                 <a:uFill>
                   <a:solidFill>
-                    <a:srgbClr val="ffffff"/>
+                    <a:srgbClr val="FFFFFF"/>
                   </a:solidFill>
                 </a:uFill>
                 <a:latin typeface="Arial"/>
@@ -5146,13 +5936,13 @@
               </a:rPr>
               <a:t> empirically-based models of neurons and networks of neurons. NEURON supports all classes of spiking models and runs on both desktops and supercomputers.</a:t>
             </a:r>
-            <a:endParaRPr b="0" lang="en-GB" sz="1800" spc="-1" strike="noStrike">
-              <a:solidFill>
-                <a:srgbClr val="000000"/>
-              </a:solidFill>
-              <a:uFill>
-                <a:solidFill>
-                  <a:srgbClr val="ffffff"/>
+            <a:endParaRPr lang="en-GB" sz="1800" b="0" strike="noStrike" spc="-1">
+              <a:solidFill>
+                <a:srgbClr val="000000"/>
+              </a:solidFill>
+              <a:uFill>
+                <a:solidFill>
+                  <a:srgbClr val="FFFFFF"/>
                 </a:solidFill>
               </a:uFill>
               <a:latin typeface="Arial"/>
@@ -5182,9 +5972,15 @@
           </a:ln>
         </p:spPr>
         <p:style>
-          <a:lnRef idx="0"/>
-          <a:fillRef idx="0"/>
-          <a:effectRef idx="0"/>
+          <a:lnRef idx="0">
+            <a:scrgbClr r="0" g="0" b="0"/>
+          </a:lnRef>
+          <a:fillRef idx="0">
+            <a:scrgbClr r="0" g="0" b="0"/>
+          </a:fillRef>
+          <a:effectRef idx="0">
+            <a:scrgbClr r="0" g="0" b="0"/>
+          </a:effectRef>
           <a:fontRef idx="minor"/>
         </p:style>
       </p:sp>
@@ -5208,13 +6004,20 @@
           </a:ln>
         </p:spPr>
         <p:style>
-          <a:lnRef idx="0"/>
-          <a:fillRef idx="0"/>
-          <a:effectRef idx="0"/>
+          <a:lnRef idx="0">
+            <a:scrgbClr r="0" g="0" b="0"/>
+          </a:lnRef>
+          <a:fillRef idx="0">
+            <a:scrgbClr r="0" g="0" b="0"/>
+          </a:fillRef>
+          <a:effectRef idx="0">
+            <a:scrgbClr r="0" g="0" b="0"/>
+          </a:effectRef>
           <a:fontRef idx="minor"/>
         </p:style>
         <p:txBody>
-          <a:bodyPr lIns="0" rIns="0" tIns="35640" bIns="0" anchor="ctr"/>
+          <a:bodyPr lIns="0" tIns="35640" rIns="0" bIns="0" anchor="ctr"/>
+          <a:lstStyle/>
           <a:p>
             <a:pPr algn="r">
               <a:lnSpc>
@@ -5222,13 +6025,13 @@
               </a:lnSpc>
             </a:pPr>
             <a:r>
-              <a:rPr b="0" lang="en-GB" sz="1800" spc="-1" strike="noStrike">
+              <a:rPr lang="en-GB" sz="1800" b="0" strike="noStrike" spc="-1">
                 <a:solidFill>
                   <a:srgbClr val="808080"/>
                 </a:solidFill>
                 <a:uFill>
                   <a:solidFill>
-                    <a:srgbClr val="ffffff"/>
+                    <a:srgbClr val="FFFFFF"/>
                   </a:solidFill>
                 </a:uFill>
                 <a:latin typeface="Arial"/>
@@ -5236,13 +6039,13 @@
               </a:rPr>
               <a:t>1.4 Simulation environments</a:t>
             </a:r>
-            <a:endParaRPr b="0" lang="en-GB" sz="1800" spc="-1" strike="noStrike">
-              <a:solidFill>
-                <a:srgbClr val="000000"/>
-              </a:solidFill>
-              <a:uFill>
-                <a:solidFill>
-                  <a:srgbClr val="ffffff"/>
+            <a:endParaRPr lang="en-GB" sz="1800" b="0" strike="noStrike" spc="-1">
+              <a:solidFill>
+                <a:srgbClr val="000000"/>
+              </a:solidFill>
+              <a:uFill>
+                <a:solidFill>
+                  <a:srgbClr val="FFFFFF"/>
                 </a:solidFill>
               </a:uFill>
               <a:latin typeface="Arial"/>
@@ -5252,6 +6055,9 @@
       </p:sp>
     </p:spTree>
   </p:cSld>
+  <p:clrMapOvr>
+    <a:masterClrMapping/>
+  </p:clrMapOvr>
   <p:timing>
     <p:tnLst>
       <p:par>
@@ -5260,14 +6066,14 @@
             <p:seq>
               <p:cTn id="2" nodeType="mainSeq"/>
               <p:prevCondLst>
-                <p:cond delay="0" evt="onPrev">
+                <p:cond evt="onPrev" delay="0">
                   <p:tgtEl>
                     <p:sldTgt/>
                   </p:tgtEl>
                 </p:cond>
               </p:prevCondLst>
               <p:nextCondLst>
-                <p:cond delay="0" evt="onNext">
+                <p:cond evt="onNext" delay="0">
                   <p:tgtEl>
                     <p:sldTgt/>
                   </p:tgtEl>
@@ -5283,7 +6089,7 @@
 </file>
 
 <file path=ppt/slides/slide2.xml><?xml version="1.0" encoding="utf-8"?>
-<p:sld xmlns:a="http://schemas.openxmlformats.org/drawingml/2006/main" xmlns:p="http://schemas.openxmlformats.org/presentationml/2006/main" xmlns:r="http://schemas.openxmlformats.org/officeDocument/2006/relationships" xmlns:p14="http://schemas.microsoft.com/office/powerpoint/2010/main" xmlns:p15="http://schemas.microsoft.com/office/powerpoint/2012/main" xmlns:mc="http://schemas.openxmlformats.org/markup-compatibility/2006">
+<p:sld xmlns:a="http://schemas.openxmlformats.org/drawingml/2006/main" xmlns:r="http://schemas.openxmlformats.org/officeDocument/2006/relationships" xmlns:p="http://schemas.openxmlformats.org/presentationml/2006/main">
   <p:cSld>
     <p:spTree>
       <p:nvGrpSpPr>
@@ -5319,13 +6125,20 @@
           </a:ln>
         </p:spPr>
         <p:style>
-          <a:lnRef idx="0"/>
-          <a:fillRef idx="0"/>
-          <a:effectRef idx="0"/>
+          <a:lnRef idx="0">
+            <a:scrgbClr r="0" g="0" b="0"/>
+          </a:lnRef>
+          <a:fillRef idx="0">
+            <a:scrgbClr r="0" g="0" b="0"/>
+          </a:fillRef>
+          <a:effectRef idx="0">
+            <a:scrgbClr r="0" g="0" b="0"/>
+          </a:effectRef>
           <a:fontRef idx="minor"/>
         </p:style>
         <p:txBody>
-          <a:bodyPr lIns="90000" rIns="90000" tIns="45000" bIns="45000"/>
+          <a:bodyPr lIns="90000" tIns="45000" rIns="90000" bIns="45000"/>
+          <a:lstStyle/>
           <a:p>
             <a:pPr>
               <a:lnSpc>
@@ -5333,13 +6146,13 @@
               </a:lnSpc>
             </a:pPr>
             <a:r>
-              <a:rPr b="0" lang="en-GB" sz="1800" spc="-1" strike="noStrike">
+              <a:rPr lang="en-GB" sz="1800" b="0" strike="noStrike" spc="-1">
                 <a:solidFill>
                   <a:srgbClr val="000000"/>
                 </a:solidFill>
                 <a:uFill>
                   <a:solidFill>
-                    <a:srgbClr val="ffffff"/>
+                    <a:srgbClr val="FFFFFF"/>
                   </a:solidFill>
                 </a:uFill>
                 <a:latin typeface="Arial"/>
@@ -5347,13 +6160,13 @@
               </a:rPr>
               <a:t>Powerful GUI tools • Fully Python scriptable • Large networks and single cells • Morphologically and biophysically detailed cells, integrate-and-fire cells, and anything in between • Run on a single core or on 128,000 processors.</a:t>
             </a:r>
-            <a:endParaRPr b="0" lang="en-GB" sz="1800" spc="-1" strike="noStrike">
-              <a:solidFill>
-                <a:srgbClr val="000000"/>
-              </a:solidFill>
-              <a:uFill>
-                <a:solidFill>
-                  <a:srgbClr val="ffffff"/>
+            <a:endParaRPr lang="en-GB" sz="1800" b="0" strike="noStrike" spc="-1">
+              <a:solidFill>
+                <a:srgbClr val="000000"/>
+              </a:solidFill>
+              <a:uFill>
+                <a:solidFill>
+                  <a:srgbClr val="FFFFFF"/>
                 </a:solidFill>
               </a:uFill>
               <a:latin typeface="Arial"/>
@@ -5363,12 +6176,12 @@
       </p:sp>
       <p:pic>
         <p:nvPicPr>
-          <p:cNvPr id="90" name="Picture 5" descr=""/>
+          <p:cNvPr id="90" name="Picture 5"/>
           <p:cNvPicPr/>
           <p:nvPr/>
         </p:nvPicPr>
         <p:blipFill>
-          <a:blip r:embed="rId1"/>
+          <a:blip r:embed="rId3"/>
           <a:stretch/>
         </p:blipFill>
         <p:spPr>
@@ -5386,22 +6199,25 @@
       </p:pic>
     </p:spTree>
   </p:cSld>
+  <p:clrMapOvr>
+    <a:masterClrMapping/>
+  </p:clrMapOvr>
   <p:timing>
     <p:tnLst>
       <p:par>
-        <p:cTn id="3" dur="indefinite" restart="never" nodeType="tmRoot">
+        <p:cTn id="1" dur="indefinite" restart="never" nodeType="tmRoot">
           <p:childTnLst>
             <p:seq>
-              <p:cTn id="4" nodeType="mainSeq"/>
+              <p:cTn id="2" nodeType="mainSeq"/>
               <p:prevCondLst>
-                <p:cond delay="0" evt="onPrev">
+                <p:cond evt="onPrev" delay="0">
                   <p:tgtEl>
                     <p:sldTgt/>
                   </p:tgtEl>
                 </p:cond>
               </p:prevCondLst>
               <p:nextCondLst>
-                <p:cond delay="0" evt="onNext">
+                <p:cond evt="onNext" delay="0">
                   <p:tgtEl>
                     <p:sldTgt/>
                   </p:tgtEl>
@@ -5417,7 +6233,7 @@
 </file>
 
 <file path=ppt/slides/slide3.xml><?xml version="1.0" encoding="utf-8"?>
-<p:sld xmlns:a="http://schemas.openxmlformats.org/drawingml/2006/main" xmlns:p="http://schemas.openxmlformats.org/presentationml/2006/main" xmlns:r="http://schemas.openxmlformats.org/officeDocument/2006/relationships" xmlns:p14="http://schemas.microsoft.com/office/powerpoint/2010/main" xmlns:p15="http://schemas.microsoft.com/office/powerpoint/2012/main" xmlns:mc="http://schemas.openxmlformats.org/markup-compatibility/2006">
+<p:sld xmlns:a="http://schemas.openxmlformats.org/drawingml/2006/main" xmlns:r="http://schemas.openxmlformats.org/officeDocument/2006/relationships" xmlns:p="http://schemas.openxmlformats.org/presentationml/2006/main">
   <p:cSld>
     <p:spTree>
       <p:nvGrpSpPr>
@@ -5453,13 +6269,20 @@
           </a:ln>
         </p:spPr>
         <p:style>
-          <a:lnRef idx="0"/>
-          <a:fillRef idx="0"/>
-          <a:effectRef idx="0"/>
+          <a:lnRef idx="0">
+            <a:scrgbClr r="0" g="0" b="0"/>
+          </a:lnRef>
+          <a:fillRef idx="0">
+            <a:scrgbClr r="0" g="0" b="0"/>
+          </a:fillRef>
+          <a:effectRef idx="0">
+            <a:scrgbClr r="0" g="0" b="0"/>
+          </a:effectRef>
           <a:fontRef idx="minor"/>
         </p:style>
         <p:txBody>
-          <a:bodyPr lIns="90000" rIns="90000" tIns="45000" bIns="45000"/>
+          <a:bodyPr lIns="90000" tIns="45000" rIns="90000" bIns="45000"/>
+          <a:lstStyle/>
           <a:p>
             <a:pPr>
               <a:lnSpc>
@@ -5467,27 +6290,27 @@
               </a:lnSpc>
             </a:pPr>
             <a:r>
-              <a:rPr b="0" lang="en-GB" sz="3200" spc="-1" strike="noStrike">
+              <a:rPr lang="en-GB" sz="3200" b="0" strike="noStrike" spc="-1" dirty="0">
                 <a:solidFill>
                   <a:srgbClr val="800000"/>
                 </a:solidFill>
                 <a:uFill>
                   <a:solidFill>
-                    <a:srgbClr val="ffffff"/>
+                    <a:srgbClr val="FFFFFF"/>
                   </a:solidFill>
                 </a:uFill>
                 <a:latin typeface="Arial"/>
                 <a:ea typeface="Noto Sans CJK SC Regular"/>
               </a:rPr>
-              <a:t>Plans and in development</a:t>
-            </a:r>
-            <a:endParaRPr b="0" lang="en-GB" sz="1800" spc="-1" strike="noStrike">
-              <a:solidFill>
-                <a:srgbClr val="000000"/>
-              </a:solidFill>
-              <a:uFill>
-                <a:solidFill>
-                  <a:srgbClr val="ffffff"/>
+              <a:t>Recent developments</a:t>
+            </a:r>
+            <a:endParaRPr lang="en-GB" sz="1800" b="0" strike="noStrike" spc="-1" dirty="0">
+              <a:solidFill>
+                <a:srgbClr val="000000"/>
+              </a:solidFill>
+              <a:uFill>
+                <a:solidFill>
+                  <a:srgbClr val="FFFFFF"/>
                 </a:solidFill>
               </a:uFill>
               <a:latin typeface="Arial"/>
@@ -5499,13 +6322,13 @@
                 <a:spcPct val="100000"/>
               </a:lnSpc>
             </a:pPr>
-            <a:endParaRPr b="0" lang="en-GB" sz="1800" spc="-1" strike="noStrike">
-              <a:solidFill>
-                <a:srgbClr val="000000"/>
-              </a:solidFill>
-              <a:uFill>
-                <a:solidFill>
-                  <a:srgbClr val="ffffff"/>
+            <a:endParaRPr lang="en-GB" sz="1800" b="0" strike="noStrike" spc="-1" dirty="0">
+              <a:solidFill>
+                <a:srgbClr val="000000"/>
+              </a:solidFill>
+              <a:uFill>
+                <a:solidFill>
+                  <a:srgbClr val="FFFFFF"/>
                 </a:solidFill>
               </a:uFill>
               <a:latin typeface="Arial"/>
@@ -5518,27 +6341,57 @@
               </a:lnSpc>
             </a:pPr>
             <a:r>
-              <a:rPr b="1" i="1" lang="en-GB" sz="1800" spc="-1" strike="noStrike">
+              <a:rPr lang="en-GB" sz="1800" b="1" i="1" strike="noStrike" spc="-1" dirty="0">
                 <a:solidFill>
                   <a:srgbClr val="000000"/>
                 </a:solidFill>
                 <a:uFill>
                   <a:solidFill>
-                    <a:srgbClr val="ffffff"/>
+                    <a:srgbClr val="FFFFFF"/>
                   </a:solidFill>
                 </a:uFill>
                 <a:latin typeface="Arial"/>
                 <a:ea typeface="Noto Sans CJK SC Regular"/>
               </a:rPr>
-              <a:t>Features</a:t>
-            </a:r>
-            <a:endParaRPr b="0" lang="en-GB" sz="1800" spc="-1" strike="noStrike">
-              <a:solidFill>
-                <a:srgbClr val="000000"/>
-              </a:solidFill>
-              <a:uFill>
-                <a:solidFill>
-                  <a:srgbClr val="ffffff"/>
+              <a:t>Reaction Diffusion (</a:t>
+            </a:r>
+            <a:r>
+              <a:rPr lang="en-GB" sz="1800" b="1" i="1" strike="noStrike" spc="-1" dirty="0" err="1">
+                <a:solidFill>
+                  <a:srgbClr val="000000"/>
+                </a:solidFill>
+                <a:uFill>
+                  <a:solidFill>
+                    <a:srgbClr val="FFFFFF"/>
+                  </a:solidFill>
+                </a:uFill>
+                <a:latin typeface="Arial"/>
+                <a:ea typeface="Noto Sans CJK SC Regular"/>
+              </a:rPr>
+              <a:t>rxd</a:t>
+            </a:r>
+            <a:r>
+              <a:rPr lang="en-GB" sz="1800" b="1" i="1" strike="noStrike" spc="-1" dirty="0">
+                <a:solidFill>
+                  <a:srgbClr val="000000"/>
+                </a:solidFill>
+                <a:uFill>
+                  <a:solidFill>
+                    <a:srgbClr val="FFFFFF"/>
+                  </a:solidFill>
+                </a:uFill>
+                <a:latin typeface="Arial"/>
+                <a:ea typeface="Noto Sans CJK SC Regular"/>
+              </a:rPr>
+              <a:t>)</a:t>
+            </a:r>
+            <a:endParaRPr lang="en-GB" sz="1800" b="0" strike="noStrike" spc="-1" dirty="0">
+              <a:solidFill>
+                <a:srgbClr val="000000"/>
+              </a:solidFill>
+              <a:uFill>
+                <a:solidFill>
+                  <a:srgbClr val="FFFFFF"/>
                 </a:solidFill>
               </a:uFill>
               <a:latin typeface="Arial"/>
@@ -5556,27 +6409,27 @@
               <a:buChar char="-"/>
             </a:pPr>
             <a:r>
-              <a:rPr b="0" lang="en-GB" sz="1800" spc="-1" strike="noStrike">
+              <a:rPr lang="en-GB" sz="1800" b="0" strike="noStrike" spc="-1" dirty="0">
                 <a:solidFill>
                   <a:srgbClr val="000000"/>
                 </a:solidFill>
                 <a:uFill>
                   <a:solidFill>
-                    <a:srgbClr val="ffffff"/>
+                    <a:srgbClr val="FFFFFF"/>
                   </a:solidFill>
                 </a:uFill>
                 <a:latin typeface="Arial"/>
                 <a:ea typeface="Noto Sans CJK SC Regular"/>
               </a:rPr>
-              <a:t>Standards support: NeuroML, SBML.</a:t>
-            </a:r>
-            <a:endParaRPr b="0" lang="en-GB" sz="1800" spc="-1" strike="noStrike">
-              <a:solidFill>
-                <a:srgbClr val="000000"/>
-              </a:solidFill>
-              <a:uFill>
-                <a:solidFill>
-                  <a:srgbClr val="ffffff"/>
+              <a:t>SBML export.</a:t>
+            </a:r>
+            <a:endParaRPr lang="en-GB" sz="1800" b="0" strike="noStrike" spc="-1" dirty="0">
+              <a:solidFill>
+                <a:srgbClr val="000000"/>
+              </a:solidFill>
+              <a:uFill>
+                <a:solidFill>
+                  <a:srgbClr val="FFFFFF"/>
                 </a:solidFill>
               </a:uFill>
               <a:latin typeface="Arial"/>
@@ -5594,31 +6447,20 @@
               <a:buChar char="-"/>
             </a:pPr>
             <a:r>
-              <a:rPr b="0" lang="en-GB" sz="1800" spc="-1" strike="noStrike">
+              <a:rPr lang="en-GB" sz="1800" b="0" strike="noStrike" spc="-1" dirty="0">
                 <a:solidFill>
                   <a:srgbClr val="000000"/>
                 </a:solidFill>
                 <a:uFill>
                   <a:solidFill>
-                    <a:srgbClr val="ffffff"/>
+                    <a:srgbClr val="FFFFFF"/>
                   </a:solidFill>
                 </a:uFill>
                 <a:latin typeface="Arial"/>
                 <a:ea typeface="Noto Sans CJK SC Regular"/>
               </a:rPr>
-              <a:t>Extracellular reaction-diffusion (rxd).</a:t>
-            </a:r>
-            <a:endParaRPr b="0" lang="en-GB" sz="1800" spc="-1" strike="noStrike">
-              <a:solidFill>
-                <a:srgbClr val="000000"/>
-              </a:solidFill>
-              <a:uFill>
-                <a:solidFill>
-                  <a:srgbClr val="ffffff"/>
-                </a:solidFill>
-              </a:uFill>
-              <a:latin typeface="Arial"/>
-            </a:endParaRPr>
+              <a:t>Extracellular and accelerated 3D intracellular simulation.</a:t>
+            </a:r>
           </a:p>
           <a:p>
             <a:pPr marL="285840" indent="-285480">
@@ -5632,30 +6474,78 @@
               <a:buChar char="-"/>
             </a:pPr>
             <a:r>
-              <a:rPr b="0" lang="en-GB" sz="1800" spc="-1" strike="noStrike">
+              <a:rPr lang="en-GB" spc="-1" dirty="0">
                 <a:solidFill>
                   <a:srgbClr val="000000"/>
                 </a:solidFill>
                 <a:uFill>
                   <a:solidFill>
-                    <a:srgbClr val="ffffff"/>
+                    <a:srgbClr val="FFFFFF"/>
                   </a:solidFill>
                 </a:uFill>
                 <a:latin typeface="Arial"/>
+              </a:rPr>
+              <a:t>JIT compilation for faster simulation.</a:t>
+            </a:r>
+            <a:endParaRPr lang="en-GB" sz="1800" b="0" strike="noStrike" spc="-1" dirty="0">
+              <a:solidFill>
+                <a:srgbClr val="000000"/>
+              </a:solidFill>
+              <a:uFill>
+                <a:solidFill>
+                  <a:srgbClr val="FFFFFF"/>
+                </a:solidFill>
+              </a:uFill>
+              <a:latin typeface="Arial"/>
+            </a:endParaRPr>
+          </a:p>
+          <a:p>
+            <a:pPr>
+              <a:lnSpc>
+                <a:spcPct val="100000"/>
+              </a:lnSpc>
+            </a:pPr>
+            <a:endParaRPr lang="en-GB" sz="1800" b="0" strike="noStrike" spc="-1" dirty="0">
+              <a:solidFill>
+                <a:srgbClr val="000000"/>
+              </a:solidFill>
+              <a:uFill>
+                <a:solidFill>
+                  <a:srgbClr val="FFFFFF"/>
+                </a:solidFill>
+              </a:uFill>
+              <a:latin typeface="Arial"/>
+            </a:endParaRPr>
+          </a:p>
+          <a:p>
+            <a:pPr>
+              <a:lnSpc>
+                <a:spcPct val="100000"/>
+              </a:lnSpc>
+            </a:pPr>
+            <a:r>
+              <a:rPr lang="en-GB" b="1" i="1" spc="-1" dirty="0">
+                <a:solidFill>
+                  <a:srgbClr val="000000"/>
+                </a:solidFill>
+                <a:uFill>
+                  <a:solidFill>
+                    <a:srgbClr val="FFFFFF"/>
+                  </a:solidFill>
+                </a:uFill>
                 <a:ea typeface="Noto Sans CJK SC Regular"/>
               </a:rPr>
-              <a:t>Stochastic rxd simulations.</a:t>
-            </a:r>
-            <a:endParaRPr b="0" lang="en-GB" sz="1800" spc="-1" strike="noStrike">
-              <a:solidFill>
-                <a:srgbClr val="000000"/>
-              </a:solidFill>
-              <a:uFill>
-                <a:solidFill>
-                  <a:srgbClr val="ffffff"/>
-                </a:solidFill>
-              </a:uFill>
-              <a:latin typeface="Arial"/>
+              <a:t>Python API</a:t>
+            </a:r>
+            <a:endParaRPr lang="en-GB" spc="-1" dirty="0">
+              <a:solidFill>
+                <a:srgbClr val="000000"/>
+              </a:solidFill>
+              <a:uFill>
+                <a:solidFill>
+                  <a:srgbClr val="FFFFFF"/>
+                </a:solidFill>
+              </a:uFill>
             </a:endParaRPr>
           </a:p>
           <a:p>
@@ -5670,27 +6560,133 @@
               <a:buChar char="-"/>
             </a:pPr>
             <a:r>
-              <a:rPr b="0" lang="en-GB" sz="1800" spc="-1" strike="noStrike">
+              <a:rPr lang="en-GB" spc="-1" dirty="0">
                 <a:solidFill>
                   <a:srgbClr val="000000"/>
                 </a:solidFill>
                 <a:uFill>
                   <a:solidFill>
-                    <a:srgbClr val="ffffff"/>
+                    <a:srgbClr val="FFFFFF"/>
+                  </a:solidFill>
+                </a:uFill>
+                <a:ea typeface="Noto Sans CJK SC Regular"/>
+              </a:rPr>
+              <a:t>Matplotlib support for </a:t>
+            </a:r>
+            <a:r>
+              <a:rPr lang="en-GB" spc="-1" dirty="0" err="1">
+                <a:solidFill>
+                  <a:srgbClr val="000000"/>
+                </a:solidFill>
+                <a:uFill>
+                  <a:solidFill>
+                    <a:srgbClr val="FFFFFF"/>
+                  </a:solidFill>
+                </a:uFill>
+                <a:ea typeface="Noto Sans CJK SC Regular"/>
+              </a:rPr>
+              <a:t>RangeVarPlot</a:t>
+            </a:r>
+            <a:r>
+              <a:rPr lang="en-GB" spc="-1" dirty="0">
+                <a:solidFill>
+                  <a:srgbClr val="000000"/>
+                </a:solidFill>
+                <a:uFill>
+                  <a:solidFill>
+                    <a:srgbClr val="FFFFFF"/>
+                  </a:solidFill>
+                </a:uFill>
+                <a:ea typeface="Noto Sans CJK SC Regular"/>
+              </a:rPr>
+              <a:t> and </a:t>
+            </a:r>
+            <a:r>
+              <a:rPr lang="en-GB" spc="-1" dirty="0" err="1">
+                <a:solidFill>
+                  <a:srgbClr val="000000"/>
+                </a:solidFill>
+                <a:uFill>
+                  <a:solidFill>
+                    <a:srgbClr val="FFFFFF"/>
+                  </a:solidFill>
+                </a:uFill>
+                <a:ea typeface="Noto Sans CJK SC Regular"/>
+              </a:rPr>
+              <a:t>PlotShape</a:t>
+            </a:r>
+            <a:r>
+              <a:rPr lang="en-GB" spc="-1" dirty="0">
+                <a:solidFill>
+                  <a:srgbClr val="000000"/>
+                </a:solidFill>
+                <a:uFill>
+                  <a:solidFill>
+                    <a:srgbClr val="FFFFFF"/>
+                  </a:solidFill>
+                </a:uFill>
+                <a:ea typeface="Noto Sans CJK SC Regular"/>
+              </a:rPr>
+              <a:t>.</a:t>
+            </a:r>
+          </a:p>
+          <a:p>
+            <a:pPr marL="285840" indent="-285480">
+              <a:lnSpc>
+                <a:spcPct val="100000"/>
+              </a:lnSpc>
+              <a:buClr>
+                <a:srgbClr val="000000"/>
+              </a:buClr>
+              <a:buFont typeface="StarSymbol"/>
+              <a:buChar char="-"/>
+            </a:pPr>
+            <a:r>
+              <a:rPr lang="en-GB" spc="-1" dirty="0">
+                <a:solidFill>
+                  <a:srgbClr val="000000"/>
+                </a:solidFill>
+                <a:uFill>
+                  <a:solidFill>
+                    <a:srgbClr val="FFFFFF"/>
+                  </a:solidFill>
+                </a:uFill>
+              </a:rPr>
+              <a:t>Cleaner interfaces. Meaningful return types.</a:t>
+            </a:r>
+          </a:p>
+          <a:p>
+            <a:pPr marL="285840" indent="-285480">
+              <a:lnSpc>
+                <a:spcPct val="100000"/>
+              </a:lnSpc>
+              <a:buClr>
+                <a:srgbClr val="000000"/>
+              </a:buClr>
+              <a:buFont typeface="StarSymbol"/>
+              <a:buChar char="-"/>
+            </a:pPr>
+            <a:r>
+              <a:rPr lang="en-GB" spc="-1">
+                <a:solidFill>
+                  <a:srgbClr val="000000"/>
+                </a:solidFill>
+                <a:uFill>
+                  <a:solidFill>
+                    <a:srgbClr val="FFFFFF"/>
                   </a:solidFill>
                 </a:uFill>
                 <a:latin typeface="Arial"/>
-                <a:ea typeface="Noto Sans CJK SC Regular"/>
-              </a:rPr>
-              <a:t>3D intracellular rxd simulation.</a:t>
-            </a:r>
-            <a:endParaRPr b="0" lang="en-GB" sz="1800" spc="-1" strike="noStrike">
-              <a:solidFill>
-                <a:srgbClr val="000000"/>
-              </a:solidFill>
-              <a:uFill>
-                <a:solidFill>
-                  <a:srgbClr val="ffffff"/>
+              </a:rPr>
+              <a:t>Mechanism introspection.</a:t>
+            </a:r>
+            <a:endParaRPr lang="en-GB" spc="-1" dirty="0">
+              <a:solidFill>
+                <a:srgbClr val="000000"/>
+              </a:solidFill>
+              <a:uFill>
+                <a:solidFill>
+                  <a:srgbClr val="FFFFFF"/>
                 </a:solidFill>
               </a:uFill>
               <a:latin typeface="Arial"/>
@@ -5702,13 +6698,13 @@
                 <a:spcPct val="100000"/>
               </a:lnSpc>
             </a:pPr>
-            <a:endParaRPr b="0" lang="en-GB" sz="1800" spc="-1" strike="noStrike">
-              <a:solidFill>
-                <a:srgbClr val="000000"/>
-              </a:solidFill>
-              <a:uFill>
-                <a:solidFill>
-                  <a:srgbClr val="ffffff"/>
+            <a:endParaRPr lang="en-GB" sz="1800" b="0" strike="noStrike" spc="-1" dirty="0">
+              <a:solidFill>
+                <a:srgbClr val="000000"/>
+              </a:solidFill>
+              <a:uFill>
+                <a:solidFill>
+                  <a:srgbClr val="FFFFFF"/>
                 </a:solidFill>
               </a:uFill>
               <a:latin typeface="Arial"/>
@@ -5721,27 +6717,27 @@
               </a:lnSpc>
             </a:pPr>
             <a:r>
-              <a:rPr b="1" i="1" lang="en-GB" sz="1800" spc="-1" strike="noStrike">
+              <a:rPr lang="en-GB" sz="1800" b="1" i="1" strike="noStrike" spc="-1" dirty="0">
                 <a:solidFill>
                   <a:srgbClr val="000000"/>
                 </a:solidFill>
                 <a:uFill>
                   <a:solidFill>
-                    <a:srgbClr val="ffffff"/>
+                    <a:srgbClr val="FFFFFF"/>
                   </a:solidFill>
                 </a:uFill>
                 <a:latin typeface="Arial"/>
                 <a:ea typeface="Noto Sans CJK SC Regular"/>
               </a:rPr>
-              <a:t>Performance enhancements</a:t>
-            </a:r>
-            <a:endParaRPr b="0" lang="en-GB" sz="1800" spc="-1" strike="noStrike">
-              <a:solidFill>
-                <a:srgbClr val="000000"/>
-              </a:solidFill>
-              <a:uFill>
-                <a:solidFill>
-                  <a:srgbClr val="ffffff"/>
+              <a:t>Documentation</a:t>
+            </a:r>
+            <a:endParaRPr lang="en-GB" sz="1800" b="0" strike="noStrike" spc="-1" dirty="0">
+              <a:solidFill>
+                <a:srgbClr val="000000"/>
+              </a:solidFill>
+              <a:uFill>
+                <a:solidFill>
+                  <a:srgbClr val="FFFFFF"/>
                 </a:solidFill>
               </a:uFill>
               <a:latin typeface="Arial"/>
@@ -5759,27 +6755,57 @@
               <a:buChar char="-"/>
             </a:pPr>
             <a:r>
-              <a:rPr b="0" lang="en-GB" sz="1800" spc="-1" strike="noStrike">
+              <a:rPr lang="en-GB" sz="1800" b="0" strike="noStrike" spc="-1" dirty="0">
                 <a:solidFill>
                   <a:srgbClr val="000000"/>
                 </a:solidFill>
                 <a:uFill>
                   <a:solidFill>
-                    <a:srgbClr val="ffffff"/>
+                    <a:srgbClr val="FFFFFF"/>
                   </a:solidFill>
                 </a:uFill>
                 <a:latin typeface="Arial"/>
                 <a:ea typeface="Noto Sans CJK SC Regular"/>
               </a:rPr>
-              <a:t>GPU support.</a:t>
-            </a:r>
-            <a:endParaRPr b="0" lang="en-GB" sz="1800" spc="-1" strike="noStrike">
-              <a:solidFill>
-                <a:srgbClr val="000000"/>
-              </a:solidFill>
-              <a:uFill>
-                <a:solidFill>
-                  <a:srgbClr val="ffffff"/>
+              <a:t>More </a:t>
+            </a:r>
+            <a:r>
+              <a:rPr lang="en-GB" sz="1800" b="0" strike="noStrike" spc="-1" dirty="0" err="1">
+                <a:solidFill>
+                  <a:srgbClr val="000000"/>
+                </a:solidFill>
+                <a:uFill>
+                  <a:solidFill>
+                    <a:srgbClr val="FFFFFF"/>
+                  </a:solidFill>
+                </a:uFill>
+                <a:latin typeface="Arial"/>
+                <a:ea typeface="Noto Sans CJK SC Regular"/>
+              </a:rPr>
+              <a:t>rxd</a:t>
+            </a:r>
+            <a:r>
+              <a:rPr lang="en-GB" sz="1800" b="0" strike="noStrike" spc="-1" dirty="0">
+                <a:solidFill>
+                  <a:srgbClr val="000000"/>
+                </a:solidFill>
+                <a:uFill>
+                  <a:solidFill>
+                    <a:srgbClr val="FFFFFF"/>
+                  </a:solidFill>
+                </a:uFill>
+                <a:latin typeface="Arial"/>
+                <a:ea typeface="Noto Sans CJK SC Regular"/>
+              </a:rPr>
+              <a:t> tutorials and examples.</a:t>
+            </a:r>
+            <a:endParaRPr lang="en-GB" sz="1800" b="0" strike="noStrike" spc="-1" dirty="0">
+              <a:solidFill>
+                <a:srgbClr val="000000"/>
+              </a:solidFill>
+              <a:uFill>
+                <a:solidFill>
+                  <a:srgbClr val="FFFFFF"/>
                 </a:solidFill>
               </a:uFill>
               <a:latin typeface="Arial"/>
@@ -5797,50 +6823,152 @@
               <a:buChar char="-"/>
             </a:pPr>
             <a:r>
-              <a:rPr b="0" lang="en-GB" sz="1800" spc="-1" strike="noStrike">
+              <a:rPr lang="en-GB" sz="1800" b="0" strike="noStrike" spc="-1" dirty="0">
                 <a:solidFill>
                   <a:srgbClr val="000000"/>
                 </a:solidFill>
                 <a:uFill>
                   <a:solidFill>
-                    <a:srgbClr val="ffffff"/>
+                    <a:srgbClr val="FFFFFF"/>
                   </a:solidFill>
                 </a:uFill>
                 <a:latin typeface="Arial"/>
                 <a:ea typeface="Noto Sans CJK SC Regular"/>
               </a:rPr>
-              <a:t>Faster reaction-diffusion.</a:t>
-            </a:r>
-            <a:endParaRPr b="0" lang="en-GB" sz="1800" spc="-1" strike="noStrike">
-              <a:solidFill>
-                <a:srgbClr val="000000"/>
-              </a:solidFill>
-              <a:uFill>
-                <a:solidFill>
-                  <a:srgbClr val="ffffff"/>
-                </a:solidFill>
-              </a:uFill>
-              <a:latin typeface="Arial"/>
-            </a:endParaRPr>
-          </a:p>
+              <a:t>Updated Python programmer’s reference.</a:t>
+            </a:r>
+            <a:endParaRPr lang="en-GB" sz="1800" b="0" strike="noStrike" spc="-1" dirty="0">
+              <a:solidFill>
+                <a:srgbClr val="000000"/>
+              </a:solidFill>
+              <a:uFill>
+                <a:solidFill>
+                  <a:srgbClr val="FFFFFF"/>
+                </a:solidFill>
+              </a:uFill>
+              <a:latin typeface="Arial"/>
+            </a:endParaRPr>
+          </a:p>
+        </p:txBody>
+      </p:sp>
+      <p:sp>
+        <p:nvSpPr>
+          <p:cNvPr id="92" name="CustomShape 2"/>
+          <p:cNvSpPr/>
+          <p:nvPr/>
+        </p:nvSpPr>
+        <p:spPr>
+          <a:xfrm>
+            <a:off x="5112360" y="3029760"/>
+            <a:ext cx="4680000" cy="639000"/>
+          </a:xfrm>
+          <a:prstGeom prst="rect">
+            <a:avLst/>
+          </a:prstGeom>
+          <a:noFill/>
+          <a:ln>
+            <a:noFill/>
+          </a:ln>
+        </p:spPr>
+        <p:style>
+          <a:lnRef idx="0">
+            <a:scrgbClr r="0" g="0" b="0"/>
+          </a:lnRef>
+          <a:fillRef idx="0">
+            <a:scrgbClr r="0" g="0" b="0"/>
+          </a:fillRef>
+          <a:effectRef idx="0">
+            <a:scrgbClr r="0" g="0" b="0"/>
+          </a:effectRef>
+          <a:fontRef idx="minor"/>
+        </p:style>
+        <p:txBody>
+          <a:bodyPr lIns="90000" tIns="45000" rIns="90000" bIns="45000"/>
+          <a:lstStyle/>
           <a:p>
             <a:pPr>
               <a:lnSpc>
                 <a:spcPct val="100000"/>
               </a:lnSpc>
             </a:pPr>
-            <a:endParaRPr b="0" lang="en-GB" sz="1800" spc="-1" strike="noStrike">
-              <a:solidFill>
-                <a:srgbClr val="000000"/>
-              </a:solidFill>
-              <a:uFill>
-                <a:solidFill>
-                  <a:srgbClr val="ffffff"/>
-                </a:solidFill>
-              </a:uFill>
-              <a:latin typeface="Arial"/>
-            </a:endParaRPr>
-          </a:p>
+            <a:r>
+              <a:rPr lang="en-GB" sz="1800" b="0" strike="noStrike" spc="-1">
+                <a:solidFill>
+                  <a:srgbClr val="000000"/>
+                </a:solidFill>
+                <a:uFill>
+                  <a:solidFill>
+                    <a:srgbClr val="FFFFFF"/>
+                  </a:solidFill>
+                </a:uFill>
+                <a:latin typeface="Arial"/>
+                <a:ea typeface="Noto Sans CJK SC Regular"/>
+              </a:rPr>
+              <a:t>Migliore et al 2014. Olfactory bulb network model. Up to 69,000 cells. </a:t>
+            </a:r>
+            <a:r>
+              <a:rPr lang="en-GB" sz="1200" b="0" strike="noStrike" spc="-1">
+                <a:solidFill>
+                  <a:srgbClr val="3333CC"/>
+                </a:solidFill>
+                <a:uFill>
+                  <a:solidFill>
+                    <a:srgbClr val="FFFFFF"/>
+                  </a:solidFill>
+                </a:uFill>
+                <a:latin typeface="Arial"/>
+                <a:ea typeface="Noto Sans CJK SC Regular"/>
+              </a:rPr>
+              <a:t>modeldb.yale.edu/151681</a:t>
+            </a:r>
+            <a:endParaRPr lang="en-GB" sz="1800" b="0" strike="noStrike" spc="-1">
+              <a:solidFill>
+                <a:srgbClr val="000000"/>
+              </a:solidFill>
+              <a:uFill>
+                <a:solidFill>
+                  <a:srgbClr val="FFFFFF"/>
+                </a:solidFill>
+              </a:uFill>
+              <a:latin typeface="Arial"/>
+            </a:endParaRPr>
+          </a:p>
+        </p:txBody>
+      </p:sp>
+      <p:sp>
+        <p:nvSpPr>
+          <p:cNvPr id="93" name="CustomShape 3"/>
+          <p:cNvSpPr/>
+          <p:nvPr/>
+        </p:nvSpPr>
+        <p:spPr>
+          <a:xfrm>
+            <a:off x="5112360" y="6943320"/>
+            <a:ext cx="4680000" cy="639000"/>
+          </a:xfrm>
+          <a:prstGeom prst="rect">
+            <a:avLst/>
+          </a:prstGeom>
+          <a:noFill/>
+          <a:ln>
+            <a:noFill/>
+          </a:ln>
+        </p:spPr>
+        <p:style>
+          <a:lnRef idx="0">
+            <a:scrgbClr r="0" g="0" b="0"/>
+          </a:lnRef>
+          <a:fillRef idx="0">
+            <a:scrgbClr r="0" g="0" b="0"/>
+          </a:fillRef>
+          <a:effectRef idx="0">
+            <a:scrgbClr r="0" g="0" b="0"/>
+          </a:effectRef>
+          <a:fontRef idx="minor"/>
+        </p:style>
+        <p:txBody>
+          <a:bodyPr lIns="90000" tIns="45000" rIns="90000" bIns="45000"/>
+          <a:lstStyle/>
           <a:p>
             <a:pPr>
               <a:lnSpc>
@@ -5848,222 +6976,27 @@
               </a:lnSpc>
             </a:pPr>
             <a:r>
-              <a:rPr b="1" i="1" lang="en-GB" sz="1800" spc="-1" strike="noStrike">
+              <a:rPr lang="en-GB" sz="1800" b="0" strike="noStrike" spc="-1">
                 <a:solidFill>
                   <a:srgbClr val="000000"/>
                 </a:solidFill>
                 <a:uFill>
                   <a:solidFill>
-                    <a:srgbClr val="ffffff"/>
+                    <a:srgbClr val="FFFFFF"/>
                   </a:solidFill>
                 </a:uFill>
                 <a:latin typeface="Arial"/>
                 <a:ea typeface="Noto Sans CJK SC Regular"/>
               </a:rPr>
-              <a:t>Better documentation</a:t>
-            </a:r>
-            <a:endParaRPr b="0" lang="en-GB" sz="1800" spc="-1" strike="noStrike">
-              <a:solidFill>
-                <a:srgbClr val="000000"/>
-              </a:solidFill>
-              <a:uFill>
-                <a:solidFill>
-                  <a:srgbClr val="ffffff"/>
-                </a:solidFill>
-              </a:uFill>
-              <a:latin typeface="Arial"/>
-            </a:endParaRPr>
-          </a:p>
-          <a:p>
-            <a:pPr marL="285840" indent="-285480">
-              <a:lnSpc>
-                <a:spcPct val="100000"/>
-              </a:lnSpc>
-              <a:buClr>
-                <a:srgbClr val="000000"/>
-              </a:buClr>
-              <a:buFont typeface="StarSymbol"/>
-              <a:buChar char="-"/>
-            </a:pPr>
-            <a:r>
-              <a:rPr b="0" lang="en-GB" sz="1800" spc="-1" strike="noStrike">
-                <a:solidFill>
-                  <a:srgbClr val="000000"/>
-                </a:solidFill>
-                <a:uFill>
-                  <a:solidFill>
-                    <a:srgbClr val="ffffff"/>
-                  </a:solidFill>
-                </a:uFill>
-                <a:latin typeface="Arial"/>
-                <a:ea typeface="Noto Sans CJK SC Regular"/>
-              </a:rPr>
-              <a:t>Recently released Python programmer’s reference.</a:t>
-            </a:r>
-            <a:endParaRPr b="0" lang="en-GB" sz="1800" spc="-1" strike="noStrike">
-              <a:solidFill>
-                <a:srgbClr val="000000"/>
-              </a:solidFill>
-              <a:uFill>
-                <a:solidFill>
-                  <a:srgbClr val="ffffff"/>
-                </a:solidFill>
-              </a:uFill>
-              <a:latin typeface="Arial"/>
-            </a:endParaRPr>
-          </a:p>
-          <a:p>
-            <a:pPr>
-              <a:lnSpc>
-                <a:spcPct val="100000"/>
-              </a:lnSpc>
-            </a:pPr>
-            <a:endParaRPr b="0" lang="en-GB" sz="1800" spc="-1" strike="noStrike">
-              <a:solidFill>
-                <a:srgbClr val="000000"/>
-              </a:solidFill>
-              <a:uFill>
-                <a:solidFill>
-                  <a:srgbClr val="ffffff"/>
-                </a:solidFill>
-              </a:uFill>
-              <a:latin typeface="Arial"/>
-            </a:endParaRPr>
-          </a:p>
-        </p:txBody>
-      </p:sp>
-      <p:sp>
-        <p:nvSpPr>
-          <p:cNvPr id="92" name="CustomShape 2"/>
-          <p:cNvSpPr/>
-          <p:nvPr/>
-        </p:nvSpPr>
-        <p:spPr>
-          <a:xfrm>
-            <a:off x="5112360" y="3029760"/>
-            <a:ext cx="4680000" cy="639000"/>
-          </a:xfrm>
-          <a:prstGeom prst="rect">
-            <a:avLst/>
-          </a:prstGeom>
-          <a:noFill/>
-          <a:ln>
-            <a:noFill/>
-          </a:ln>
-        </p:spPr>
-        <p:style>
-          <a:lnRef idx="0"/>
-          <a:fillRef idx="0"/>
-          <a:effectRef idx="0"/>
-          <a:fontRef idx="minor"/>
-        </p:style>
-        <p:txBody>
-          <a:bodyPr lIns="90000" rIns="90000" tIns="45000" bIns="45000"/>
-          <a:p>
-            <a:pPr>
-              <a:lnSpc>
-                <a:spcPct val="100000"/>
-              </a:lnSpc>
-            </a:pPr>
-            <a:r>
-              <a:rPr b="0" lang="en-GB" sz="1800" spc="-1" strike="noStrike">
-                <a:solidFill>
-                  <a:srgbClr val="000000"/>
-                </a:solidFill>
-                <a:uFill>
-                  <a:solidFill>
-                    <a:srgbClr val="ffffff"/>
-                  </a:solidFill>
-                </a:uFill>
-                <a:latin typeface="Arial"/>
-                <a:ea typeface="Noto Sans CJK SC Regular"/>
-              </a:rPr>
-              <a:t>Migliore et al 2014. Olfactory bulb network model. Up to 69,000 cells. </a:t>
-            </a:r>
-            <a:r>
-              <a:rPr b="0" lang="en-GB" sz="1200" spc="-1" strike="noStrike">
-                <a:solidFill>
-                  <a:srgbClr val="3333cc"/>
-                </a:solidFill>
-                <a:uFill>
-                  <a:solidFill>
-                    <a:srgbClr val="ffffff"/>
-                  </a:solidFill>
-                </a:uFill>
-                <a:latin typeface="Arial"/>
-                <a:ea typeface="Noto Sans CJK SC Regular"/>
-              </a:rPr>
-              <a:t>modeldb.yale.edu/151681</a:t>
-            </a:r>
-            <a:endParaRPr b="0" lang="en-GB" sz="1800" spc="-1" strike="noStrike">
-              <a:solidFill>
-                <a:srgbClr val="000000"/>
-              </a:solidFill>
-              <a:uFill>
-                <a:solidFill>
-                  <a:srgbClr val="ffffff"/>
-                </a:solidFill>
-              </a:uFill>
-              <a:latin typeface="Arial"/>
-            </a:endParaRPr>
-          </a:p>
-        </p:txBody>
-      </p:sp>
-      <p:sp>
-        <p:nvSpPr>
-          <p:cNvPr id="93" name="CustomShape 3"/>
-          <p:cNvSpPr/>
-          <p:nvPr/>
-        </p:nvSpPr>
-        <p:spPr>
-          <a:xfrm>
-            <a:off x="5112360" y="6943320"/>
-            <a:ext cx="4680000" cy="639000"/>
-          </a:xfrm>
-          <a:prstGeom prst="rect">
-            <a:avLst/>
-          </a:prstGeom>
-          <a:noFill/>
-          <a:ln>
-            <a:noFill/>
-          </a:ln>
-        </p:spPr>
-        <p:style>
-          <a:lnRef idx="0"/>
-          <a:fillRef idx="0"/>
-          <a:effectRef idx="0"/>
-          <a:fontRef idx="minor"/>
-        </p:style>
-        <p:txBody>
-          <a:bodyPr lIns="90000" rIns="90000" tIns="45000" bIns="45000"/>
-          <a:p>
-            <a:pPr>
-              <a:lnSpc>
-                <a:spcPct val="100000"/>
-              </a:lnSpc>
-            </a:pPr>
-            <a:r>
-              <a:rPr b="0" lang="en-GB" sz="1800" spc="-1" strike="noStrike">
-                <a:solidFill>
-                  <a:srgbClr val="000000"/>
-                </a:solidFill>
-                <a:uFill>
-                  <a:solidFill>
-                    <a:srgbClr val="ffffff"/>
-                  </a:solidFill>
-                </a:uFill>
-                <a:latin typeface="Arial"/>
-                <a:ea typeface="Noto Sans CJK SC Regular"/>
-              </a:rPr>
               <a:t>3D intra- (left) and extracellular (right) reaction-diffusion simulations.</a:t>
             </a:r>
-            <a:endParaRPr b="0" lang="en-GB" sz="1800" spc="-1" strike="noStrike">
-              <a:solidFill>
-                <a:srgbClr val="000000"/>
-              </a:solidFill>
-              <a:uFill>
-                <a:solidFill>
-                  <a:srgbClr val="ffffff"/>
+            <a:endParaRPr lang="en-GB" sz="1800" b="0" strike="noStrike" spc="-1">
+              <a:solidFill>
+                <a:srgbClr val="000000"/>
+              </a:solidFill>
+              <a:uFill>
+                <a:solidFill>
+                  <a:srgbClr val="FFFFFF"/>
                 </a:solidFill>
               </a:uFill>
               <a:latin typeface="Arial"/>
@@ -6073,53 +7006,7 @@
       </p:sp>
       <p:pic>
         <p:nvPicPr>
-          <p:cNvPr id="94" name="Picture 2" descr=""/>
-          <p:cNvPicPr/>
-          <p:nvPr/>
-        </p:nvPicPr>
-        <p:blipFill>
-          <a:blip r:embed="rId1"/>
-          <a:stretch/>
-        </p:blipFill>
-        <p:spPr>
-          <a:xfrm>
-            <a:off x="5244120" y="441720"/>
-            <a:ext cx="3790800" cy="2547720"/>
-          </a:xfrm>
-          <a:prstGeom prst="rect">
-            <a:avLst/>
-          </a:prstGeom>
-          <a:ln>
-            <a:noFill/>
-          </a:ln>
-        </p:spPr>
-      </p:pic>
-      <p:pic>
-        <p:nvPicPr>
-          <p:cNvPr id="95" name="Picture 10" descr=""/>
-          <p:cNvPicPr/>
-          <p:nvPr/>
-        </p:nvPicPr>
-        <p:blipFill>
-          <a:blip r:embed="rId2"/>
-          <a:stretch/>
-        </p:blipFill>
-        <p:spPr>
-          <a:xfrm>
-            <a:off x="4807440" y="4086720"/>
-            <a:ext cx="2644920" cy="2653560"/>
-          </a:xfrm>
-          <a:prstGeom prst="rect">
-            <a:avLst/>
-          </a:prstGeom>
-          <a:ln>
-            <a:noFill/>
-          </a:ln>
-        </p:spPr>
-      </p:pic>
-      <p:pic>
-        <p:nvPicPr>
-          <p:cNvPr id="96" name="Picture 11" descr=""/>
+          <p:cNvPr id="94" name="Picture 2"/>
           <p:cNvPicPr/>
           <p:nvPr/>
         </p:nvPicPr>
@@ -6128,6 +7015,52 @@
           <a:stretch/>
         </p:blipFill>
         <p:spPr>
+          <a:xfrm>
+            <a:off x="5244120" y="441720"/>
+            <a:ext cx="3790800" cy="2547720"/>
+          </a:xfrm>
+          <a:prstGeom prst="rect">
+            <a:avLst/>
+          </a:prstGeom>
+          <a:ln>
+            <a:noFill/>
+          </a:ln>
+        </p:spPr>
+      </p:pic>
+      <p:pic>
+        <p:nvPicPr>
+          <p:cNvPr id="95" name="Picture 10"/>
+          <p:cNvPicPr/>
+          <p:nvPr/>
+        </p:nvPicPr>
+        <p:blipFill>
+          <a:blip r:embed="rId4"/>
+          <a:stretch/>
+        </p:blipFill>
+        <p:spPr>
+          <a:xfrm>
+            <a:off x="4807440" y="4086720"/>
+            <a:ext cx="2644920" cy="2653560"/>
+          </a:xfrm>
+          <a:prstGeom prst="rect">
+            <a:avLst/>
+          </a:prstGeom>
+          <a:ln>
+            <a:noFill/>
+          </a:ln>
+        </p:spPr>
+      </p:pic>
+      <p:pic>
+        <p:nvPicPr>
+          <p:cNvPr id="96" name="Picture 11"/>
+          <p:cNvPicPr/>
+          <p:nvPr/>
+        </p:nvPicPr>
+        <p:blipFill>
+          <a:blip r:embed="rId5"/>
+          <a:stretch/>
+        </p:blipFill>
+        <p:spPr>
           <a:xfrm rot="16200000">
             <a:off x="7762320" y="4698720"/>
             <a:ext cx="2347560" cy="1429920"/>
@@ -6142,22 +7075,25 @@
       </p:pic>
     </p:spTree>
   </p:cSld>
+  <p:clrMapOvr>
+    <a:masterClrMapping/>
+  </p:clrMapOvr>
   <p:timing>
     <p:tnLst>
       <p:par>
-        <p:cTn id="5" dur="indefinite" restart="never" nodeType="tmRoot">
+        <p:cTn id="1" dur="indefinite" restart="never" nodeType="tmRoot">
           <p:childTnLst>
             <p:seq>
-              <p:cTn id="6" nodeType="mainSeq"/>
+              <p:cTn id="2" nodeType="mainSeq"/>
               <p:prevCondLst>
-                <p:cond delay="0" evt="onPrev">
+                <p:cond evt="onPrev" delay="0">
                   <p:tgtEl>
                     <p:sldTgt/>
                   </p:tgtEl>
                 </p:cond>
               </p:prevCondLst>
               <p:nextCondLst>
-                <p:cond delay="0" evt="onNext">
+                <p:cond evt="onNext" delay="0">
                   <p:tgtEl>
                     <p:sldTgt/>
                   </p:tgtEl>
@@ -6173,7 +7109,7 @@
 </file>
 
 <file path=ppt/slides/slide4.xml><?xml version="1.0" encoding="utf-8"?>
-<p:sld xmlns:a="http://schemas.openxmlformats.org/drawingml/2006/main" xmlns:p="http://schemas.openxmlformats.org/presentationml/2006/main" xmlns:r="http://schemas.openxmlformats.org/officeDocument/2006/relationships" xmlns:p14="http://schemas.microsoft.com/office/powerpoint/2010/main" xmlns:p15="http://schemas.microsoft.com/office/powerpoint/2012/main" xmlns:mc="http://schemas.openxmlformats.org/markup-compatibility/2006">
+<p:sld xmlns:a="http://schemas.openxmlformats.org/drawingml/2006/main" xmlns:r="http://schemas.openxmlformats.org/officeDocument/2006/relationships" xmlns:p="http://schemas.openxmlformats.org/presentationml/2006/main">
   <p:cSld>
     <p:spTree>
       <p:nvGrpSpPr>
@@ -6209,13 +7145,20 @@
           </a:ln>
         </p:spPr>
         <p:style>
-          <a:lnRef idx="0"/>
-          <a:fillRef idx="0"/>
-          <a:effectRef idx="0"/>
+          <a:lnRef idx="0">
+            <a:scrgbClr r="0" g="0" b="0"/>
+          </a:lnRef>
+          <a:fillRef idx="0">
+            <a:scrgbClr r="0" g="0" b="0"/>
+          </a:fillRef>
+          <a:effectRef idx="0">
+            <a:scrgbClr r="0" g="0" b="0"/>
+          </a:effectRef>
           <a:fontRef idx="minor"/>
         </p:style>
         <p:txBody>
-          <a:bodyPr lIns="90000" rIns="90000" tIns="45000" bIns="45000"/>
+          <a:bodyPr lIns="90000" tIns="45000" rIns="90000" bIns="45000"/>
+          <a:lstStyle/>
           <a:p>
             <a:pPr>
               <a:lnSpc>
@@ -6223,13 +7166,13 @@
               </a:lnSpc>
             </a:pPr>
             <a:r>
-              <a:rPr b="1" lang="en-GB" sz="1800" spc="-1" strike="noStrike">
+              <a:rPr lang="en-GB" sz="1800" b="1" strike="noStrike" spc="-1" dirty="0">
                 <a:solidFill>
                   <a:srgbClr val="000000"/>
                 </a:solidFill>
                 <a:uFill>
                   <a:solidFill>
-                    <a:srgbClr val="ffffff"/>
+                    <a:srgbClr val="FFFFFF"/>
                   </a:solidFill>
                 </a:uFill>
                 <a:latin typeface="Arial"/>
@@ -6238,13 +7181,13 @@
               <a:t>API documentation</a:t>
             </a:r>
             <a:r>
-              <a:rPr b="0" lang="en-GB" sz="1800" spc="-1" strike="noStrike">
+              <a:rPr lang="en-GB" sz="1800" b="0" strike="noStrike" spc="-1" dirty="0">
                 <a:solidFill>
                   <a:srgbClr val="000000"/>
                 </a:solidFill>
                 <a:uFill>
                   <a:solidFill>
-                    <a:srgbClr val="ffffff"/>
+                    <a:srgbClr val="FFFFFF"/>
                   </a:solidFill>
                 </a:uFill>
                 <a:latin typeface="Arial"/>
@@ -6252,13 +7195,13 @@
               </a:rPr>
               <a:t> (both Python and HOC):</a:t>
             </a:r>
-            <a:endParaRPr b="0" lang="en-GB" sz="1800" spc="-1" strike="noStrike">
-              <a:solidFill>
-                <a:srgbClr val="000000"/>
-              </a:solidFill>
-              <a:uFill>
-                <a:solidFill>
-                  <a:srgbClr val="ffffff"/>
+            <a:endParaRPr lang="en-GB" sz="1800" b="0" strike="noStrike" spc="-1" dirty="0">
+              <a:solidFill>
+                <a:srgbClr val="000000"/>
+              </a:solidFill>
+              <a:uFill>
+                <a:solidFill>
+                  <a:srgbClr val="FFFFFF"/>
                 </a:solidFill>
               </a:uFill>
               <a:latin typeface="Arial"/>
@@ -6271,57 +7214,117 @@
               </a:lnSpc>
             </a:pPr>
             <a:r>
-              <a:rPr b="0" lang="en-GB" sz="1800" spc="-1" strike="noStrike">
+              <a:rPr lang="en-GB" sz="1800" b="0" strike="noStrike" spc="-1" dirty="0">
                 <a:solidFill>
                   <a:srgbClr val="000000"/>
                 </a:solidFill>
                 <a:uFill>
                   <a:solidFill>
-                    <a:srgbClr val="ffffff"/>
+                    <a:srgbClr val="FFFFFF"/>
                   </a:solidFill>
                 </a:uFill>
                 <a:latin typeface="Arial"/>
                 <a:ea typeface="Noto Sans CJK SC Regular"/>
               </a:rPr>
-              <a:t> </a:t>
-            </a:r>
-            <a:r>
-              <a:rPr b="0" lang="en-GB" sz="1800" spc="-1" strike="noStrike">
-                <a:solidFill>
-                  <a:srgbClr val="000000"/>
-                </a:solidFill>
-                <a:uFill>
-                  <a:solidFill>
-                    <a:srgbClr val="ffffff"/>
+              <a:t> 	</a:t>
+            </a:r>
+            <a:r>
+              <a:rPr lang="en-GB" sz="1800" b="0" strike="noStrike" spc="-1" dirty="0">
+                <a:solidFill>
+                  <a:srgbClr val="3333CC"/>
+                </a:solidFill>
+                <a:uFill>
+                  <a:solidFill>
+                    <a:srgbClr val="FFFFFF"/>
                   </a:solidFill>
                 </a:uFill>
                 <a:latin typeface="Arial"/>
                 <a:ea typeface="Noto Sans CJK SC Regular"/>
               </a:rPr>
-              <a:t>	</a:t>
-            </a:r>
-            <a:r>
-              <a:rPr b="0" lang="en-GB" sz="1800" spc="-1" strike="noStrike">
-                <a:solidFill>
-                  <a:srgbClr val="3333cc"/>
-                </a:solidFill>
-                <a:uFill>
-                  <a:solidFill>
-                    <a:srgbClr val="ffffff"/>
+              <a:t>https://</a:t>
+            </a:r>
+            <a:r>
+              <a:rPr lang="en-GB" sz="1800" b="0" strike="noStrike" spc="-1" dirty="0" err="1">
+                <a:solidFill>
+                  <a:srgbClr val="3333CC"/>
+                </a:solidFill>
+                <a:uFill>
+                  <a:solidFill>
+                    <a:srgbClr val="FFFFFF"/>
                   </a:solidFill>
                 </a:uFill>
                 <a:latin typeface="Arial"/>
                 <a:ea typeface="Noto Sans CJK SC Regular"/>
               </a:rPr>
-              <a:t>https://neuron.yale.edu/neuron/static/py_doc/index.html</a:t>
-            </a:r>
-            <a:endParaRPr b="0" lang="en-GB" sz="1800" spc="-1" strike="noStrike">
-              <a:solidFill>
-                <a:srgbClr val="000000"/>
-              </a:solidFill>
-              <a:uFill>
-                <a:solidFill>
-                  <a:srgbClr val="ffffff"/>
+              <a:t>neuron.yale.edu</a:t>
+            </a:r>
+            <a:r>
+              <a:rPr lang="en-GB" sz="1800" b="0" strike="noStrike" spc="-1" dirty="0">
+                <a:solidFill>
+                  <a:srgbClr val="3333CC"/>
+                </a:solidFill>
+                <a:uFill>
+                  <a:solidFill>
+                    <a:srgbClr val="FFFFFF"/>
+                  </a:solidFill>
+                </a:uFill>
+                <a:latin typeface="Arial"/>
+                <a:ea typeface="Noto Sans CJK SC Regular"/>
+              </a:rPr>
+              <a:t>/neuron/static/</a:t>
+            </a:r>
+            <a:r>
+              <a:rPr lang="en-GB" sz="1800" b="0" strike="noStrike" spc="-1" dirty="0" err="1">
+                <a:solidFill>
+                  <a:srgbClr val="3333CC"/>
+                </a:solidFill>
+                <a:uFill>
+                  <a:solidFill>
+                    <a:srgbClr val="FFFFFF"/>
+                  </a:solidFill>
+                </a:uFill>
+                <a:latin typeface="Arial"/>
+                <a:ea typeface="Noto Sans CJK SC Regular"/>
+              </a:rPr>
+              <a:t>py_doc</a:t>
+            </a:r>
+            <a:r>
+              <a:rPr lang="en-GB" sz="1800" b="0" strike="noStrike" spc="-1" dirty="0">
+                <a:solidFill>
+                  <a:srgbClr val="3333CC"/>
+                </a:solidFill>
+                <a:uFill>
+                  <a:solidFill>
+                    <a:srgbClr val="FFFFFF"/>
+                  </a:solidFill>
+                </a:uFill>
+                <a:latin typeface="Arial"/>
+                <a:ea typeface="Noto Sans CJK SC Regular"/>
+              </a:rPr>
+              <a:t>/</a:t>
+            </a:r>
+            <a:r>
+              <a:rPr lang="en-GB" sz="1800" b="0" strike="noStrike" spc="-1" dirty="0" err="1">
+                <a:solidFill>
+                  <a:srgbClr val="3333CC"/>
+                </a:solidFill>
+                <a:uFill>
+                  <a:solidFill>
+                    <a:srgbClr val="FFFFFF"/>
+                  </a:solidFill>
+                </a:uFill>
+                <a:latin typeface="Arial"/>
+                <a:ea typeface="Noto Sans CJK SC Regular"/>
+              </a:rPr>
+              <a:t>index.html</a:t>
+            </a:r>
+            <a:endParaRPr lang="en-GB" sz="1800" b="0" strike="noStrike" spc="-1" dirty="0">
+              <a:solidFill>
+                <a:srgbClr val="000000"/>
+              </a:solidFill>
+              <a:uFill>
+                <a:solidFill>
+                  <a:srgbClr val="FFFFFF"/>
                 </a:solidFill>
               </a:uFill>
               <a:latin typeface="Arial"/>
@@ -6333,13 +7336,13 @@
                 <a:spcPct val="100000"/>
               </a:lnSpc>
             </a:pPr>
-            <a:endParaRPr b="0" lang="en-GB" sz="1800" spc="-1" strike="noStrike">
-              <a:solidFill>
-                <a:srgbClr val="000000"/>
-              </a:solidFill>
-              <a:uFill>
-                <a:solidFill>
-                  <a:srgbClr val="ffffff"/>
+            <a:endParaRPr lang="en-GB" sz="1800" b="0" strike="noStrike" spc="-1" dirty="0">
+              <a:solidFill>
+                <a:srgbClr val="000000"/>
+              </a:solidFill>
+              <a:uFill>
+                <a:solidFill>
+                  <a:srgbClr val="FFFFFF"/>
                 </a:solidFill>
               </a:uFill>
               <a:latin typeface="Arial"/>
@@ -6352,13 +7355,13 @@
               </a:lnSpc>
             </a:pPr>
             <a:r>
-              <a:rPr b="1" lang="en-GB" sz="1800" spc="-1" strike="noStrike">
+              <a:rPr lang="en-GB" sz="1800" b="1" strike="noStrike" spc="-1" dirty="0" err="1">
                 <a:solidFill>
                   <a:srgbClr val="000000"/>
                 </a:solidFill>
                 <a:uFill>
                   <a:solidFill>
-                    <a:srgbClr val="ffffff"/>
+                    <a:srgbClr val="FFFFFF"/>
                   </a:solidFill>
                 </a:uFill>
                 <a:latin typeface="Arial"/>
@@ -6367,27 +7370,27 @@
               <a:t>ModelDB</a:t>
             </a:r>
             <a:r>
-              <a:rPr b="0" lang="en-GB" sz="1800" spc="-1" strike="noStrike">
+              <a:rPr lang="en-GB" sz="1800" b="0" strike="noStrike" spc="-1" dirty="0">
                 <a:solidFill>
                   <a:srgbClr val="000000"/>
                 </a:solidFill>
                 <a:uFill>
                   <a:solidFill>
-                    <a:srgbClr val="ffffff"/>
+                    <a:srgbClr val="FFFFFF"/>
                   </a:solidFill>
                 </a:uFill>
                 <a:latin typeface="Arial"/>
                 <a:ea typeface="Noto Sans CJK SC Regular"/>
               </a:rPr>
-              <a:t> (over 575 NEURON models):</a:t>
-            </a:r>
-            <a:endParaRPr b="0" lang="en-GB" sz="1800" spc="-1" strike="noStrike">
-              <a:solidFill>
-                <a:srgbClr val="000000"/>
-              </a:solidFill>
-              <a:uFill>
-                <a:solidFill>
-                  <a:srgbClr val="ffffff"/>
+              <a:t> (over 675 NEURON models):</a:t>
+            </a:r>
+            <a:endParaRPr lang="en-GB" sz="1800" b="0" strike="noStrike" spc="-1" dirty="0">
+              <a:solidFill>
+                <a:srgbClr val="000000"/>
+              </a:solidFill>
+              <a:uFill>
+                <a:solidFill>
+                  <a:srgbClr val="FFFFFF"/>
                 </a:solidFill>
               </a:uFill>
               <a:latin typeface="Arial"/>
@@ -6400,13 +7403,13 @@
               </a:lnSpc>
             </a:pPr>
             <a:r>
-              <a:rPr b="0" lang="en-GB" sz="1800" spc="-1" strike="noStrike">
+              <a:rPr lang="en-GB" sz="1800" b="0" strike="noStrike" spc="-1" dirty="0">
                 <a:solidFill>
                   <a:srgbClr val="000000"/>
                 </a:solidFill>
                 <a:uFill>
                   <a:solidFill>
-                    <a:srgbClr val="ffffff"/>
+                    <a:srgbClr val="FFFFFF"/>
                   </a:solidFill>
                 </a:uFill>
                 <a:latin typeface="Arial"/>
@@ -6415,27 +7418,42 @@
               <a:t>	</a:t>
             </a:r>
             <a:r>
-              <a:rPr b="0" lang="en-GB" sz="1800" spc="-1" strike="noStrike">
-                <a:solidFill>
-                  <a:srgbClr val="3333cc"/>
-                </a:solidFill>
-                <a:uFill>
-                  <a:solidFill>
-                    <a:srgbClr val="ffffff"/>
+              <a:rPr lang="en-GB" sz="1800" b="0" strike="noStrike" spc="-1" dirty="0">
+                <a:solidFill>
+                  <a:srgbClr val="3333CC"/>
+                </a:solidFill>
+                <a:uFill>
+                  <a:solidFill>
+                    <a:srgbClr val="FFFFFF"/>
                   </a:solidFill>
                 </a:uFill>
                 <a:latin typeface="Arial"/>
                 <a:ea typeface="Noto Sans CJK SC Regular"/>
               </a:rPr>
-              <a:t>http://modeldb.yale.edu</a:t>
-            </a:r>
-            <a:endParaRPr b="0" lang="en-GB" sz="1800" spc="-1" strike="noStrike">
-              <a:solidFill>
-                <a:srgbClr val="000000"/>
-              </a:solidFill>
-              <a:uFill>
-                <a:solidFill>
-                  <a:srgbClr val="ffffff"/>
+              <a:t>http://</a:t>
+            </a:r>
+            <a:r>
+              <a:rPr lang="en-GB" sz="1800" b="0" strike="noStrike" spc="-1" dirty="0" err="1">
+                <a:solidFill>
+                  <a:srgbClr val="3333CC"/>
+                </a:solidFill>
+                <a:uFill>
+                  <a:solidFill>
+                    <a:srgbClr val="FFFFFF"/>
+                  </a:solidFill>
+                </a:uFill>
+                <a:latin typeface="Arial"/>
+                <a:ea typeface="Noto Sans CJK SC Regular"/>
+              </a:rPr>
+              <a:t>modeldb.yale.edu</a:t>
+            </a:r>
+            <a:endParaRPr lang="en-GB" sz="1800" b="0" strike="noStrike" spc="-1" dirty="0">
+              <a:solidFill>
+                <a:srgbClr val="000000"/>
+              </a:solidFill>
+              <a:uFill>
+                <a:solidFill>
+                  <a:srgbClr val="FFFFFF"/>
                 </a:solidFill>
               </a:uFill>
               <a:latin typeface="Arial"/>
@@ -6447,13 +7465,13 @@
                 <a:spcPct val="100000"/>
               </a:lnSpc>
             </a:pPr>
-            <a:endParaRPr b="0" lang="en-GB" sz="1800" spc="-1" strike="noStrike">
-              <a:solidFill>
-                <a:srgbClr val="000000"/>
-              </a:solidFill>
-              <a:uFill>
-                <a:solidFill>
-                  <a:srgbClr val="ffffff"/>
+            <a:endParaRPr lang="en-GB" sz="1800" b="0" strike="noStrike" spc="-1" dirty="0">
+              <a:solidFill>
+                <a:srgbClr val="000000"/>
+              </a:solidFill>
+              <a:uFill>
+                <a:solidFill>
+                  <a:srgbClr val="FFFFFF"/>
                 </a:solidFill>
               </a:uFill>
               <a:latin typeface="Arial"/>
@@ -6466,13 +7484,13 @@
               </a:lnSpc>
             </a:pPr>
             <a:r>
-              <a:rPr b="1" lang="en-GB" sz="1800" spc="-1" strike="noStrike">
+              <a:rPr lang="en-GB" sz="1800" b="1" strike="noStrike" spc="-1" dirty="0">
                 <a:solidFill>
                   <a:srgbClr val="000000"/>
                 </a:solidFill>
                 <a:uFill>
                   <a:solidFill>
-                    <a:srgbClr val="ffffff"/>
+                    <a:srgbClr val="FFFFFF"/>
                   </a:solidFill>
                 </a:uFill>
                 <a:latin typeface="Arial"/>
@@ -6481,27 +7499,27 @@
               <a:t>NEURON forum</a:t>
             </a:r>
             <a:r>
-              <a:rPr b="0" lang="en-GB" sz="1800" spc="-1" strike="noStrike">
+              <a:rPr lang="en-GB" sz="1800" b="0" strike="noStrike" spc="-1" dirty="0">
                 <a:solidFill>
                   <a:srgbClr val="000000"/>
                 </a:solidFill>
                 <a:uFill>
                   <a:solidFill>
-                    <a:srgbClr val="ffffff"/>
+                    <a:srgbClr val="FFFFFF"/>
                   </a:solidFill>
                 </a:uFill>
                 <a:latin typeface="Arial"/>
                 <a:ea typeface="Noto Sans CJK SC Regular"/>
               </a:rPr>
-              <a:t> (over 14,000 posts): </a:t>
-            </a:r>
-            <a:endParaRPr b="0" lang="en-GB" sz="1800" spc="-1" strike="noStrike">
-              <a:solidFill>
-                <a:srgbClr val="000000"/>
-              </a:solidFill>
-              <a:uFill>
-                <a:solidFill>
-                  <a:srgbClr val="ffffff"/>
+              <a:t> (over 16,000 posts): </a:t>
+            </a:r>
+            <a:endParaRPr lang="en-GB" sz="1800" b="0" strike="noStrike" spc="-1" dirty="0">
+              <a:solidFill>
+                <a:srgbClr val="000000"/>
+              </a:solidFill>
+              <a:uFill>
+                <a:solidFill>
+                  <a:srgbClr val="FFFFFF"/>
                 </a:solidFill>
               </a:uFill>
               <a:latin typeface="Arial"/>
@@ -6514,13 +7532,13 @@
               </a:lnSpc>
             </a:pPr>
             <a:r>
-              <a:rPr b="0" lang="en-GB" sz="1800" spc="-1" strike="noStrike">
+              <a:rPr lang="en-GB" sz="1800" b="0" strike="noStrike" spc="-1" dirty="0">
                 <a:solidFill>
                   <a:srgbClr val="000000"/>
                 </a:solidFill>
                 <a:uFill>
                   <a:solidFill>
-                    <a:srgbClr val="ffffff"/>
+                    <a:srgbClr val="FFFFFF"/>
                   </a:solidFill>
                 </a:uFill>
                 <a:latin typeface="Arial"/>
@@ -6529,27 +7547,87 @@
               <a:t>	</a:t>
             </a:r>
             <a:r>
-              <a:rPr b="0" lang="en-GB" sz="1800" spc="-1" strike="noStrike">
-                <a:solidFill>
-                  <a:srgbClr val="3333cc"/>
-                </a:solidFill>
-                <a:uFill>
-                  <a:solidFill>
-                    <a:srgbClr val="ffffff"/>
+              <a:rPr lang="en-GB" sz="1800" b="0" strike="noStrike" spc="-1" dirty="0">
+                <a:solidFill>
+                  <a:srgbClr val="3333CC"/>
+                </a:solidFill>
+                <a:uFill>
+                  <a:solidFill>
+                    <a:srgbClr val="FFFFFF"/>
                   </a:solidFill>
                 </a:uFill>
                 <a:latin typeface="Arial"/>
                 <a:ea typeface="Noto Sans CJK SC Regular"/>
               </a:rPr>
-              <a:t>https://neuron.yale.edu/phpBB/</a:t>
-            </a:r>
-            <a:endParaRPr b="0" lang="en-GB" sz="1800" spc="-1" strike="noStrike">
-              <a:solidFill>
-                <a:srgbClr val="000000"/>
-              </a:solidFill>
-              <a:uFill>
-                <a:solidFill>
-                  <a:srgbClr val="ffffff"/>
+              <a:t>https://</a:t>
+            </a:r>
+            <a:r>
+              <a:rPr lang="en-GB" sz="1800" b="0" strike="noStrike" spc="-1" dirty="0" err="1">
+                <a:solidFill>
+                  <a:srgbClr val="3333CC"/>
+                </a:solidFill>
+                <a:uFill>
+                  <a:solidFill>
+                    <a:srgbClr val="FFFFFF"/>
+                  </a:solidFill>
+                </a:uFill>
+                <a:latin typeface="Arial"/>
+                <a:ea typeface="Noto Sans CJK SC Regular"/>
+              </a:rPr>
+              <a:t>neuron.yale.edu</a:t>
+            </a:r>
+            <a:r>
+              <a:rPr lang="en-GB" sz="1800" b="0" strike="noStrike" spc="-1" dirty="0">
+                <a:solidFill>
+                  <a:srgbClr val="3333CC"/>
+                </a:solidFill>
+                <a:uFill>
+                  <a:solidFill>
+                    <a:srgbClr val="FFFFFF"/>
+                  </a:solidFill>
+                </a:uFill>
+                <a:latin typeface="Arial"/>
+                <a:ea typeface="Noto Sans CJK SC Regular"/>
+              </a:rPr>
+              <a:t>/</a:t>
+            </a:r>
+            <a:r>
+              <a:rPr lang="en-GB" sz="1800" b="0" strike="noStrike" spc="-1" dirty="0" err="1">
+                <a:solidFill>
+                  <a:srgbClr val="3333CC"/>
+                </a:solidFill>
+                <a:uFill>
+                  <a:solidFill>
+                    <a:srgbClr val="FFFFFF"/>
+                  </a:solidFill>
+                </a:uFill>
+                <a:latin typeface="Arial"/>
+                <a:ea typeface="Noto Sans CJK SC Regular"/>
+              </a:rPr>
+              <a:t>phpBB</a:t>
+            </a:r>
+            <a:r>
+              <a:rPr lang="en-GB" sz="1800" b="0" strike="noStrike" spc="-1" dirty="0">
+                <a:solidFill>
+                  <a:srgbClr val="3333CC"/>
+                </a:solidFill>
+                <a:uFill>
+                  <a:solidFill>
+                    <a:srgbClr val="FFFFFF"/>
+                  </a:solidFill>
+                </a:uFill>
+                <a:latin typeface="Arial"/>
+                <a:ea typeface="Noto Sans CJK SC Regular"/>
+              </a:rPr>
+              <a:t>/</a:t>
+            </a:r>
+            <a:endParaRPr lang="en-GB" sz="1800" b="0" strike="noStrike" spc="-1" dirty="0">
+              <a:solidFill>
+                <a:srgbClr val="000000"/>
+              </a:solidFill>
+              <a:uFill>
+                <a:solidFill>
+                  <a:srgbClr val="FFFFFF"/>
                 </a:solidFill>
               </a:uFill>
               <a:latin typeface="Arial"/>
@@ -6561,13 +7639,13 @@
                 <a:spcPct val="100000"/>
               </a:lnSpc>
             </a:pPr>
-            <a:endParaRPr b="0" lang="en-GB" sz="1800" spc="-1" strike="noStrike">
-              <a:solidFill>
-                <a:srgbClr val="000000"/>
-              </a:solidFill>
-              <a:uFill>
-                <a:solidFill>
-                  <a:srgbClr val="ffffff"/>
+            <a:endParaRPr lang="en-GB" sz="1800" b="0" strike="noStrike" spc="-1" dirty="0">
+              <a:solidFill>
+                <a:srgbClr val="000000"/>
+              </a:solidFill>
+              <a:uFill>
+                <a:solidFill>
+                  <a:srgbClr val="FFFFFF"/>
                 </a:solidFill>
               </a:uFill>
               <a:latin typeface="Arial"/>
@@ -6580,13 +7658,13 @@
               </a:lnSpc>
             </a:pPr>
             <a:r>
-              <a:rPr b="1" lang="en-GB" sz="1800" spc="-1" strike="noStrike">
+              <a:rPr lang="en-GB" sz="1800" b="1" strike="noStrike" spc="-1" dirty="0">
                 <a:solidFill>
                   <a:srgbClr val="000000"/>
                 </a:solidFill>
                 <a:uFill>
                   <a:solidFill>
-                    <a:srgbClr val="ffffff"/>
+                    <a:srgbClr val="FFFFFF"/>
                   </a:solidFill>
                 </a:uFill>
                 <a:latin typeface="Arial"/>
@@ -6595,13 +7673,13 @@
               <a:t>Tutorials</a:t>
             </a:r>
             <a:r>
-              <a:rPr b="0" lang="en-GB" sz="1800" spc="-1" strike="noStrike">
+              <a:rPr lang="en-GB" sz="1800" b="0" strike="noStrike" spc="-1" dirty="0">
                 <a:solidFill>
                   <a:srgbClr val="000000"/>
                 </a:solidFill>
                 <a:uFill>
                   <a:solidFill>
-                    <a:srgbClr val="ffffff"/>
+                    <a:srgbClr val="FFFFFF"/>
                   </a:solidFill>
                 </a:uFill>
                 <a:latin typeface="Arial"/>
@@ -6609,13 +7687,13 @@
               </a:rPr>
               <a:t>: </a:t>
             </a:r>
-            <a:endParaRPr b="0" lang="en-GB" sz="1800" spc="-1" strike="noStrike">
-              <a:solidFill>
-                <a:srgbClr val="000000"/>
-              </a:solidFill>
-              <a:uFill>
-                <a:solidFill>
-                  <a:srgbClr val="ffffff"/>
+            <a:endParaRPr lang="en-GB" sz="1800" b="0" strike="noStrike" spc="-1" dirty="0">
+              <a:solidFill>
+                <a:srgbClr val="000000"/>
+              </a:solidFill>
+              <a:uFill>
+                <a:solidFill>
+                  <a:srgbClr val="FFFFFF"/>
                 </a:solidFill>
               </a:uFill>
               <a:latin typeface="Arial"/>
@@ -6628,42 +7706,57 @@
               </a:lnSpc>
             </a:pPr>
             <a:r>
-              <a:rPr b="0" lang="en-GB" sz="1800" spc="-1" strike="noStrike">
-                <a:solidFill>
-                  <a:srgbClr val="3333cc"/>
-                </a:solidFill>
-                <a:uFill>
-                  <a:solidFill>
-                    <a:srgbClr val="ffffff"/>
+              <a:rPr lang="en-GB" sz="1800" b="0" strike="noStrike" spc="-1" dirty="0">
+                <a:solidFill>
+                  <a:srgbClr val="3333CC"/>
+                </a:solidFill>
+                <a:uFill>
+                  <a:solidFill>
+                    <a:srgbClr val="FFFFFF"/>
                   </a:solidFill>
                 </a:uFill>
                 <a:latin typeface="Arial"/>
                 <a:ea typeface="Noto Sans CJK SC Regular"/>
               </a:rPr>
-              <a:t>	</a:t>
-            </a:r>
-            <a:r>
-              <a:rPr b="0" lang="en-GB" sz="1800" spc="-1" strike="noStrike">
-                <a:solidFill>
-                  <a:srgbClr val="3333cc"/>
-                </a:solidFill>
-                <a:uFill>
-                  <a:solidFill>
-                    <a:srgbClr val="ffffff"/>
+              <a:t>	http://</a:t>
+            </a:r>
+            <a:r>
+              <a:rPr lang="en-GB" sz="1800" b="0" strike="noStrike" spc="-1" dirty="0" err="1">
+                <a:solidFill>
+                  <a:srgbClr val="3333CC"/>
+                </a:solidFill>
+                <a:uFill>
+                  <a:solidFill>
+                    <a:srgbClr val="FFFFFF"/>
                   </a:solidFill>
                 </a:uFill>
                 <a:latin typeface="Arial"/>
                 <a:ea typeface="Noto Sans CJK SC Regular"/>
               </a:rPr>
-              <a:t>http://neuron.yale.edu/neuron/docs</a:t>
-            </a:r>
-            <a:endParaRPr b="0" lang="en-GB" sz="1800" spc="-1" strike="noStrike">
-              <a:solidFill>
-                <a:srgbClr val="000000"/>
-              </a:solidFill>
-              <a:uFill>
-                <a:solidFill>
-                  <a:srgbClr val="ffffff"/>
+              <a:t>neuron.yale.edu</a:t>
+            </a:r>
+            <a:r>
+              <a:rPr lang="en-GB" sz="1800" b="0" strike="noStrike" spc="-1" dirty="0">
+                <a:solidFill>
+                  <a:srgbClr val="3333CC"/>
+                </a:solidFill>
+                <a:uFill>
+                  <a:solidFill>
+                    <a:srgbClr val="FFFFFF"/>
+                  </a:solidFill>
+                </a:uFill>
+                <a:latin typeface="Arial"/>
+                <a:ea typeface="Noto Sans CJK SC Regular"/>
+              </a:rPr>
+              <a:t>/neuron/docs</a:t>
+            </a:r>
+            <a:endParaRPr lang="en-GB" sz="1800" b="0" strike="noStrike" spc="-1" dirty="0">
+              <a:solidFill>
+                <a:srgbClr val="000000"/>
+              </a:solidFill>
+              <a:uFill>
+                <a:solidFill>
+                  <a:srgbClr val="FFFFFF"/>
                 </a:solidFill>
               </a:uFill>
               <a:latin typeface="Arial"/>
@@ -6675,13 +7768,13 @@
                 <a:spcPct val="100000"/>
               </a:lnSpc>
             </a:pPr>
-            <a:endParaRPr b="0" lang="en-GB" sz="1800" spc="-1" strike="noStrike">
-              <a:solidFill>
-                <a:srgbClr val="000000"/>
-              </a:solidFill>
-              <a:uFill>
-                <a:solidFill>
-                  <a:srgbClr val="ffffff"/>
+            <a:endParaRPr lang="en-GB" sz="1800" b="0" strike="noStrike" spc="-1" dirty="0">
+              <a:solidFill>
+                <a:srgbClr val="000000"/>
+              </a:solidFill>
+              <a:uFill>
+                <a:solidFill>
+                  <a:srgbClr val="FFFFFF"/>
                 </a:solidFill>
               </a:uFill>
               <a:latin typeface="Arial"/>
@@ -6694,13 +7787,13 @@
               </a:lnSpc>
             </a:pPr>
             <a:r>
-              <a:rPr b="1" lang="en-GB" sz="1800" spc="-1" strike="noStrike">
+              <a:rPr lang="en-GB" sz="1800" b="1" strike="noStrike" spc="-1" dirty="0">
                 <a:solidFill>
                   <a:srgbClr val="000000"/>
                 </a:solidFill>
                 <a:uFill>
                   <a:solidFill>
-                    <a:srgbClr val="ffffff"/>
+                    <a:srgbClr val="FFFFFF"/>
                   </a:solidFill>
                 </a:uFill>
                 <a:latin typeface="Arial"/>
@@ -6709,13 +7802,13 @@
               <a:t>NEURON courses</a:t>
             </a:r>
             <a:r>
-              <a:rPr b="0" lang="en-GB" sz="1800" spc="-1" strike="noStrike">
+              <a:rPr lang="en-GB" sz="1800" b="0" strike="noStrike" spc="-1" dirty="0">
                 <a:solidFill>
                   <a:srgbClr val="000000"/>
                 </a:solidFill>
                 <a:uFill>
                   <a:solidFill>
-                    <a:srgbClr val="ffffff"/>
+                    <a:srgbClr val="FFFFFF"/>
                   </a:solidFill>
                 </a:uFill>
                 <a:latin typeface="Arial"/>
@@ -6723,13 +7816,13 @@
               </a:rPr>
               <a:t>:</a:t>
             </a:r>
-            <a:endParaRPr b="0" lang="en-GB" sz="1800" spc="-1" strike="noStrike">
-              <a:solidFill>
-                <a:srgbClr val="000000"/>
-              </a:solidFill>
-              <a:uFill>
-                <a:solidFill>
-                  <a:srgbClr val="ffffff"/>
+            <a:endParaRPr lang="en-GB" sz="1800" b="0" strike="noStrike" spc="-1" dirty="0">
+              <a:solidFill>
+                <a:srgbClr val="000000"/>
+              </a:solidFill>
+              <a:uFill>
+                <a:solidFill>
+                  <a:srgbClr val="FFFFFF"/>
                 </a:solidFill>
               </a:uFill>
               <a:latin typeface="Arial"/>
@@ -6742,42 +7835,27 @@
               </a:lnSpc>
             </a:pPr>
             <a:r>
-              <a:rPr b="0" lang="en-GB" sz="1800" spc="-1" strike="noStrike">
+              <a:rPr lang="en-GB" sz="1800" b="0" strike="noStrike" spc="-1" dirty="0">
                 <a:solidFill>
                   <a:srgbClr val="000000"/>
                 </a:solidFill>
                 <a:uFill>
                   <a:solidFill>
-                    <a:srgbClr val="ffffff"/>
+                    <a:srgbClr val="FFFFFF"/>
                   </a:solidFill>
                 </a:uFill>
                 <a:latin typeface="Arial"/>
                 <a:ea typeface="Noto Sans CJK SC Regular"/>
               </a:rPr>
-              <a:t>	</a:t>
-            </a:r>
-            <a:r>
-              <a:rPr b="0" lang="en-GB" sz="1800" spc="-1" strike="noStrike">
-                <a:solidFill>
-                  <a:srgbClr val="000000"/>
-                </a:solidFill>
-                <a:uFill>
-                  <a:solidFill>
-                    <a:srgbClr val="ffffff"/>
-                  </a:solidFill>
-                </a:uFill>
-                <a:latin typeface="Arial"/>
-                <a:ea typeface="Noto Sans CJK SC Regular"/>
-              </a:rPr>
-              <a:t>Week-long NEURON course every summer.</a:t>
-            </a:r>
-            <a:endParaRPr b="0" lang="en-GB" sz="1800" spc="-1" strike="noStrike">
-              <a:solidFill>
-                <a:srgbClr val="000000"/>
-              </a:solidFill>
-              <a:uFill>
-                <a:solidFill>
-                  <a:srgbClr val="ffffff"/>
+              <a:t>	Week-long NEURON course every summer.</a:t>
+            </a:r>
+            <a:endParaRPr lang="en-GB" sz="1800" b="0" strike="noStrike" spc="-1" dirty="0">
+              <a:solidFill>
+                <a:srgbClr val="000000"/>
+              </a:solidFill>
+              <a:uFill>
+                <a:solidFill>
+                  <a:srgbClr val="FFFFFF"/>
                 </a:solidFill>
               </a:uFill>
               <a:latin typeface="Arial"/>
@@ -6790,42 +7868,27 @@
               </a:lnSpc>
             </a:pPr>
             <a:r>
-              <a:rPr b="0" lang="en-GB" sz="1800" spc="-1" strike="noStrike">
+              <a:rPr lang="en-GB" sz="1800" b="0" strike="noStrike" spc="-1" dirty="0">
                 <a:solidFill>
                   <a:srgbClr val="000000"/>
                 </a:solidFill>
                 <a:uFill>
                   <a:solidFill>
-                    <a:srgbClr val="ffffff"/>
+                    <a:srgbClr val="FFFFFF"/>
                   </a:solidFill>
                 </a:uFill>
                 <a:latin typeface="Arial"/>
                 <a:ea typeface="Noto Sans CJK SC Regular"/>
               </a:rPr>
-              <a:t>	</a:t>
-            </a:r>
-            <a:r>
-              <a:rPr b="0" lang="en-GB" sz="1800" spc="-1" strike="noStrike">
-                <a:solidFill>
-                  <a:srgbClr val="000000"/>
-                </a:solidFill>
-                <a:uFill>
-                  <a:solidFill>
-                    <a:srgbClr val="ffffff"/>
-                  </a:solidFill>
-                </a:uFill>
-                <a:latin typeface="Arial"/>
-                <a:ea typeface="Noto Sans CJK SC Regular"/>
-              </a:rPr>
-              <a:t>Day-long NEURON course before each Society for Neuroscience conference.</a:t>
-            </a:r>
-            <a:endParaRPr b="0" lang="en-GB" sz="1800" spc="-1" strike="noStrike">
-              <a:solidFill>
-                <a:srgbClr val="000000"/>
-              </a:solidFill>
-              <a:uFill>
-                <a:solidFill>
-                  <a:srgbClr val="ffffff"/>
+              <a:t>	Day-long NEURON course before Society for Neuroscience conferences.</a:t>
+            </a:r>
+            <a:endParaRPr lang="en-GB" sz="1800" b="0" strike="noStrike" spc="-1" dirty="0">
+              <a:solidFill>
+                <a:srgbClr val="000000"/>
+              </a:solidFill>
+              <a:uFill>
+                <a:solidFill>
+                  <a:srgbClr val="FFFFFF"/>
                 </a:solidFill>
               </a:uFill>
               <a:latin typeface="Arial"/>
@@ -6837,13 +7900,13 @@
                 <a:spcPct val="100000"/>
               </a:lnSpc>
             </a:pPr>
-            <a:endParaRPr b="0" lang="en-GB" sz="1800" spc="-1" strike="noStrike">
-              <a:solidFill>
-                <a:srgbClr val="000000"/>
-              </a:solidFill>
-              <a:uFill>
-                <a:solidFill>
-                  <a:srgbClr val="ffffff"/>
+            <a:endParaRPr lang="en-GB" sz="1800" b="0" strike="noStrike" spc="-1" dirty="0">
+              <a:solidFill>
+                <a:srgbClr val="000000"/>
+              </a:solidFill>
+              <a:uFill>
+                <a:solidFill>
+                  <a:srgbClr val="FFFFFF"/>
                 </a:solidFill>
               </a:uFill>
               <a:latin typeface="Arial"/>
@@ -6871,13 +7934,20 @@
           </a:ln>
         </p:spPr>
         <p:style>
-          <a:lnRef idx="0"/>
-          <a:fillRef idx="0"/>
-          <a:effectRef idx="0"/>
+          <a:lnRef idx="0">
+            <a:scrgbClr r="0" g="0" b="0"/>
+          </a:lnRef>
+          <a:fillRef idx="0">
+            <a:scrgbClr r="0" g="0" b="0"/>
+          </a:fillRef>
+          <a:effectRef idx="0">
+            <a:scrgbClr r="0" g="0" b="0"/>
+          </a:effectRef>
           <a:fontRef idx="minor"/>
         </p:style>
         <p:txBody>
-          <a:bodyPr lIns="90000" rIns="90000" tIns="45000" bIns="45000"/>
+          <a:bodyPr lIns="90000" tIns="45000" rIns="90000" bIns="45000"/>
+          <a:lstStyle/>
           <a:p>
             <a:pPr algn="ctr">
               <a:lnSpc>
@@ -6885,13 +7955,13 @@
               </a:lnSpc>
             </a:pPr>
             <a:r>
-              <a:rPr b="0" lang="en-GB" sz="3600" spc="-1" strike="noStrike">
+              <a:rPr lang="en-GB" sz="3600" b="0" strike="noStrike" spc="-1">
                 <a:solidFill>
                   <a:srgbClr val="000000"/>
                 </a:solidFill>
                 <a:uFill>
                   <a:solidFill>
-                    <a:srgbClr val="ffffff"/>
+                    <a:srgbClr val="FFFFFF"/>
                   </a:solidFill>
                 </a:uFill>
                 <a:latin typeface="Arial"/>
@@ -6899,13 +7969,13 @@
               </a:rPr>
               <a:t>More NEURON Resources</a:t>
             </a:r>
-            <a:endParaRPr b="0" lang="en-GB" sz="1800" spc="-1" strike="noStrike">
-              <a:solidFill>
-                <a:srgbClr val="000000"/>
-              </a:solidFill>
-              <a:uFill>
-                <a:solidFill>
-                  <a:srgbClr val="ffffff"/>
+            <a:endParaRPr lang="en-GB" sz="1800" b="0" strike="noStrike" spc="-1">
+              <a:solidFill>
+                <a:srgbClr val="000000"/>
+              </a:solidFill>
+              <a:uFill>
+                <a:solidFill>
+                  <a:srgbClr val="FFFFFF"/>
                 </a:solidFill>
               </a:uFill>
               <a:latin typeface="Arial"/>
@@ -6915,22 +7985,25 @@
       </p:sp>
     </p:spTree>
   </p:cSld>
+  <p:clrMapOvr>
+    <a:masterClrMapping/>
+  </p:clrMapOvr>
   <p:timing>
     <p:tnLst>
       <p:par>
-        <p:cTn id="7" dur="indefinite" restart="never" nodeType="tmRoot">
+        <p:cTn id="1" dur="indefinite" restart="never" nodeType="tmRoot">
           <p:childTnLst>
             <p:seq>
-              <p:cTn id="8" nodeType="mainSeq"/>
+              <p:cTn id="2" nodeType="mainSeq"/>
               <p:prevCondLst>
-                <p:cond delay="0" evt="onPrev">
+                <p:cond evt="onPrev" delay="0">
                   <p:tgtEl>
                     <p:sldTgt/>
                   </p:tgtEl>
                 </p:cond>
               </p:prevCondLst>
               <p:nextCondLst>
-                <p:cond delay="0" evt="onNext">
+                <p:cond evt="onNext" delay="0">
                   <p:tgtEl>
                     <p:sldTgt/>
                   </p:tgtEl>
@@ -7165,6 +8238,8 @@
       </a:bgFillStyleLst>
     </a:fmtScheme>
   </a:themeElements>
+  <a:objectDefaults/>
+  <a:extraClrSchemeLst/>
 </a:theme>
 </file>
 
@@ -7388,6 +8463,8 @@
       </a:bgFillStyleLst>
     </a:fmtScheme>
   </a:themeElements>
+  <a:objectDefaults/>
+  <a:extraClrSchemeLst/>
 </a:theme>
 </file>
 
@@ -7611,5 +8688,7 @@
       </a:bgFillStyleLst>
     </a:fmtScheme>
   </a:themeElements>
+  <a:objectDefaults/>
+  <a:extraClrSchemeLst/>
 </a:theme>
 </file>